--- a/presentatie/protidefpres.pptx
+++ b/presentatie/protidefpres.pptx
@@ -5,7 +5,7 @@
     <p:sldMasterId id="2147483682" r:id="rId1"/>
   </p:sldMasterIdLst>
   <p:notesMasterIdLst>
-    <p:notesMasterId r:id="rId18"/>
+    <p:notesMasterId r:id="rId17"/>
   </p:notesMasterIdLst>
   <p:sldIdLst>
     <p:sldId id="256" r:id="rId2"/>
@@ -22,8 +22,7 @@
     <p:sldId id="269" r:id="rId13"/>
     <p:sldId id="270" r:id="rId14"/>
     <p:sldId id="271" r:id="rId15"/>
-    <p:sldId id="279" r:id="rId16"/>
-    <p:sldId id="280" r:id="rId17"/>
+    <p:sldId id="280" r:id="rId16"/>
   </p:sldIdLst>
   <p:sldSz cx="9144000" cy="5143500" type="screen16x9"/>
   <p:notesSz cx="6858000" cy="9144000"/>
@@ -15784,115 +15783,6 @@
           <p:cNvPr id="2" name="Title 1">
             <a:extLst>
               <a:ext uri="{FF2B5EF4-FFF2-40B4-BE49-F238E27FC236}">
-                <a16:creationId xmlns:a16="http://schemas.microsoft.com/office/drawing/2014/main" id="{40F5F9C4-81A8-4EC5-BCDB-7F4B939783A5}"/>
-              </a:ext>
-            </a:extLst>
-          </p:cNvPr>
-          <p:cNvSpPr>
-            <a:spLocks noGrp="1"/>
-          </p:cNvSpPr>
-          <p:nvPr>
-            <p:ph type="title"/>
-          </p:nvPr>
-        </p:nvSpPr>
-        <p:spPr/>
-        <p:txBody>
-          <a:bodyPr/>
-          <a:lstStyle/>
-          <a:p>
-            <a:r>
-              <a:rPr lang="en-US" dirty="0" err="1"/>
-              <a:t>Conclusie</a:t>
-            </a:r>
-            <a:endParaRPr lang="en-US" dirty="0"/>
-          </a:p>
-        </p:txBody>
-      </p:sp>
-      <p:sp>
-        <p:nvSpPr>
-          <p:cNvPr id="3" name="Text Placeholder 2">
-            <a:extLst>
-              <a:ext uri="{FF2B5EF4-FFF2-40B4-BE49-F238E27FC236}">
-                <a16:creationId xmlns:a16="http://schemas.microsoft.com/office/drawing/2014/main" id="{104EFBD5-0FDF-43B0-AA3C-906EAA6050BB}"/>
-              </a:ext>
-            </a:extLst>
-          </p:cNvPr>
-          <p:cNvSpPr>
-            <a:spLocks noGrp="1"/>
-          </p:cNvSpPr>
-          <p:nvPr>
-            <p:ph type="body" idx="1"/>
-          </p:nvPr>
-        </p:nvSpPr>
-        <p:spPr>
-          <a:xfrm>
-            <a:off x="653315" y="1581690"/>
-            <a:ext cx="7680600" cy="2967000"/>
-          </a:xfrm>
-        </p:spPr>
-        <p:txBody>
-          <a:bodyPr/>
-          <a:lstStyle/>
-          <a:p>
-            <a:pPr marL="139700" indent="0">
-              <a:buNone/>
-            </a:pPr>
-            <a:r>
-              <a:rPr lang="nl-NL" sz="1600" dirty="0">
-                <a:solidFill>
-                  <a:schemeClr val="dk1"/>
-                </a:solidFill>
-                <a:latin typeface="Avenir"/>
-                <a:ea typeface="Avenir"/>
-                <a:cs typeface="Avenir"/>
-                <a:sym typeface="Avenir"/>
-              </a:rPr>
-              <a:t>Op dit moment laten de resultaten zien dat algoritmes met de minste tijd en het minste geheugen tot een optimum kunnen komen. Deze algoritmes kunnen we in de toekomst in de richting van native states uitbreiden.</a:t>
-            </a:r>
-          </a:p>
-          <a:p>
-            <a:pPr marL="139700" indent="0">
-              <a:buNone/>
-            </a:pPr>
-            <a:endParaRPr lang="en-US" dirty="0"/>
-          </a:p>
-        </p:txBody>
-      </p:sp>
-    </p:spTree>
-    <p:extLst>
-      <p:ext uri="{BB962C8B-B14F-4D97-AF65-F5344CB8AC3E}">
-        <p14:creationId xmlns:p14="http://schemas.microsoft.com/office/powerpoint/2010/main" val="2612532796"/>
-      </p:ext>
-    </p:extLst>
-  </p:cSld>
-  <p:clrMapOvr>
-    <a:masterClrMapping/>
-  </p:clrMapOvr>
-</p:sld>
-</file>
-
-<file path=ppt/slides/slide16.xml><?xml version="1.0" encoding="utf-8"?>
-<p:sld xmlns:a="http://schemas.openxmlformats.org/drawingml/2006/main" xmlns:r="http://schemas.openxmlformats.org/officeDocument/2006/relationships" xmlns:p="http://schemas.openxmlformats.org/presentationml/2006/main">
-  <p:cSld>
-    <p:spTree>
-      <p:nvGrpSpPr>
-        <p:cNvPr id="1" name=""/>
-        <p:cNvGrpSpPr/>
-        <p:nvPr/>
-      </p:nvGrpSpPr>
-      <p:grpSpPr>
-        <a:xfrm>
-          <a:off x="0" y="0"/>
-          <a:ext cx="0" cy="0"/>
-          <a:chOff x="0" y="0"/>
-          <a:chExt cx="0" cy="0"/>
-        </a:xfrm>
-      </p:grpSpPr>
-      <p:sp>
-        <p:nvSpPr>
-          <p:cNvPr id="2" name="Title 1">
-            <a:extLst>
-              <a:ext uri="{FF2B5EF4-FFF2-40B4-BE49-F238E27FC236}">
                 <a16:creationId xmlns:a16="http://schemas.microsoft.com/office/drawing/2014/main" id="{1747F373-5769-4CEF-B4EC-7C21878F3C58}"/>
               </a:ext>
             </a:extLst>
@@ -16708,8 +16598,8 @@
           </a:p>
         </p:txBody>
       </p:sp>
-      <mc:AlternateContent xmlns:mc="http://schemas.openxmlformats.org/markup-compatibility/2006">
-        <mc:Choice xmlns:a14="http://schemas.microsoft.com/office/drawing/2010/main" Requires="a14">
+      <mc:AlternateContent xmlns:mc="http://schemas.openxmlformats.org/markup-compatibility/2006" xmlns:a14="http://schemas.microsoft.com/office/drawing/2010/main">
+        <mc:Choice Requires="a14">
           <p:sp>
             <p:nvSpPr>
               <p:cNvPr id="113" name="Google Shape;113;p16"/>
@@ -16959,7 +16849,7 @@
             </p:txBody>
           </p:sp>
         </mc:Choice>
-        <mc:Fallback>
+        <mc:Fallback xmlns="">
           <p:sp>
             <p:nvSpPr>
               <p:cNvPr id="113" name="Google Shape;113;p16"/>
@@ -18435,8 +18325,8 @@
           </a:p>
         </p:txBody>
       </p:sp>
-      <mc:AlternateContent xmlns:mc="http://schemas.openxmlformats.org/markup-compatibility/2006">
-        <mc:Choice xmlns:a14="http://schemas.microsoft.com/office/drawing/2010/main" Requires="a14">
+      <mc:AlternateContent xmlns:mc="http://schemas.openxmlformats.org/markup-compatibility/2006" xmlns:a14="http://schemas.microsoft.com/office/drawing/2010/main">
+        <mc:Choice Requires="a14">
           <p:sp>
             <p:nvSpPr>
               <p:cNvPr id="3" name="Text Placeholder 2">
@@ -18658,13 +18548,7 @@
                           <a:rPr lang="en-US" i="1" dirty="0">
                             <a:latin typeface="Cambria Math" panose="02040503050406030204" pitchFamily="18" charset="0"/>
                           </a:rPr>
-                          <m:t>𝑛𝑖𝑒𝑢𝑤</m:t>
-                        </m:r>
-                        <m:r>
-                          <a:rPr lang="nl-NL" i="1" dirty="0">
-                            <a:latin typeface="Cambria Math" panose="02040503050406030204" pitchFamily="18" charset="0"/>
-                          </a:rPr>
-                          <m:t>𝑒</m:t>
+                          <m:t>𝑛𝑖𝑒𝑢𝑤𝑒</m:t>
                         </m:r>
                         <m:r>
                           <a:rPr lang="nl-NL" i="1" dirty="0">
@@ -18682,13 +18566,7 @@
                           <a:rPr lang="en-US" i="1" dirty="0">
                             <a:latin typeface="Cambria Math" panose="02040503050406030204" pitchFamily="18" charset="0"/>
                           </a:rPr>
-                          <m:t>)</m:t>
-                        </m:r>
-                        <m:r>
-                          <a:rPr lang="en-US" i="1" dirty="0">
-                            <a:latin typeface="Cambria Math" panose="02040503050406030204" pitchFamily="18" charset="0"/>
-                          </a:rPr>
-                          <m:t> /</m:t>
+                          <m:t>) /</m:t>
                         </m:r>
                         <m:r>
                           <a:rPr lang="en-US" i="1" dirty="0" err="1">
@@ -18818,7 +18696,7 @@
             </p:txBody>
           </p:sp>
         </mc:Choice>
-        <mc:Fallback>
+        <mc:Fallback xmlns="">
           <p:sp>
             <p:nvSpPr>
               <p:cNvPr id="3" name="Text Placeholder 2">
@@ -19190,8 +19068,8 @@
           </a:ln>
         </p:spPr>
       </p:pic>
-      <mc:AlternateContent xmlns:mc="http://schemas.openxmlformats.org/markup-compatibility/2006">
-        <mc:Choice xmlns:a14="http://schemas.microsoft.com/office/drawing/2010/main" Requires="a14">
+      <mc:AlternateContent xmlns:mc="http://schemas.openxmlformats.org/markup-compatibility/2006" xmlns:a14="http://schemas.microsoft.com/office/drawing/2010/main">
+        <mc:Choice Requires="a14">
           <p:sp>
             <p:nvSpPr>
               <p:cNvPr id="2" name="Tekstvak 1">
@@ -19286,7 +19164,7 @@
             </p:txBody>
           </p:sp>
         </mc:Choice>
-        <mc:Fallback>
+        <mc:Fallback xmlns="">
           <p:sp>
             <p:nvSpPr>
               <p:cNvPr id="2" name="Tekstvak 1">

--- a/presentatie/protidefpres.pptx
+++ b/presentatie/protidefpres.pptx
@@ -5,7 +5,7 @@
     <p:sldMasterId id="2147483682" r:id="rId1"/>
   </p:sldMasterIdLst>
   <p:notesMasterIdLst>
-    <p:notesMasterId r:id="rId17"/>
+    <p:notesMasterId r:id="rId18"/>
   </p:notesMasterIdLst>
   <p:sldIdLst>
     <p:sldId id="256" r:id="rId2"/>
@@ -23,6 +23,7 @@
     <p:sldId id="270" r:id="rId14"/>
     <p:sldId id="271" r:id="rId15"/>
     <p:sldId id="280" r:id="rId16"/>
+    <p:sldId id="281" r:id="rId17"/>
   </p:sldIdLst>
   <p:sldSz cx="9144000" cy="5143500" type="screen16x9"/>
   <p:notesSz cx="6858000" cy="9144000"/>
@@ -15840,30 +15841,7 @@
           <a:p>
             <a:r>
               <a:rPr lang="nl" sz="1400" dirty="0"/>
-              <a:t>Kritiek op het simuleren van eiwitstructuren is dat er wat stabiliteit betreft een beste vouwing gevonden kan worden maar dat dit niet noodzakelijkerwijs de vouwing is die daadwerkelijk in de natuur voorkomt. Een aanpassing  van het huidige programma kan de gevonden oplossingen rangschikken naar mate van eenvoud.</a:t>
-            </a:r>
-            <a:endParaRPr lang="nl-NL" sz="1400" dirty="0">
-              <a:solidFill>
-                <a:schemeClr val="dk1"/>
-              </a:solidFill>
-              <a:latin typeface="Avenir"/>
-              <a:ea typeface="Avenir"/>
-              <a:cs typeface="Avenir"/>
-              <a:sym typeface="Avenir"/>
-            </a:endParaRPr>
-          </a:p>
-          <a:p>
-            <a:r>
-              <a:rPr lang="nl-NL" sz="1400" dirty="0">
-                <a:solidFill>
-                  <a:schemeClr val="dk1"/>
-                </a:solidFill>
-                <a:latin typeface="Avenir"/>
-                <a:ea typeface="Avenir"/>
-                <a:cs typeface="Avenir"/>
-                <a:sym typeface="Avenir"/>
-              </a:rPr>
-              <a:t>Bij strings met lengte 48 zijn er 1000 tot 1.5 miljoen optimale vouwingen (Yue et al., 1995). Een relevante richting voor de simulatie van eiwitstructuren is het benaderen van ‘native states’, ofwel: hoe de structuren in de natuur voorkomen.</a:t>
+              <a:t>Kritiek op het simuleren van eiwitstructuren is dat de gevonden vouwing niet noodzakelijk de vouwing is die daadwerkelijk in de natuur voorkomt. </a:t>
             </a:r>
           </a:p>
           <a:p>
@@ -15877,12 +15855,10 @@
                 <a:cs typeface="Avenir"/>
                 <a:sym typeface="Avenir"/>
               </a:rPr>
-              <a:t>In ons model van het vouwen van de eiwitstructuur </a:t>
+              <a:t>Bij de Harvard-strings (met lengte 48) zijn er 1000 tot 1.5 miljoen optimale vouwingen bekend (Yue et al., 1995). </a:t>
             </a:r>
-            <a:r>
-              <a:rPr lang="nl-NL" sz="1400" dirty="0"/>
-              <a:t>bestaat</a:t>
-            </a:r>
+          </a:p>
+          <a:p>
             <a:r>
               <a:rPr lang="nl-NL" sz="1400" dirty="0">
                 <a:solidFill>
@@ -15893,58 +15869,13 @@
                 <a:cs typeface="Avenir"/>
                 <a:sym typeface="Avenir"/>
               </a:rPr>
-              <a:t> met name bij de constructieve algoritme </a:t>
-            </a:r>
-            <a:r>
-              <a:rPr lang="nl-NL" sz="1400" dirty="0" err="1">
-                <a:solidFill>
-                  <a:schemeClr val="dk1"/>
-                </a:solidFill>
-                <a:latin typeface="Avenir"/>
-                <a:ea typeface="Avenir"/>
-                <a:cs typeface="Avenir"/>
-                <a:sym typeface="Avenir"/>
-              </a:rPr>
-              <a:t>Branch</a:t>
-            </a:r>
-            <a:r>
-              <a:rPr lang="nl-NL" sz="1400" dirty="0">
-                <a:solidFill>
-                  <a:schemeClr val="dk1"/>
-                </a:solidFill>
-                <a:latin typeface="Avenir"/>
-                <a:ea typeface="Avenir"/>
-                <a:cs typeface="Avenir"/>
-                <a:sym typeface="Avenir"/>
-              </a:rPr>
-              <a:t> &amp; </a:t>
-            </a:r>
-            <a:r>
-              <a:rPr lang="nl-NL" sz="1400" dirty="0" err="1">
-                <a:solidFill>
-                  <a:schemeClr val="dk1"/>
-                </a:solidFill>
-                <a:latin typeface="Avenir"/>
-                <a:ea typeface="Avenir"/>
-                <a:cs typeface="Avenir"/>
-                <a:sym typeface="Avenir"/>
-              </a:rPr>
-              <a:t>Bound</a:t>
-            </a:r>
-            <a:r>
-              <a:rPr lang="nl-NL" sz="1400" dirty="0">
-                <a:solidFill>
-                  <a:schemeClr val="dk1"/>
-                </a:solidFill>
-                <a:latin typeface="Avenir"/>
-                <a:ea typeface="Avenir"/>
-                <a:cs typeface="Avenir"/>
-                <a:sym typeface="Avenir"/>
-              </a:rPr>
-              <a:t> een uitgelezen kans om de gevonden optima te rangschikken. Hierbij is een optimum dat met minder vouwingen tot stand komt dichter bij een ‘native state’ en zal hoger in de ranglijst komen te staan. </a:t>
+              <a:t>Een relevante richting voor de simulatie van eiwitstructuren is het benaderen van ‘native states’, ofwel: hoe de structuren in de natuur voorkomen.</a:t>
             </a:r>
           </a:p>
           <a:p>
+            <a:pPr marL="139700" indent="0">
+              <a:buNone/>
+            </a:pPr>
             <a:endParaRPr lang="nl-NL" sz="1600" dirty="0">
               <a:solidFill>
                 <a:schemeClr val="dk1"/>
@@ -15964,6 +15895,146 @@
     <p:extLst>
       <p:ext uri="{BB962C8B-B14F-4D97-AF65-F5344CB8AC3E}">
         <p14:creationId xmlns:p14="http://schemas.microsoft.com/office/powerpoint/2010/main" val="1782995448"/>
+      </p:ext>
+    </p:extLst>
+  </p:cSld>
+  <p:clrMapOvr>
+    <a:masterClrMapping/>
+  </p:clrMapOvr>
+</p:sld>
+</file>
+
+<file path=ppt/slides/slide16.xml><?xml version="1.0" encoding="utf-8"?>
+<p:sld xmlns:a="http://schemas.openxmlformats.org/drawingml/2006/main" xmlns:r="http://schemas.openxmlformats.org/officeDocument/2006/relationships" xmlns:p="http://schemas.openxmlformats.org/presentationml/2006/main">
+  <p:cSld>
+    <p:spTree>
+      <p:nvGrpSpPr>
+        <p:cNvPr id="1" name=""/>
+        <p:cNvGrpSpPr/>
+        <p:nvPr/>
+      </p:nvGrpSpPr>
+      <p:grpSpPr>
+        <a:xfrm>
+          <a:off x="0" y="0"/>
+          <a:ext cx="0" cy="0"/>
+          <a:chOff x="0" y="0"/>
+          <a:chExt cx="0" cy="0"/>
+        </a:xfrm>
+      </p:grpSpPr>
+      <p:sp>
+        <p:nvSpPr>
+          <p:cNvPr id="2" name="Titel 1">
+            <a:extLst>
+              <a:ext uri="{FF2B5EF4-FFF2-40B4-BE49-F238E27FC236}">
+                <a16:creationId xmlns:a16="http://schemas.microsoft.com/office/drawing/2014/main" id="{A9C0FD3F-CCC5-8D45-AB6E-3C77035D696D}"/>
+              </a:ext>
+            </a:extLst>
+          </p:cNvPr>
+          <p:cNvSpPr>
+            <a:spLocks noGrp="1"/>
+          </p:cNvSpPr>
+          <p:nvPr>
+            <p:ph type="title"/>
+          </p:nvPr>
+        </p:nvSpPr>
+        <p:spPr>
+          <a:xfrm>
+            <a:off x="1028700" y="594810"/>
+            <a:ext cx="7680600" cy="569847"/>
+          </a:xfrm>
+        </p:spPr>
+        <p:txBody>
+          <a:bodyPr/>
+          <a:lstStyle/>
+          <a:p>
+            <a:r>
+              <a:rPr lang="nl-NL" dirty="0"/>
+              <a:t>Het Modelleren van native </a:t>
+            </a:r>
+            <a:r>
+              <a:rPr lang="nl-NL" dirty="0" err="1"/>
+              <a:t>states</a:t>
+            </a:r>
+            <a:endParaRPr lang="nl-NL" dirty="0"/>
+          </a:p>
+        </p:txBody>
+      </p:sp>
+      <p:sp>
+        <p:nvSpPr>
+          <p:cNvPr id="3" name="Tijdelijke aanduiding voor tekst 2">
+            <a:extLst>
+              <a:ext uri="{FF2B5EF4-FFF2-40B4-BE49-F238E27FC236}">
+                <a16:creationId xmlns:a16="http://schemas.microsoft.com/office/drawing/2014/main" id="{A292F4A7-E5E2-8648-8872-BFEE8DB1772D}"/>
+              </a:ext>
+            </a:extLst>
+          </p:cNvPr>
+          <p:cNvSpPr>
+            <a:spLocks noGrp="1"/>
+          </p:cNvSpPr>
+          <p:nvPr>
+            <p:ph type="body" idx="1"/>
+          </p:nvPr>
+        </p:nvSpPr>
+        <p:spPr>
+          <a:xfrm>
+            <a:off x="539195" y="1358214"/>
+            <a:ext cx="7680600" cy="3196042"/>
+          </a:xfrm>
+        </p:spPr>
+        <p:txBody>
+          <a:bodyPr/>
+          <a:lstStyle/>
+          <a:p>
+            <a:r>
+              <a:rPr lang="nl-NL" sz="1400" dirty="0"/>
+              <a:t>In onze benadering van het probleem bestaat met name bij het constructieve algoritme ‘</a:t>
+            </a:r>
+            <a:r>
+              <a:rPr lang="nl-NL" sz="1400" dirty="0" err="1"/>
+              <a:t>Branch</a:t>
+            </a:r>
+            <a:r>
+              <a:rPr lang="nl-NL" sz="1400" dirty="0"/>
+              <a:t> &amp; </a:t>
+            </a:r>
+            <a:r>
+              <a:rPr lang="nl-NL" sz="1400" dirty="0" err="1"/>
+              <a:t>Bound</a:t>
+            </a:r>
+            <a:r>
+              <a:rPr lang="nl-NL" sz="1400" dirty="0"/>
+              <a:t>’ en het iteratieve ‘</a:t>
+            </a:r>
+            <a:r>
+              <a:rPr lang="nl-NL" sz="1400" dirty="0" err="1"/>
+              <a:t>Genetic</a:t>
+            </a:r>
+            <a:r>
+              <a:rPr lang="nl-NL" sz="1400" dirty="0"/>
+              <a:t>’ algoritme een kans om de gevonden optima te rangschikken. </a:t>
+            </a:r>
+          </a:p>
+          <a:p>
+            <a:r>
+              <a:rPr lang="nl-NL" sz="1400" dirty="0"/>
+              <a:t>Hierbij is een optimum dat het meeste overeenkomt met een ‘native state’, hoger in de ranglijst komen te staan. </a:t>
+            </a:r>
+          </a:p>
+          <a:p>
+            <a:r>
+              <a:rPr lang="nl-NL" sz="1400" dirty="0"/>
+              <a:t>Het algoritme wat het beste presteert kan vervolgens gekozen worden als het meest geschikt voor het simuleren van de vouwing van een eiwitstructuur in het HP-model.</a:t>
+            </a:r>
+          </a:p>
+          <a:p>
+            <a:endParaRPr lang="nl-NL" dirty="0"/>
+          </a:p>
+        </p:txBody>
+      </p:sp>
+    </p:spTree>
+    <p:extLst>
+      <p:ext uri="{BB962C8B-B14F-4D97-AF65-F5344CB8AC3E}">
+        <p14:creationId xmlns:p14="http://schemas.microsoft.com/office/powerpoint/2010/main" val="3261668421"/>
       </p:ext>
     </p:extLst>
   </p:cSld>

--- a/presentatie/protidefpres.pptx
+++ b/presentatie/protidefpres.pptx
@@ -15855,7 +15855,23 @@
                 <a:cs typeface="Avenir"/>
                 <a:sym typeface="Avenir"/>
               </a:rPr>
-              <a:t>Bij de Harvard-strings (met lengte 48) zijn er 1000 tot 1.5 miljoen optimale vouwingen bekend (Yue et al., 1995). </a:t>
+              <a:t>Bij </a:t>
+            </a:r>
+            <a:r>
+              <a:rPr lang="nl-NL" sz="1400" dirty="0"/>
+              <a:t>bepaalde </a:t>
+            </a:r>
+            <a:r>
+              <a:rPr lang="nl-NL" sz="1400" dirty="0">
+                <a:solidFill>
+                  <a:schemeClr val="dk1"/>
+                </a:solidFill>
+                <a:latin typeface="Avenir"/>
+                <a:ea typeface="Avenir"/>
+                <a:cs typeface="Avenir"/>
+                <a:sym typeface="Avenir"/>
+              </a:rPr>
+              <a:t>ontworpen HP configuraties met lengte 48 zijn er 1000 tot 1.5 miljoen optimale vouwingen bekend (Yue et al., 1995). </a:t>
             </a:r>
           </a:p>
           <a:p>
@@ -16017,16 +16033,18 @@
           <a:p>
             <a:r>
               <a:rPr lang="nl-NL" sz="1400" dirty="0"/>
-              <a:t>Hierbij is een optimum dat het meeste overeenkomt met een ‘native state’, hoger in de ranglijst komen te staan. </a:t>
+              <a:t>Hierbij komt een optimum dat het meeste overeenkomt met een ‘native state’ hoger in de ranglijst te staan. </a:t>
             </a:r>
           </a:p>
           <a:p>
             <a:r>
               <a:rPr lang="nl-NL" sz="1400" dirty="0"/>
-              <a:t>Het algoritme wat het beste presteert kan vervolgens gekozen worden als het meest geschikt voor het simuleren van de vouwing van een eiwitstructuur in het HP-model.</a:t>
+              <a:t>Het algoritme wat het beste presteert kan vervolgens gekozen worden als het meest geschikt voor het simuleren van de vouwing van een eiwitstructuur in </a:t>
             </a:r>
-          </a:p>
-          <a:p>
+            <a:r>
+              <a:rPr lang="nl-NL" sz="1400"/>
+              <a:t>het HP-model.</a:t>
+            </a:r>
             <a:endParaRPr lang="nl-NL" dirty="0"/>
           </a:p>
         </p:txBody>

--- a/presentatie/protidefpres.pptx
+++ b/presentatie/protidefpres.pptx
@@ -5,7 +5,7 @@
     <p:sldMasterId id="2147483682" r:id="rId1"/>
   </p:sldMasterIdLst>
   <p:notesMasterIdLst>
-    <p:notesMasterId r:id="rId18"/>
+    <p:notesMasterId r:id="rId19"/>
   </p:notesMasterIdLst>
   <p:sldIdLst>
     <p:sldId id="256" r:id="rId2"/>
@@ -18,12 +18,13 @@
     <p:sldId id="265" r:id="rId9"/>
     <p:sldId id="266" r:id="rId10"/>
     <p:sldId id="267" r:id="rId11"/>
-    <p:sldId id="268" r:id="rId12"/>
-    <p:sldId id="269" r:id="rId13"/>
-    <p:sldId id="270" r:id="rId14"/>
-    <p:sldId id="271" r:id="rId15"/>
-    <p:sldId id="280" r:id="rId16"/>
-    <p:sldId id="281" r:id="rId17"/>
+    <p:sldId id="282" r:id="rId12"/>
+    <p:sldId id="268" r:id="rId13"/>
+    <p:sldId id="269" r:id="rId14"/>
+    <p:sldId id="270" r:id="rId15"/>
+    <p:sldId id="271" r:id="rId16"/>
+    <p:sldId id="280" r:id="rId17"/>
+    <p:sldId id="281" r:id="rId18"/>
   </p:sldIdLst>
   <p:sldSz cx="9144000" cy="5143500" type="screen16x9"/>
   <p:notesSz cx="6858000" cy="9144000"/>
@@ -273,6 +274,681 @@
     </p:ext>
   </p:extLst>
 </p:presentation>
+</file>
+
+<file path=ppt/ink/ink1.xml><?xml version="1.0" encoding="utf-8"?>
+<inkml:ink xmlns:inkml="http://www.w3.org/2003/InkML">
+  <inkml:definitions>
+    <inkml:context xml:id="ctx0">
+      <inkml:inkSource xml:id="inkSrc0">
+        <inkml:traceFormat>
+          <inkml:channel name="X" type="integer" min="-2.14748E9" max="2.14748E9" units="cm"/>
+          <inkml:channel name="Y" type="integer" min="-2.14748E9" max="2.14748E9" units="cm"/>
+          <inkml:channel name="F" type="integer" max="32767" units="dev"/>
+        </inkml:traceFormat>
+        <inkml:channelProperties>
+          <inkml:channelProperty channel="X" name="resolution" value="1000" units="1/cm"/>
+          <inkml:channelProperty channel="Y" name="resolution" value="1000" units="1/cm"/>
+          <inkml:channelProperty channel="F" name="resolution" value="0" units="1/dev"/>
+        </inkml:channelProperties>
+      </inkml:inkSource>
+      <inkml:timestamp xml:id="ts0" timeString="2020-06-25T08:38:43.842"/>
+    </inkml:context>
+    <inkml:brush xml:id="br0">
+      <inkml:brushProperty name="width" value="0.08571" units="cm"/>
+      <inkml:brushProperty name="height" value="0.08571" units="cm"/>
+    </inkml:brush>
+  </inkml:definitions>
+  <inkml:trace contextRef="#ctx0" brushRef="#br0">34 11 6499,'-10'-6'1518,"1"1"-932,4 9 204,2-3 55,-3 3-117,5-4 905,1 0-1253,3 0-279,0 0-39,6 0-29,-1 0 23,12 7 42,-3 1-48,8 8 45,-4 1 96,29 30-186,-15-14 40,20 24 101,-7-6-141,-11-10 107,31 28-56,-24-27-17,-6-7 1,0-1-3382,8 6 3348,13 11-1570,-21-18 1637,12 12-1467,-13-12 1567,3 0 1,0-2-168,1 0-6,22 14-11,-35-25 1735,-2-1-1757,-3 0 33,11 6 1686,3-1-1675,10 6 3387,-11-10-3393,9 2 1,-17-10-3398,21 10 3392,-16-9-1248,9 7 1298,-1 1-50,-10-4 6,15 11-12,-17-9-28,12 7 46,-11-6-12,-2-2-45,-5-2 45,-11-5-28,5 2 28,1 4-6,-4-5 6,12 11 2766,-9-10-2766,6 6 5,11 3-1522,-3-2 1517,6 3-61,9 8 55,-21-14 0,14 12 1,-16-12-12,11 8 11,-9-6-10,13 9-40,-18-15-90,9 7 96,-14-10-57,6 5 90,-9-6 12,1 2 10,-1 0-5,-4-4-11,2 3 6,-3-4 5,1 1 3358,1 3-3403,1 2 45,-2-2 0,1 0 0,-2-4 6,4 3-1,2-2-5,-2 0 12,4 3-12,-7-3-40,5 3 24,0 4 10,-1-4-5,2 5 5,-1-4-55,4 2 61,-5-5-6,3 2 0,-6-5 1,-3 1-1,3-1-5,-3 1 0,1-1 11,0 2 0,0-1-39,0 4 44,-3-3 6,2 3-5,-1 1-17,6-1 5,-2-1 6,0-2 0,-4-1 6,-1 0 33,2 3-22,-1 4-17,-1-2 0,2 2-6,-1-4 1,0-1-1,-1-3-5,0 2 5,-2-4 6,0 1 0,0 0 6,1 1 5,0 2-11,0-1 0,1 0 50,-2 0-50,0-2 0,0 3 6,-1-5-6,0 0 22,1-1-10,1 0-7,-1 0 1,-1 0 67,1 1-68,-2 1 12,2 1-6,-2-1-5,1-1 33,0 0-39,-1-2-11,2 1 0,-1-1-62,2 0 22,-2 0-1248,1 0 885,-2 6-600,1 4-666,-1 16-1255,-5 4 2935,-4 9 0,3-18 0,-2-5 0</inkml:trace>
+</inkml:ink>
+</file>
+
+<file path=ppt/ink/ink10.xml><?xml version="1.0" encoding="utf-8"?>
+<inkml:ink xmlns:inkml="http://www.w3.org/2003/InkML">
+  <inkml:definitions>
+    <inkml:context xml:id="ctx0">
+      <inkml:inkSource xml:id="inkSrc0">
+        <inkml:traceFormat>
+          <inkml:channel name="X" type="integer" min="-2.14748E9" max="2.14748E9" units="cm"/>
+          <inkml:channel name="Y" type="integer" min="-2.14748E9" max="2.14748E9" units="cm"/>
+          <inkml:channel name="F" type="integer" max="32767" units="dev"/>
+        </inkml:traceFormat>
+        <inkml:channelProperties>
+          <inkml:channelProperty channel="X" name="resolution" value="1000" units="1/cm"/>
+          <inkml:channelProperty channel="Y" name="resolution" value="1000" units="1/cm"/>
+          <inkml:channelProperty channel="F" name="resolution" value="0" units="1/dev"/>
+        </inkml:channelProperties>
+      </inkml:inkSource>
+      <inkml:timestamp xml:id="ts0" timeString="2020-06-25T08:39:54.610"/>
+    </inkml:context>
+    <inkml:brush xml:id="br0">
+      <inkml:brushProperty name="width" value="0.08571" units="cm"/>
+      <inkml:brushProperty name="height" value="0.08571" units="cm"/>
+    </inkml:brush>
+  </inkml:definitions>
+  <inkml:trace contextRef="#ctx0" brushRef="#br0">874 0 4101,'6'11'1597,"-1"-3"496,-5-9-962,0 1-549,-5-1-526,-1 1 255,-6 1-272,-1 1 17,-2 2-5,-2 2-890,-27 12 1,-7 4 888,-1 2-47,-6 2 0,1 0-9,17-5-1014,1 1 1025,12-7 62,2 0-67,-3 3 0,11-5 40,-4 3 4,10-6 2871,2-3-2915,-3 2-2887,-29 17 2837,22-12-911,-22 14 961,30-18-784,2-2 784,-1 1-316,-10 9 333,3-2-11,-8 7-6,10-9 1385,0 0-1391,6-5 1,-2 3-1,6-5 983,-1 2-988,3-3 0,-3 4-6,-1 12-33,2-8 50,-4 19 513,5-14-406,-9 57 3351,3 16-3450,4-38 1,1 1-3100,2 39 3091,4-52 12,5-8 10,0-5-16,1-3-2269,-2 5 2274,0 0-5,-2 13 5,3-2 2257,-3-1-2262,0-17-6,1 13-2269,-1-1 2269,0 9 0,0 15 0,-2-29-1517,3 25 1517,-2-32-520,2 2 520,-1-3 1254,-1 5-1254,2 45 1878,0-17-1878,0 11-6,2-26 2811,-1 17-2805,0-8 1683,2 32-1756,-4-45 62,2 11-6,-2-19 17,-1 1 0,0 8-6,-2-6 6,0 7 0,0-9-5,0-3-1,0 2 6,0 3 0,0 18 0,0-18 0,0 15 0,0-22 6,0 52-3398,0-43 3397,0 43-10,0-22 10,0 8-2273,0-3 2268,0-9-770,0-30 764,0 8 1,1-12 1886,4 19-1920,3 12 39,-1-15-6,0 8-5,-5-36 11,1 7 0,1 2 0,3 9 0,-2 0 0,2 8 0,-4-14 5,3 8-5,5 6 0,-5-10 0,6 16 6,-8-21-12,5 13 2828,1 4-2861,-2-9-56,4 1 61,-10-21 12,6-1 1733,3 6-1711,0-3 0,7 9 0,-8-7 0,13 6-6,-10-5-123,21 2 124,-18-7 5,16 1 0,-19-4 50,7 2-50,-8 0-34,14 2 23,-11-2-28,18 0 45,-15-3 5,14 0 45,-1 0-56,-7 0 39,8 0-39,-5 1-6,-5-1-27,20 1 89,-15-1-51,2 0 40,-3 0-34,-7 0 23,8 2-73,-3-1 39,8 1-11,-13-1 22,11-1 28,-10 0-39,-2 0 6,-6 0 5,-4 0-6,-1 0-72,6-2 62,0-1-1,4-2 6,-3-1 6,-2 1-1,-6 2-5,2 0-5,-5 0-119,14-4 108,-7 1 60,15-9-44,2 0-56,22-10 51,-17 10 5,9-5 0,-28 11 0,0 1 0,0 0 11,-1 1-78,-1 0 16,1-5 40,-1 0-6,0-7 6,-2 6 11,1-7 0,-5 10-5,5-15-29,-2 1 73,4-11-67,-3 4 28,0-1 6,0-5-1,-2 11 1,0-10 78,-4 13-84,-1 3 0,1-1 11,0 2-5,1 6-1,1-15 7,-1 13-7,1-10 12,-2 11 84,0-11-90,-2 12 112,6-37-78,-5 30-34,4-29 107,-1 19-73,-1-2 100,2-15-134,-4 20 73,0-55-3430,-2 41 3346,0-31-2269,0 40 2275,0 1 22,0 7-34,0-21 1,-2-3 38,2 10-33,-2-2 12,2 15 919,0 10-920,0-8 2716,0 10-2721,0-50 246,0 10-67,2-33-2896,1 21 2711,1 26-243,0-2 277,-1 10-28,-2 8 10,1-14 1,-2 3-6,0-10 1,-1-6 4,-5-6-16,2 19 40,-5-11-40,5 28 282,1-3-231,1 7-775,1 7 724,-2-8 0,-1 0-5,-1-11-1592,1 1 1591,2-17 1603,1-7-1586,1-3 1142,0 6-1153,-1 14 902,1-1-902,-1 6 3392,1-2-3387,0 13-5,0 9 0,0-10 0,0 9 0,0-7 0,0-3-3392,0-2 3392,0-2-1806,0-5 1806,0 14-215,0-4 215,0 9 0,0 2 6,0 0-1,0-10 1,0 5-6,0-7 0,0 10 6,0-6-6,0 3 2363,-1-9-2363,1 7 5,-1-12-5,1 11 0,0-6 0,0 10 0,-1 1 2654,0 4-2648,1 1 451,-1-2-457,-1 0 0,-2-8 6,2 4 0,-2-1-1,0-2 6,1 5-5,-1-5-6,1 8 0,-1-3 0,-1 3 0,1-4-11,-2-2 11,-2-7-11,1 0 11,-1-4-6,4 6 6,-1 1 6,2 2-6,1 3 5,0 3 1,2 2-12,-2 1 6,1-1 0,-1 1 17,-2-6-11,1 4-1,-1-2-5,1 1 6,1 1 5,-2 0-5,1-2-6,0 3 0,-3-9 11,1 4 22,-1 0 23,1 4 90,-2 5-140,2 0-6,-2 1-6,0-3 0,-3-4 18,-3-3 44,1 1 50,2 1-50,2 5 28,1 2-28,0 0-50,-1 1-6,3-1 0,-2 0 11,-1 0 67,-25-6-67,13 4-11,-12-1 62,19 5-23,4 1-39,1 0 0,-1-1 0,3 0 0,1-1 11,0 1-5,2 1 33,-1 0-33,2 0-17,-3 0-23,0 0 45,-3 0 23,1 0 5,-1 0-33,1 0 5,1 0 0,1 0-5,-2 0-1,2 0 12,-5 0-6,6-1-5,-1 0-6,1 0 11,0 0 0,-2 0-5,1 0-12,1 0-44,2-1 50,1 2 50,0-1-44,-1 0-1,0 1-5,-2-1 0,1 0 0,1 0-5,-3-1-1,2 0 6,-1 0-5,2 1-12,0 1 11,1-1 1,-1 1-7,1-1 12,-1 1 0,0 0-5,-1 0-1,1 0 6,0 0-5,0 0-1,1 0-33,-1 0-6,0-2-56,-4-2 73,2-1 56,-4 0-17,6 2-16,-2 1-1,3 1 6,0 1 11,0 0-5,-1-1-6,0 0 0,0 0 6,1 1-6,0-1 5,0 1-10,-1-1 5,1 0-2527,1 0 2527,4 10 0,-3-6 0,4 7 0</inkml:trace>
+</inkml:ink>
+</file>
+
+<file path=ppt/ink/ink11.xml><?xml version="1.0" encoding="utf-8"?>
+<inkml:ink xmlns:inkml="http://www.w3.org/2003/InkML">
+  <inkml:definitions>
+    <inkml:context xml:id="ctx0">
+      <inkml:inkSource xml:id="inkSrc0">
+        <inkml:traceFormat>
+          <inkml:channel name="X" type="integer" min="-2.14748E9" max="2.14748E9" units="cm"/>
+          <inkml:channel name="Y" type="integer" min="-2.14748E9" max="2.14748E9" units="cm"/>
+          <inkml:channel name="F" type="integer" max="32767" units="dev"/>
+        </inkml:traceFormat>
+        <inkml:channelProperties>
+          <inkml:channelProperty channel="X" name="resolution" value="1000" units="1/cm"/>
+          <inkml:channelProperty channel="Y" name="resolution" value="1000" units="1/cm"/>
+          <inkml:channelProperty channel="F" name="resolution" value="0" units="1/dev"/>
+        </inkml:channelProperties>
+      </inkml:inkSource>
+      <inkml:timestamp xml:id="ts0" timeString="2020-06-25T08:40:03.809"/>
+    </inkml:context>
+    <inkml:brush xml:id="br0">
+      <inkml:brushProperty name="width" value="0.08571" units="cm"/>
+      <inkml:brushProperty name="height" value="0.08571" units="cm"/>
+    </inkml:brush>
+  </inkml:definitions>
+  <inkml:trace contextRef="#ctx0" brushRef="#br0">636 1 3884,'10'13'-235,"-1"-2"1663,-9-11 3562,0 0-4616,-3 1-368,-3 20 226,-1-3-210,-2 29 12,4-17-28,-1 24 615,4-19-615,1 12-12,1 7-5,0 29 17,0-23-1952,0 12 1946,0-37 6,0-10-6,0 14-1133,0-11 1133,0-5-111,0-2 117,0-9-6,0-1 5,0 10 12,0 7-6,0 5 1643,0-4-1654,0-10 6,0-8 1371,0-3-1366,0 12 159,-2 2-170,2-1 0,-2-3 0,2-14-6,0 3 6,-1-3 0,1 4 6,-2 2-6,2 1 5,-1 3-5,1-2-5,-1 6 10,0-6 1,0 2-1,1-4-5,-2-3 0,1 3 0,-1 1 0,1-3 0,-1 8 0,1-7 0,-1 2 6,1 0-516,-1-3 521,1 0-11,0-3 0,0-1 0,1-1 0,-1 1-11,1-1 11,-2 4 0,2-4 510,-1 2-516,1-2 12,0 1-6,0-2-6,0 1 6,0-1 0,0 1-5,0 1 5,0 1 0,0 0 0,0 1-6,0-1 6,0-2 0,0 1 0,0-1 0,0 1 0,0-2-22,0 1 27,0 2 1,0-2-6,0 3 6,0-4-6,0 2 0,0-2 5,0-1 1,0 1-6,0 1 5,0 1-5,0 3 0,0 0 0,0-1 0,0-1 0,0-2 6,0-2 644,0 0-589,-9 12 46,0-4 347,-13 14-393,-41 48-55,30-33-6,-27 34-50,43-51 61,7-10-11,0 1 28,1-5-23,2 1 7,-2-1-12,2 0 0,-3 1 5,-1 1-5,1-3 0,-1 2-5,5-4 5,-5 5 0,4-3 0,-4 3-17,-6 10 11,5-6 1,-4 5-1,10-11 6,3-3-11,1 0 5,-6 7 12,2-2-6,-5 6 0,4-6 0,0-1 0,1-1 0,-2 1 0,2-2 17,-11 13-17,12-10-6,-10 8 6,12-10-11,-4 3 5,2-2 6,-1 4 0,1-4-11,1 2 11,0-1-11,-1 5 5,1-3 6,-1 4 0,3-3-5,-4 7 5,2-4 0,-1 4 0,1-6 0,-1 8 0,3-5-6,-2 19 6,3-5 0,-1 1 0,0-5 0,1-13-6,0 15 6,0-9 0,-1 20-5,2 8-1,0-16 6,0 22 0,0-33 0,1 21 6,-1-17-1,1 52-3397,-1-35 3392,0 19-1740,0-38 1740,0-9-1692,0 42 1692,0-20-1131,0 24 1131,0-35 1131,0-8-1131,0 10 6,0-7 1158,0 25-1164,2 22 0,1-9 0,1 25 5,-1-48-5,0 8 17,3 28-23,0-16 12,2 29-6,-3-43 0,0 4 6,-3-22 2256,4 21-2256,-2-12 0,2-1-6,-2-2 50,-3-5-44,1 9-1,-2-5 1,1 3 5,-1-5 1102,1-6-1096,-1 14-1580,1-12 1575,-1 9 27,0 5-45,0-12-16,1 14 22,-1-26 11,3 18-5,-2-14 5,0 13-11,-1-2 0,1-3 0,1 3 0,-1-2 1834,0-8-1834,-1 4 0,0-7 0,0-3 0,0 0 0,0-1 2018,0-1-2012,0 7-6,0 7 0,0 0 0,0 2 6,0-9-12,0-1 6,0 3-17,1 29 23,-1-22-1,2 18-16,-1-24 11,0-3 11,1 14 1,-1-6-12,0 5-6,0-9 6,0 5 0,0-10 0,1 5-17,0-8-16,-1-1 33,3 1 0,-1 2-12,6 8-122,-3-4 78,1-3 39,-3-8 17,0-4-5,8 11-1,6 2-123,6 5 62,-2-6 61,-3-2 68,1-3-56,-7-2 44,7 5-50,-10-6-45,9 6 45,-10-6 56,9 2-22,-11-4-34,8 3-73,-2-1 79,5 1 44,-5-1-39,6 0 17,0 1 370,7 0-393,-7 0 7,0-2 27,-5-2-39,-3 0 33,7 2-33,-8-3 0,11 3 17,11-3-11,-9 1 39,14-1-57,-16-1 7,-2-1 10,5 0 7,-11 0-7,4 0 1,-4 0-1,-2 0 46,4 0-34,-3-1-17,0 1-51,3-4 62,0-1 29,0-1-40,0-1 0,-4 3-6,-5 0 6,4 0 0,-5 2 0,4-3 11,9-3-11,-7 1 6,13-4-6,-16 7 0,13-6-6,-10 5 6,9-6 0,-8 5 6,-2 0-1,2 0-5,-2 1-5,0-1 5,1-1 5,4-7 7,-5 3-7,2-1-5,-6 7 6,-2 2-1,5-2 12,2-6-11,6-3 5,-7 3-11,3 0-11,-3 2-23,-3 1 40,3-7 33,-5 4-33,0-3 5,2-7-11,2-5 0,0-13-6,-2 9-5,-2-8 11,-2 19 0,1-26 0,-2 19 6,1-14-1,-1 8 1,-1 9-1,1-17-5,-2 8-5,1-11-34,-1 2 67,0-5-23,-1 16-5,-1-8 11,-3-5 1,-1-4-12,1 3 5,1 7 57,2 10-57,1 5 1,-1-18 5,1-6 0,1 9 6,-1-20-3392,0 37 3437,0-17-1567,1 22 1516,0-19 17,0-10 23,0 4-51,0 0 39,-1 10-39,0 10 17,-3-37-1782,2 24 1782,-2-31 1753,0 17-1747,3-13-737,-1 18 770,2-9-1534,0 30 1495,0-17-6,0 9-5,0-6 16,0-7-22,0 16 1523,0-13-1518,0 22 46,0-10-40,0 15-11,0-2 6,0 1-1,0 2 1,0-20-1,0-6 2269,0-20-2262,0 11-7,0 5 34,0 22-39,0-12-11,0 10-2252,0-28 2269,0 22-538,0-7 532,0 13-24,0 8 30,0 0-1,0 4-5,0 1 0,0-8 6,0 3-1,0-24-10,0 3 1992,0-6-1987,0-4 0,0 25-5,0-11 10,0 16 1,0-26-1,0 0 1,0-9-537,0-4 531,0 24-1760,0-12 1765,0 27-10,0-3 5,0 12-6,-1-10 1832,0 3-1826,-1-5 5,-1 5 1180,0 0-1185,0-2 3312,1 2-3307,1 2-5,-1 3 34,2 4-34,-2-1-51,-1-13-3064,-3-5 3115,2 1 6,-1 4 44,2 10-44,0 3-68,-2-6 57,-1 2 21,-8-14 24,7 10 3408,-6-4-3432,8 13-4,0 1-24,-3 0-66,3-1 33,-4-2 40,1-1-1,-2-1 6,-1 0 34,-2-1-301,2 3 339,-1 1 46,-9 1-163,1 2 45,-4-2-17,1 0 17,11 0 6,-2-1 11,4 2 56,0-1-57,2 2 35,0 0 272,4 1-323,0 0 0,-1 0 0,0 0 0,1-1 39,0 0 23,-3-3-68,0 2 6,-2-1 6,3 1-1,-1 0 34,-1 0-39,1 0-84,-23-11 34,15 4 44,-14-6 6,18 4-50,4 5 84,1-2-34,1 3 11,2 3-11,1-1 39,0 3-117,-2-7 83,-5-3-5,1 0-157,-1 0 12,7 7 72,0 1 6,1 0-62,-1 0-593,0-1-349,-2 0-1969,2 0 3040,-3 2 0,3 0 0,0 1 0</inkml:trace>
+</inkml:ink>
+</file>
+
+<file path=ppt/ink/ink12.xml><?xml version="1.0" encoding="utf-8"?>
+<inkml:ink xmlns:inkml="http://www.w3.org/2003/InkML">
+  <inkml:definitions>
+    <inkml:context xml:id="ctx0">
+      <inkml:inkSource xml:id="inkSrc0">
+        <inkml:traceFormat>
+          <inkml:channel name="X" type="integer" min="-2.14748E9" max="2.14748E9" units="cm"/>
+          <inkml:channel name="Y" type="integer" min="-2.14748E9" max="2.14748E9" units="cm"/>
+          <inkml:channel name="F" type="integer" max="32767" units="dev"/>
+        </inkml:traceFormat>
+        <inkml:channelProperties>
+          <inkml:channelProperty channel="X" name="resolution" value="1000" units="1/cm"/>
+          <inkml:channelProperty channel="Y" name="resolution" value="1000" units="1/cm"/>
+          <inkml:channelProperty channel="F" name="resolution" value="0" units="1/dev"/>
+        </inkml:channelProperties>
+      </inkml:inkSource>
+      <inkml:timestamp xml:id="ts0" timeString="2020-06-25T08:40:13.133"/>
+    </inkml:context>
+    <inkml:brush xml:id="br0">
+      <inkml:brushProperty name="width" value="0.08571" units="cm"/>
+      <inkml:brushProperty name="height" value="0.08571" units="cm"/>
+    </inkml:brush>
+  </inkml:definitions>
+  <inkml:trace contextRef="#ctx0" brushRef="#br0">665 0 2083,'8'14'2263,"-1"-3"912,-7-11-934,0 0-1412,0 2-829,0 2-39,-1 3 33,-2 3 430,-1 2-424,-3 2 0,-1 10 1479,-4 17-1479,-5 25-3364,-2 20 3364,3-17-2268,4-6 2240,6-18-1156,3 5 1184,0-9-1128,3-2 1128,0-17 538,0-5-488,0 12-50,0-12-11,1 13 1406,1-6-1395,2 2 0,-1-4 5,-1-7-5,0-5 12,-2 10 1449,1 2-1461,-1 1-6,0 2 6,0-13 0,1 6 2821,0 4-2827,0 10 6,1 10 0,-1-10-1611,0 1 1622,0-20 22,0 17-44,-1-4-34,0 7 40,0-12 10,0-4-5,0-10 34,0 4-12,0 6-22,0-4-33,0 9 38,0-12 23,-1 3-28,0-7 6,-2 2 3403,1-1-3409,-2 3 5,2-3 18,-4 3-23,-3 2 0,-5 10-6,-2 3-11,1-3 12,6-7-1,2-9-61,2-2 22,-17 9 168,-5 3-100,-11 9-6,0 6-12,12-6 1,4 0 11,-8 12-17,14-16-17,-20 24 17,19-23 5,-1-1 51,8-8-56,0-3 0,3-1 0,-10 15 6,9-12-6,-7 12 0,8-12 11,0 1 0,3-5-11,2 0 0,0-2 0,-2 8-5,0-1 16,-3 14 23,1-2-34,-1 1 28,-2 11-34,5-19 6,-2 10-3392,3-8 3392,-1-5 0,1 7 0,0-6 22,1 1-16,0 0 78,0 0-78,-1 1 5,1-1-6,0 7 1,-1 5-6,2-1 3392,-2-1-3386,3-1-6,-1-2 5,1 1 1,-1-3 5,0-1 28,-2 4-39,2 0 0,-1 23 0,1-21-11,-1 15 11,1-22-11,-1 4 5,2-7 6,-1 3 0,1-8 6,-1 1-6,0 3 0,-2 2 5,-1 16-5,1-7 0,-1 10 6,0-2 11,3 6-12,0 2-38,1 4 33,0-5 0,0-5-39,-1 21 39,1-29 5,-1 17-10,1-28 5,0-3 50,0-1-39,0-5-5,0 4 5,0 9-5,0-6 55,0 27-55,0-18-6,2 14 17,0-11-17,2-6-6,-1 1 40,-1 1-34,0-6 0,-1 4 5,0-6-5,-1-4-525,0 2 525,0-2 5,1-1 18,-1 16-3236,1 4 3219,-1 6-6,0 7-28,0 1-1687,0-13 1726,0 2 28,2 24-50,4 22 2379,0 5-2384,7 12 21,-4-39-5,0-17 6,-1 1-6,-7-32 5,2 11 3086,-3-8-3086,2 6-5,-1-1 0,0-4 0,1 5 6,0-2-12,-1-3 6,0 1 0,0-5-618,-1 0 618,2 2-18,-1-1 13,4 25 5,-3-19 5,3 21-5,-4-28 6,1 10-6,-1-8 0,1 14 0,-2-14 6,2 4 5,-2-12 623,2 4-623,-1-4-11,0 5 19,-1-2-3,3 7-10,-2-5-6,2 3 0,-3-6 6,1-1-1,0 5 1,1 7-6,1 5 0,0-1-11,-1-6 5,0-8 6,-1-4 0,3 3 6,-2 0-1,3 7 6,-1-3-16,2 7-6,-2-9-1,15 17 12,-10-15 6,16 14-6,-16-14-6,6 4-44,-3-5 50,-1-2 56,8 1-56,-5-3-3392,10 4 3392,-9-4-6,1-1 1,-5-2 5,6 0 17,0 2-6,4 3-6,31 11 7,-28-8 44,41 10-6,-45-14-44,38 9 38,-29-7 1,23 8-45,-25-9 6,-3 4-6,3-4 0,-12-2 11,11-2 39,-12-1-38,9 2 21,-8 0-33,12 7 0,-12-4 0,16 6-11,-6-7 11,5 1 0,-5-5 6,-12-2 5,2 0-11,-8 0-6,6 0 3393,-4 0-3449,0 0 56,-3 0-33,0 0 34,-2 0 5,-1 0-56,-1 0 16,0-3 29,0 1 6,4-10-1,-1 2 0,5-11 6,-3 6-5,-1-3 5,1 2 5,-2 1-5,1-1 0,-1 1 0,6-29 6,-3 14 0,3-14-1,-7 24 23,1 4-33,-3 5 5,3-10 5,-3 12-10,3-7 5,-3 9 0,0-2 16,2 1-16,-1-4 6,2 0-6,0-4 50,-1 0-44,4-7 0,-2 1-1,3-3 6,-4 10 45,1-8-44,-1 8-1,2-13-6,-2 12 35,2-9-40,-3 13 11,2-11-11,-2 12 5,2-12 29,-1 7-28,-1-2-6,-1 4 0,1-1-28,-1 5 33,1-11 6,0-5-11,0-2 0,1-1 6,0-1 0,-2 13-12,1-10 12,0 9-1,3-30 1,0 2-6,0-5 0,0 9 11,-4 14-11,3-19-3386,-4 11 3397,1-12-22,-2-2 11,-1 14 0,0-18 0,0 33 11,0-24-2280,0 21 2269,0-22 2280,0 12-2280,0 4 6,0-4-6,0 0 11,0 8-11,0-23 11,0 15-5,0-1-1,0-1 3393,0 19-3393,0-4-5,0 9 0,-1-1 6,-1-2 28,-5-37-29,3 20 1,-5-31 55,6 23-38,-2-20-6,-2-23-3409,3 14 3397,1 11-1286,2 25 1275,-1 7 6,-1-13 0,-2-18-1838,1 2 1838,-1 7 1855,3-3-1810,-1 7 1208,2-11-1258,-1 9 10,2 1 51,0 22-56,0-25 39,0 24-33,1-19-6,0 22 6,2-17 38,-1-7-32,1 12-1,-2-1 0,-1 17-11,3-5 11,1-15-11,-1 10 28,1-11 3364,-4 26-3397,0-37-3387,0 24 3392,0-17-833,0 17 856,0 12 16,0 0-67,-2-7 28,-1 6 45,-11-38 2946,1 20-2991,-7-17 0,7 28 0,-7-6 1250,0 2-1205,-3-4-113,-3 1 80,9 10 49,2 5 1,4 4 11,5 6-73,1 2 11,2 0-11,1 1 0,0 0 61,-3 0-55,-2 0 246,-16-1-230,1 0-16,-5 0 0,11 1-1,4 1 1,-3 0 39,3 0-45,-3-1 0,7 0-6,-1 1 12,0-1-1,-4 2-16,7-2 0,-7 2 0,8-2 22,-5 1-11,5 0-11,-2-1 11,3 1-12,-2-1-32,-1 0 44,1 0 5,-7 0 1,6 0-6,-7-1 0,8 1 0,-4-3 0,5 3 0,-3-4 5,4 3 1,0-1 11,-1 0-17,1 1 0,-2-1 0,-2 1 0,0-1-11,-3-3 5,5 2 0,-2-3 6,2 4-5,0-2 5,2 2-6,-1-4-39,0 0 45,-1-3 0,-2 2 17,2 0 28,2 4-45,1 0 11,2 2-5,0 1-6,0 0 28,-2 0-17,2-1-39,0 0 28,-1-1 6,0 1-12,-1 1 6,0 0-22,3 0-158,0-2 136,-1 1 38,-2-1 6,-1 2 6,-2-1-6,0 0 0,2 1-6,2-2-56,2 2 46,-1-2 10,-1 2 6,0-1 0,-1 1-50,2 0-958,0 0-6,0-2-476,4-5-3024,4-4 4514,3-2 0,-2 6 0,-4 2 0</inkml:trace>
+</inkml:ink>
+</file>
+
+<file path=ppt/ink/ink13.xml><?xml version="1.0" encoding="utf-8"?>
+<inkml:ink xmlns:inkml="http://www.w3.org/2003/InkML">
+  <inkml:definitions>
+    <inkml:context xml:id="ctx0">
+      <inkml:inkSource xml:id="inkSrc0">
+        <inkml:traceFormat>
+          <inkml:channel name="X" type="integer" min="-2.14748E9" max="2.14748E9" units="cm"/>
+          <inkml:channel name="Y" type="integer" min="-2.14748E9" max="2.14748E9" units="cm"/>
+          <inkml:channel name="F" type="integer" max="32767" units="dev"/>
+        </inkml:traceFormat>
+        <inkml:channelProperties>
+          <inkml:channelProperty channel="X" name="resolution" value="1000" units="1/cm"/>
+          <inkml:channelProperty channel="Y" name="resolution" value="1000" units="1/cm"/>
+          <inkml:channelProperty channel="F" name="resolution" value="0" units="1/dev"/>
+        </inkml:channelProperties>
+      </inkml:inkSource>
+      <inkml:timestamp xml:id="ts0" timeString="2020-06-25T08:40:32.159"/>
+    </inkml:context>
+    <inkml:brush xml:id="br0">
+      <inkml:brushProperty name="width" value="0.08571" units="cm"/>
+      <inkml:brushProperty name="height" value="0.08571" units="cm"/>
+    </inkml:brush>
+  </inkml:definitions>
+  <inkml:trace contextRef="#ctx0" brushRef="#br0">556 0 5906,'12'3'874,"-1"-1"199,-11-2 2237,0 0-3125,0 9-180,0 2 128,-6 29-21,0 5-3180,-2 3 3119,0 11-29,3 11-16,-2 7 27,2-4-33,1-7 0,3-37 0,1 23-5,0-17 5,0 7 5,0-14 18,0 11 3397,0-7-3409,2 21-11,-1-20 0,2-5 6,-3-14-1,2-2-5,-2-1 6,1 4 67,-1 11-73,0-8-6,0 11-28,0-21 34,0 2 6,0-5 0,0 6 5,0-1-11,0 2 50,0 4-44,0-5-1,0 8 12,0 3-11,0-6 50,0 9-56,0-16 12,0 8-12,0-7 0,0 5 0,0-8 5,-1 2-5,1-5 0,-1-1 6,0 2 5,-1 10-17,-1 5 18,1 6-7,0-8-5,1-5 0,0-7 6,-1 2-6,2-3 11,-1 4-5,0 1-1,1-4-5,-1 3 0,1-9 6,0 2-6,-1 1-6,0 2 17,-1 3-5,1-2 61,-3 1-56,1 0 1,-2 0 55,-1 1-28,1-1-45,-5 3 1,-10 11 5,4-5 5,-11 10 1,9-8-12,-6 8 12,5-6-6,-13 22 0,19-26 17,-13 17-17,12-18 0,1-2 0,-8 9 0,10-11 5,-5 7-5,9-10 0,-1 1 0,4-5-5,1 0-12,0 0 11,-2 6 6,-4 5 6,-3 11-6,3-9 11,1 2-11,6-15 0,1-2 0,0 2 0,-1 0 0,-3 10 6,-1-3-6,-3 13 0,2-10-6,-2 9 6,5-13 0,0 4 0,-1 2-11,-1 10 11,0-1 11,0 3-11,1-5 6,3-1 22,-2-1-28,2-4-6,-2 4 12,-2 3-12,0 10 1,1-9 5,2-2 5,1-9 29,0 5-34,0-3-6,0 4 6,-1-3 39,1 0-78,-3 11 45,2-12-6,-1 8 5,3-12-10,1-4 5,0 9 0,0-5 5,0 15-5,0-8 34,0 9-34,-1 1 6,1-6-6,-2 13 5,2-15 1,-2 17-1,2 1 1,-1-3-6,1 14 17,0-2 16,0-9-33,0 3-11,0-17-22,0-7 33,1 9 44,4 7-21,-1 33-12,1 0-11,-3-6-1234,-1-17 1234,-1-29 11,2 20 6,-2 7-11,1 15-6,-1-9-6,0-13 0,0-12 46,0 9-40,0-6-2164,0 9 2158,0-3 29,0-9-23,0 11-17,0-11 45,0 17-28,0 0 6,0 16-6,0-20 11,0 12-50,0-29 3436,0 11-3397,0-18 6,0 4-1,0 4 1,0-3 0,0 7-6,0-2 0,0-5-6,0 1-28,0-7 29,0-1 5,0-2 33,0 1-33,0 8 0,0-6-3392,0 14 3392,0-11 12,0 10-119,0-10 118,0 11-11,0-9 0,0 13 0,0-12 0,0 10-203,0-14 191,0 3 3251,0-6-3223,0 16-3117,0 8 3101,0-1-2199,0 11 2199,0-22-760,0 17 754,0-7 6,0-1 0,0-5-6,1-9-55,2 7 1856,1-7-1750,2 6-6,1-4-39,-2-4 0,1 5-5,6 15 111,2-2-106,9 22 0,-7-23 0,0 0 39,-6-5 0,1-2-39,0-1-947,-1-6 947,-4-11 22,8 9-11,-4-5-11,4 4 6,-5-4 5,2 1-11,-2-1 0,3 3 2285,0 0-2234,0-1-51,0-1 0,1 1-12,-6-7 3404,4 1-3392,0-1 0,-3-1-5,4 1 16,-2-2 0,-1-1-5,6 2 5,-4-1-11,5 0 6,21 1 5,-14-3 28,29 1 34,-12-3-73,-9 0 0,4 0 50,-27-2-44,6 0 11,-1-2 33,2 2-44,-1-1-1,3 0-5,-8 0-11,12-3 5,-7-2-5,4-1 0,0-3 11,-7 6 6,3-2 10,-5 3-16,0 1 6,-1 0 22,2-1-28,-2 2-67,3-4 67,-3 1-34,9-10 34,-8 7 0,6-8 6,-6 8 11,-2 0-17,2 2 0,-3 0-6,1 2-28,-4 1 18,10-17 16,-7 10 16,6-12-10,-6 13-6,1-1 0,-2 3 11,3-2-5,-3 3-6,0 0 0,-1 0-6,0 1 6,0-2 11,1-2 1,0 1-12,0-3 5,-1 4 1,1-1 39,1-2-40,-1-1-5,2 1 0,-3 0 6,2-1-6,-3 3-6,2-4 6,-1 1-5,-1 2 5,2-2 5,-2-1-5,0 4 0,1-7 28,7-29 11,-6 21-39,9-34 6,-11 43-6,2-8 0,-1 5-6,-1 4-22,3-7 73,2-8-3437,-4 9 3392,4-7 11,-3-18-5,2 4-6,-1-13 34,3-1-23,-4 20 0,2-9 28,-5 17-33,-1-10 5,1-9 34,1-36-45,0 19-2269,-1 1 2269,-2 34-1035,0 13 1085,0-6-44,0 10 27,0-10-33,0 7 45,-1-18-28,-2 4 0,-3-12 1746,0 2-1757,0-3-1,3 11 2616,-1-17-2621,2 27 2329,0-19-2284,1 13 67,-1-17-79,0 1-33,-1 5 0,-1 1 0,2 14 6,0-15 5,0 1 6,-1-2-23,-1 0 6,0 14 0,-1-6 0,4 15 11,-2-12 17,3 11-28,-1-17 68,1 7 27,-2-22-50,-2 12-40,0-3 1,1 15-6,0 2 33,2-3-21,-1 5-7,1-4-5,0 10 11,1-2 12,-1 4 10,0-1 7,1-5-40,-1 5 44,0-16-44,1 9 6,-2-13 5,2 14 6,-3-21-17,3 22 0,-2-14 6,2 9-6,0 5 5,-1-12 1,0 10 16,-1-14-1144,1 10 1122,-2-5 28,2-4-34,0 15 6,-1-7-622,2 10 672,-1-7-27,1-10 27,0 2-44,0 4-1,0 13-5,0 5 0,0 2 0,0-6 0,0 1 6,0-10-6,0 9-6,0-9 1089,0 9-1083,0-5 11,0 0-6,0 2-5,0-3 0,0 6 12,1-7-12,-1 6 11,2-10 690,0 1-701,-1 6 6,1-3 0,-2 14-6,0-5 0,0 3 50,0-6-50,0 6 11,0-3-5,0 1-1,0 3 1,-1-7 5,-2 2 0,-3-4 6,-6-5-11,3 5 44,-6-6-50,2 3 0,1 5 0,-8-11 23,7 9 33,-1-2-40,3 4-10,7 9 0,-2-2-1,2 2-5,-5-7 0,1 4 0,-9-12 0,8 7 0,-6-4 11,4 3 29,3 5-40,-1-2 0,6 7 0,-1-1 0,2 2-45,-4-6 45,2 4 5,-5-8 12,-1 1-11,2 2-6,0 0 0,4 5 0,1 1 0,-2-1 0,3 2 39,-4-2 23,1 2-57,1-1-5,0 2 6,1 0 5,-2-2 23,1 1-29,0 0 6,2 1-11,0-1 17,-3-2-11,1 1 5,-3-1-5,1 2-6,-1-2 61,-9-2-55,8 4 11,-9-3-11,12 5-1,-4-2-10,4 1 5,-4 1 0,6 0 5,-4 0-5,3 0 6,-3-1 0,-1-1-6,1 1 0,-3 0-6,4 1 6,-2 0 0,4 0-6,2 0 18,0 0-7,1 0 6,-1 0 1,-1 0-7,1 0-5,-1 0 11,0-1 40,0 1-34,1-1-1,1 1-10,-1 0-62,2 0 34,-3 0-29,2 0 6,-1 0-1574,1 0 1619,9 8 0,-5-6 0,6 5 0</inkml:trace>
+</inkml:ink>
+</file>
+
+<file path=ppt/ink/ink14.xml><?xml version="1.0" encoding="utf-8"?>
+<inkml:ink xmlns:inkml="http://www.w3.org/2003/InkML">
+  <inkml:definitions>
+    <inkml:context xml:id="ctx0">
+      <inkml:inkSource xml:id="inkSrc0">
+        <inkml:traceFormat>
+          <inkml:channel name="X" type="integer" min="-2.14748E9" max="2.14748E9" units="cm"/>
+          <inkml:channel name="Y" type="integer" min="-2.14748E9" max="2.14748E9" units="cm"/>
+          <inkml:channel name="F" type="integer" max="32767" units="dev"/>
+        </inkml:traceFormat>
+        <inkml:channelProperties>
+          <inkml:channelProperty channel="X" name="resolution" value="1000" units="1/cm"/>
+          <inkml:channelProperty channel="Y" name="resolution" value="1000" units="1/cm"/>
+          <inkml:channelProperty channel="F" name="resolution" value="0" units="1/dev"/>
+        </inkml:channelProperties>
+      </inkml:inkSource>
+      <inkml:timestamp xml:id="ts0" timeString="2020-06-25T08:40:41.385"/>
+    </inkml:context>
+    <inkml:brush xml:id="br0">
+      <inkml:brushProperty name="width" value="0.08571" units="cm"/>
+      <inkml:brushProperty name="height" value="0.08571" units="cm"/>
+    </inkml:brush>
+  </inkml:definitions>
+  <inkml:trace contextRef="#ctx0" brushRef="#br0">696 1 6372,'-7'-1'986,"1"1"486,6 0 2041,0 0-3272,-4 0-208,-1 12 12,-6 21-39,5-1-1,-3 16 18,7 36-23,1-36 5,1 40 7,-1-49-7,0 1 1,-1-1 5,-2 19 56,-9 34-61,3-25-1,-6 10 12,-10-11 0,8-27-11,-11 23-6,10-24 5,4-9-5,-7 18 6,1-5-6,1 0 0,-4 7 0,11-25 45,-9 18-34,13-26-11,-2 3 5,1-1-5,-2 5 6,-8 18 89,1-1-44,3-6-51,6-14 11,4-10-11,-1 4 11,-6 25 0,5-16-5,-3 12 100,6-17-39,-2 3-67,-4 23 6,4-17 39,-4 15-40,7-23-5,-1-2 0,-2 6 6,4-8 0,-5 11 16,-9 25-16,6-15-46,-10 37 46,14-46 11,-5 18-12,8-31 1,-5 20-6,5-16-6,-2 15 1,1-4 139,-3 19-128,0 12-6,0-10 0,2 4 50,4-4-11,-1 2-39,2-5-5,0-7 5,1-22 5,0 25-3397,0-7 3398,0 7-2123,0-7 2122,0 1 7,-2 16-7,1 2 1,-2 14-6,3-28 5,-3 19 2378,2-31-2372,-2 49 0,2-49 34,0 35-265,1-45 220,0 22-2235,0-6 2235,0 0-1099,0 19 1099,0-28 0,2 28 0,-2-34 0,4 16 1727,-2 2-1727,1-13 2580,-1 18-2580,-2-19 5,0 2-5,0-3 0,0-7 12,0 5-935,1 5 923,-1 0-235,1 0 241,0-6-6,-1-4-17,6 20-2173,-3-14 2190,6 27-1405,-4 4 1405,1-11 234,-3 5-194,0-22-456,-1-7 416,3 8 1054,-1-11-1059,2 19 5,-3-14 0,1 20 0,-2-21-6,1 12 1753,-1-15-1741,2 7 2186,1-3-2192,-1-2 0,1 8 5,-4-13 29,2 16-45,-1-15 11,1 8 0,-2-15 0,1 6 1483,-2-4-1477,1 13-1,-1-8 12,0 12 822,0-6-839,0-3 6,1 10 103,1-2-109,0-1 0,0 5 0,-1-18-17,4 20 17,-2-21 6,3 18 0,-3-17-6,0 0 0,0 1 5,8 22-5,-4-14 0,4 16 6,-3-19-6,-5-9 0,4 3-11,4 8 22,1 0-17,1 4 6,4 2 0,-10-13 28,26 24-28,-21-23 0,17 16 0,-14-15 0,-5-5 11,5 3-16,-3-6 10,-2-2 1,1 0 16,3 0-22,-6-1 17,9 1-17,-9-2 45,11 0-17,2 0-28,-4-1 6,2 1-1,-6-1-5,-2-1 39,3 0 12,0 0-46,-2 0-5,9 0 17,-4 0 6,11-3-18,-8 1 1,6-1 11,-4-2-17,-4 2 0,5-3 11,-13 5-6,8-4-5,-2 1-3347,6-2 3347,-5 1-1047,-1 1 1064,-1 1-432,3 0 415,-1 0-16,3-1 27,-11 1-22,11-3 11,-9 3 2662,9-3-2662,-7 2 0,-2 0 1472,1 1-1467,-5 0-5,8-1 0,-7 2 748,6-2-748,-4 0 5,-1 0-5,1-1 6,0 0-6,0-1-6,0 1 1,0 0 27,4-4-22,-5 3-5,6-2 10,-6 2-5,2-3 0,-2 1 0,4-3 0,-4 3-5,5-3-1,3-2 23,0 1-17,-1 1 0,-8 5 0,2-3 5,-3 2-5,1-1 6,-5 3 0,-1 2-1,-1-1 51,5-9-50,1 1-6,1-5-6,-1 4 6,-3 3 6,2-4 5,-1 3-11,1-4-28,1-1 73,-1-2-45,1-1 5,0-7-5,-3 12 0,2-11 17,-1-6-3285,-1 6 3274,-1-7-1124,-1 6 1096,6-48 33,1-10 8,-5 32 1,0 1-20,2-28 0,-5 39-99,-1 10 99,1 15-172,-1-8 172,0-9 0,0-2 0,0 1 0,0 11 0,0 7 6,0 2-6,0 1-6,0-4 6,0 3 6,0-31 0,-2 21 2,-4-25 0,-2-3-2,2 18-6,-9-39 2760,13 57-2737,-6-43-23,5 26-6,-5-28 6,6 40 1896,-1-5-1896,0 7 17,0-8-3415,1 3 3398,1 8-408,-2-13 414,2 8-12,-1-13 12,0-2-2126,0-4 2120,-1 9-250,-1 6 250,2 10 2008,-1-1-2013,1-8-12,1 3 395,0-18-378,0 19-5,1-13 3200,0 20-3200,0-2 5,0 4 0,0 4 593,0-1-593,0-3 0,0-11-2718,0 4 2718,0-7 22,0-17-22,0 24 6,0-22-6,0 32 5,0-9-5,0-5 0,0-1 0,0-6 6,0 6 1356,0 4-1362,0-2 0,0 11 5,0-5-10,0-14 5,1 1-6,0-7 6,0 10-5,0 9 5,1 2-6,-1-6 6,1 8 1356,-1-6-1356,1 5-11,-2-2 6,3-12-1,0-4-3386,2-7 3392,-2 9-6,0-3 6,-3 14-5,1-20 5,-1 2 0,0-39 0,0 33 5,0-13 1,-2 26-6,0 12-84,-6-27 78,2 21 3398,-2-5-3397,-1-16-6,3 6 11,-2-4 11,1 2-11,4 24-6,-2-5 6,3 6 6,0 5-6,1 2 0,-5-24 0,4 20 0,-3-19 5,3 25 1,2 0 11,-3 0-12,1 1-5,-2-3 45,1-2-45,-12-16 6,8 12 117,-17-20-67,13 25-50,-4-6 50,-4 5-62,5 0 6,-4-1 140,-35-18-140,35 20 11,-29-13 124,28 20-96,6 0-39,-6 1-6,9-1 1,-1-1 5,3 0 11,-6-2 39,3 1-50,-4-2 0,4 3 6,1-1-6,1 1 0,2 1 0,-3-2 11,-1 1 95,-2 1-106,3-1 0,-4 1-5,4-2-1,-9 1 1,-3-2 5,4 2-6,3 0-5,7 2-40,-1 0 46,-2 0-6,-3-1 5,-4 0 12,0-1-6,4 0-40,2-1-38,6 0 72,-10-2 6,-4 1 12,-2-1-1,3 1-17,5 2 6,10 0 6,-6-1 33,1 2-95,-1-1 56,5 2 45,3 0-45,2 0-23,-2 0 23,1 0 6,-1 0 0,0-1 5,0 0-11,-1 0 5,-2 0-5,2 0 0,1 1 0,-2-1 6,1 1-6,-1-1 0,2 1-6,1 0 6,0-1-5,-1 1-18,-4-1 12,-1 1 11,1 0-11,1 0-6,5 0 40,-2 0-23,1 0 0,-1 0-2980,1 0 2980,6 0 0,4 0 0</inkml:trace>
+</inkml:ink>
+</file>
+
+<file path=ppt/ink/ink15.xml><?xml version="1.0" encoding="utf-8"?>
+<inkml:ink xmlns:inkml="http://www.w3.org/2003/InkML">
+  <inkml:definitions>
+    <inkml:context xml:id="ctx0">
+      <inkml:inkSource xml:id="inkSrc0">
+        <inkml:traceFormat>
+          <inkml:channel name="X" type="integer" min="-2.14748E9" max="2.14748E9" units="cm"/>
+          <inkml:channel name="Y" type="integer" min="-2.14748E9" max="2.14748E9" units="cm"/>
+          <inkml:channel name="F" type="integer" max="32767" units="dev"/>
+        </inkml:traceFormat>
+        <inkml:channelProperties>
+          <inkml:channelProperty channel="X" name="resolution" value="1000" units="1/cm"/>
+          <inkml:channelProperty channel="Y" name="resolution" value="1000" units="1/cm"/>
+          <inkml:channelProperty channel="F" name="resolution" value="0" units="1/dev"/>
+        </inkml:channelProperties>
+      </inkml:inkSource>
+      <inkml:timestamp xml:id="ts0" timeString="2020-06-25T08:40:50.858"/>
+    </inkml:context>
+    <inkml:brush xml:id="br0">
+      <inkml:brushProperty name="width" value="0.08571" units="cm"/>
+      <inkml:brushProperty name="height" value="0.08571" units="cm"/>
+    </inkml:brush>
+  </inkml:definitions>
+  <inkml:trace contextRef="#ctx0" brushRef="#br0">539 1 5958,'3'5'95,"-1"-1"1411,-2-4-139,0 1-756,0 1-247,0 0-17,0 0 1199,0-1-1418,0 0 248,0 1-197,0 0 29,0 3-152,-7 41 0,-1 18-54,5-10 1,1 4 22,-7 34 1,1 0-24,7-36 1,0-6-3,-1 18 11,-3-29-1392,2-16 1392,-1 11 17,1 39-22,2-18 123,-3 42-112,2-50-6,-1-14-6,2-17 1,1 2-12,0-4 6,0 7 0,0-10 1410,0 7-1410,0-10-6,0 8 28,0 7 18,0-6-40,0 15 0,0-18 0,-2 8 0,1-12 5,-1 16 1,0-10 72,-4 20-78,1-20 17,-2 7-11,3-17 10,-1 3 29,1-4-45,-7 6 0,3-6 34,-12 7-34,8-6 11,-9 2-5,5-1-1,-3 1-5,5 1 11,-5 7-3403,5-2 3437,-7 13-1150,6-5 1138,-2 8-1931,7-9 1898,-3 6 11,-5 14-16,-15 27 5,8-16 11,-7 11 741,20-40-758,3-2 1,0 2 2273,6-9-2301,-1 5 38,-2 3-5,-1 12 17,-3 13 3375,3-8-3386,0-2-1,3-12-3397,1-6 3392,-2 11-1057,3-8 1057,-1 6 6,0 9-6,0-3 0,1 1 0,1-11-11,1 6 2874,0 5-2863,0 0-28,0 13 28,0-12-6,0 8-1806,0-13 1818,0-1-860,0-7 849,0 1-7,4 18 12,-1-18 0,4 17-11,-2-11 11,-3 13 6,2-10-1,1 24-2001,-1-32 1940,5 25 50,-3-25-39,7 20 40,-3-19-6,5 18 581,-7-20-558,1 6-12,-4-8-12,-3-7 12,2 7 0,-4-9-16,4 21 10,-2-14-5,2 24 11,-3-20-6,1 17-1511,-2-17 1512,0 11-1,0-19 1517,0 14-1561,0-13 2279,0 19-2290,0-4 49,0 8 1,0 9 6,0-18-7,0 9 7,0-22-18,0 23 23,0-18 0,0 25 0,0-24 0,0 12-5,1-14 5,0 4 3397,2 6-3397,-1-11 0,2 12 6,-1-5-6,-1-5-6,0 2 6,2-5-28,0 5 28,0-2-11,2 6 11,-1 2 45,-1 2-101,2 12 56,-2-15 0,0-3 22,1-1-16,-2-6-34,3 16 28,-3-15 0,1 12-45,3-4 45,-3-7 6,4 3-1,-4-12 1,0-1-6,0 1 0,0-1 90,2 2-85,0 1-5,1-1 6,-2-2-1,-2-6 63,2 4-57,2 6 6,-1-3-12,0 3-5,-2-8 0,-2-2 0,3 0 11,2 1 34,5 8-90,-2-5 45,3 6 0,-7-10-5,2 1 5,-2-3 0,2 1-84,4-2 84,15 0 50,8-1-11,11 4 12,-2 1-40,-12 0-1409,3 1 1404,-15-5 11,20 1 16,-6-2-33,0 0 0,-3 0 34,-4 0-34,-7 0 39,10-1-45,-18-1 57,9 0-51,-8 0 45,2 0-45,0 0-56,0 0 44,10 0 24,-9 0-1,3 0-6,-10 0 1,2 0-45,5 0 1392,2-3-1353,-2 1-11,1-5-96,-3 0 29,3-8 33,-5 2 39,7-13 1,-12 15 10,5-10-16,-3 1-17,5-22-5,2 1 38,-2-3 1,-6 20-1,-3 10-5,-2 7 0,4-12 0,-1 1-5,1-2 5,-1 4 0,-3 7 5,1-5 7,2-9-12,-4 6 0,4-9 0,-3 12 0,-1 1 5,-1 5 1,0 0 67,0-6-73,1-12 5,1-21-5,-1 4 6,0 4 39,-2 16-45,0 14 16,0-8-16,0 3 12,0-29 10,0 2-11,0-1 23,0 10 39,0 20-57,0 3-16,0 0 0,1-7 6,-1 2-6,3-18 0,-1 11 6,2-14-1,0 18-5,-2 0 45,-1 9-34,-1 2 28,0 2-27,0-5-12,0 1 0,0-14 0,0 4 0,0-8 5,0-1 1,0 6-1,1-10-5,-1 15-3330,1-11 3330,-1 9 0,0-7 0,0 4 0,0-1 0,-1-22 39,1 17-33,-1-11 44,0 23-55,1-2 3397,-2 3-3392,0-8 33,-1-7-3171,1 7 3132,-1-8 6,1 12 0,1-8 6,-1 6-1,1-4-10,-1 5 5,2 6 0,-1-2 5,-1-1-5,2 4 6,-3-11-6,3 11 3150,-2-7-3139,1 6 112,-3-31-117,1 16-6,0-19 0,2 26 28,1 6-28,0 3-12,0 0-4,0-13 10,0-4 40,0 1-34,0 3 11,0 13-11,0-6 5,0 3 1,0-12 0,0 5-1,0-2-5,0 2 0,0 5 0,0 0 17,0-19-11,0 0-6,0 0 0,-4-15-6,3 13 0,-2-3 6,3 8-5,0 17 5,0 2 0,0 1 0,-1 0 5,0 1-5,-1 0 6,2-6-1127,-2 2 1121,2-6-3021,-2-7 3016,2 6 5,-1-14 0,1 17-6,0-17 12,0 21-6,0-11 0,0 15 0,0-3 744,0-1-744,0-2-6,0-2-5,0 0 11,0 1-6,0-3 6,0 8 3392,0-2-3392,-1 8-5,-1-32-12,-1 8 23,-3-23-6,1 15 0,1 16 0,0 2-12,4 4 7,-1 3-29,1-6-11,0-3 45,0 6 0,0-1 12,0 8-12,0 5 0,0-2 0,0-1 39,-6-18-6,-3 3-77,-9-20 44,7 22 33,-4-7-22,8 18-5,-1 0 11,-1 4-17,4 2-11,-8-7 11,4 1 0,-2-2 78,-4-4 84,3 6-156,-1 0-6,0 3-34,7 5 62,-5-4-22,4 3 179,-7-5-101,7 5-11,-4-2-34,0 2-45,-1 0 6,-4-2 6,-2-2-1,7 3 40,-2 0-45,10 3-5,-3 0-1,2 1 12,-5-1-6,3 1 44,-8-1-38,4 0 11,0-1-17,4 2 5,3 0-5,1 1 6,-3-1-6,3 0 0,-3 0 0,1 0-6,1 0 1,1 1-12,-1-2 28,1 2 23,-2-1-34,1 1-6,1 0 6,0 0-5,-5 0-7,-3-1 7,1 1-1,-3-1 6,7 1 0,-5-2 0,5 1 6,-5-2-6,5 3 0,-6-3 5,2 3-5,0-2 6,0 1 0,7 1-6,-2-1 5,4 1-5,-2-1-11,-5 0 11,1-2 6,-3 2-6,6 0 5,2 1-16,0 0 5,-2-1 1,-1 0-1,1 0 6,-2 0 0,4 1-17,0-1-16,0 0 44,0 0 0,0 0 6,-2 0-11,3 1-12,-3-1 0,1 0 6,-1 0 12,-2-2-12,4 2-6,-3-1 6,2 2 0,-3-2-6,0 1-10,1 0-1,2 0 11,1 0-33,0 1 39,-1-2 6,1 2-522,0-1 40,0-1 476,28-26 0,-21 19 0,21-19 0</inkml:trace>
+</inkml:ink>
+</file>
+
+<file path=ppt/ink/ink16.xml><?xml version="1.0" encoding="utf-8"?>
+<inkml:ink xmlns:inkml="http://www.w3.org/2003/InkML">
+  <inkml:definitions>
+    <inkml:context xml:id="ctx0">
+      <inkml:inkSource xml:id="inkSrc0">
+        <inkml:traceFormat>
+          <inkml:channel name="X" type="integer" min="-2.14748E9" max="2.14748E9" units="cm"/>
+          <inkml:channel name="Y" type="integer" min="-2.14748E9" max="2.14748E9" units="cm"/>
+          <inkml:channel name="F" type="integer" max="32767" units="dev"/>
+        </inkml:traceFormat>
+        <inkml:channelProperties>
+          <inkml:channelProperty channel="X" name="resolution" value="1000" units="1/cm"/>
+          <inkml:channelProperty channel="Y" name="resolution" value="1000" units="1/cm"/>
+          <inkml:channelProperty channel="F" name="resolution" value="0" units="1/dev"/>
+        </inkml:channelProperties>
+      </inkml:inkSource>
+      <inkml:timestamp xml:id="ts0" timeString="2020-06-25T08:40:59.110"/>
+    </inkml:context>
+    <inkml:brush xml:id="br0">
+      <inkml:brushProperty name="width" value="0.08571" units="cm"/>
+      <inkml:brushProperty name="height" value="0.08571" units="cm"/>
+    </inkml:brush>
+  </inkml:definitions>
+  <inkml:trace contextRef="#ctx0" brushRef="#br0">625 0 1569,'3'12'1703,"-1"-2"632,-2-10 337,0 0-1465,-1 3-1050,-1 1 479,-8 16-529,0 2-1907,-3 9 1800,6-8 12,2-1-7,2 11 29,1-1-2266,1 12 2283,1-5 21,0 3-10,0 0 6,1 21 2227,1-16-2250,1 14-34,1-11 28,-2-16-33,0 5 3345,0-20-3307,-2-3-44,1-1 6,-1-1 0,0 1-6,0 2 5,0 0 1,0 1 67,0 0-12,0 2-27,0-6-29,0 11 40,0-8 129,0 57-174,0-37 0,0 32 5,0-48-5,0 6-5,0-7 5,0 7-6,0-13 6,0-1-5,0-5 77,0-2-94,3 41 61,-2-28-39,2 30 6,-3-28-1,0 4-5,0 6-5,0-6-1,0-6 1,0-11 5,0 2 0,1-2 16,0 6-16,0-5 0,1 6-5,-2-12 5,2 3 5,-2-6 735,1 1-763,-20 6 57,8 0-29,-21 12 23,13-4-22,2 1-6,5-6 0,8-6 0,1-1 6,0-1-1,1 0 1,-3 2-6,2-1-39,-9 4 27,-3 6-32,-7 5-1,-12 13-2790,11-10 2852,-8 6-11,13-11-79,-8 9 73,10-8 6,-4 9-1,8-5-5,3-5 0,-5 6 0,8-11 0,-16 23-2434,13-15 2434,-10 12-458,9-9 469,2-8 1770,-18 37-1832,3-6 57,-4 14 0,9-17 3081,11-7-3082,-3 9-2448,4-11 2443,-6 18 39,8-30-33,-3 7-1,1 15-2273,5-14 2268,-3 16-1523,4-7 1523,0-10 0,0 7-5,0-3 5,0-10-6,3 51 12,-3-21-12,3 32 1506,-1-5-1472,0-40 2241,1 17-2292,2-12-2240,-2-12 2269,5 31 2262,-3-33-2279,6 45 6,-5-44-12,1 19 0,-1 0 17,-2-23 0,4 50-2263,-7-57 2274,3 16-22,5 16 11,-3-21 0,2 24 11,-7 5-1528,-1-22 1506,0 29 11,1-40 0,-1 8 250,3 11-256,-2-5-5,3 20 11,-3-35 1677,2 12-1677,-2-22 5,0 6 2550,-1 5-2555,1 6 2657,-1 5-2657,1-7 0,-1-2 0,0-14 6,0 5 39,0 2-45,0-5-12,0 11 12,0-13-5,0 14 5,0-17 5,0 15 63,3 0-63,0-3 1,4 26 11,0-10-17,0 9 0,4-4 11,-2-8-11,1-12 0,-2 1-11,-4-16 5,3 4 0,-2-6-38,6 6 44,-5-6 0,6 6 5,0-3 12,4 5-11,-1-1-6,0 3 0,-5-9 0,2 4 0,-5-8 0,9 7 0,-7-7 11,9 7-6,-9-7 7,5 4 49,4 0 1,10 4-17,4-2-45,-5-4 16,3-3-16,-18-4 34,14 1-28,-13-1-6,10 0 16,-1-1 29,18-6-11,4-1-29,4-5-5,-18 5 0,-7 1-28,-11 3 28,-1 0 0,5-3 0,-8 3-5,9-2 33,14-5-28,1 0-6,3 0 1,-10 3 5,-17 6 0,7-3 0,-10 2 0,9-2 0,-9 4 0,7-3-6,-2 0 0,-1 1-5,-1-2 6,-6 5-1,0-2 6,2-1-6,-1 0-5,4-3 6,-3 3-96,14-22 95,-10 13 6,9-14-5,-11 13 5,-1 5-112,1-13 106,-3 9-33,2-18 39,-1 12-17,2-12-33,1 2 50,-2 7-6,1-3-28,-6 3 29,1 4 5,-1-8-11,0-4 11,1 14 0,0-11 11,4 10 17,2-19-28,-1 9 0,3-34 0,-5 38 11,1-16 11,2 5-22,-2 11 34,3-18-17,2-22-17,-4 34 0,2-52 0,-7 58-3381,3-44 3387,-4 37 5,3-11-6,-3 23-5,0-12 0,0 11 6,0-20-12,0 9 12,0 7-6,0 0 6,0 13 27,0-7-33,0-12 0,-1-2 0,0-1 6,-1 7-6,0-2 5,1 9 1,0-11 3403,1 5-3409,0 3 11,0-22 0,-1 12-5,0-1-1,0 6 51,1 5-56,0 3-5,0-3 5,0 1 0,-2 5-11,0-16 11,0 10 11,-2-23-6,2 23 40,-1-13-45,1 21 0,1-9-28,-1 7 34,2-11-6,-1 9 0,1-11 5,-1 13 1,1-4 5,-2 4-5,-1-15-6,0 6 11,-1-25-11,2 22 0,1-17 0,0 21 56,1-10-50,0 20 5,0-4-6,-1 10-5,1-10 0,-1 1 6,1-9 0,-1-10 10,-1-4-10,-1 2 0,1 8-6,0 10 0,2 8 0,-2-20 0,2 13 39,-1-28-34,1 26 1,0-12-6,0 21 6,0-1-6,0 4 0,0-2 5,0-9-5,-1 3 0,0-6 6,-1 5 5,0-6-11,-1 3-11,2-12 5,0 12 1,1-7-1,0 9 6,0 2 6,0-6-6,0 7 0,0-5-1454,0 7 1459,0 0-5,0 1 6,0 0-6,0-9-11,0-6 5,0-2 6,0 0 0,0 2 6,0 10 5,0-4 0,0 14-11,0 0 1465,0 3-1459,0 1-6,0-3 0,0-3 0,0 0 0,0-3 0,0 1 5,0 0 7,-1-4-12,0 6 0,-1-6 0,0 6 5,-5-12-5,2 2 34,-4-2-23,4 6 0,3 8-5,-1 1-1,3 4 7,-2-2-12,1 1 0,-2-3-6,-2 0 12,0 0-1,-6-6-5,3 3 11,-7-4 45,8 6-11,-5-2 0,5 5-45,-2-1-6,4 1 1,-1 0-6,0-1-12,-9-9 23,6 4 6,-7-5 50,6 5-51,3 4 51,-1-2-56,5 5 0,-1-1 6,-1 0 0,0 0 27,-1 2 6,1-3-39,2 4 6,0-3-12,-2 2 6,-1-1 0,-1-2 6,-2 1 5,1-1-5,1 0-6,1 1 0,2 2 0,1-1 5,0 1-5,1-1 62,-25-4-51,18 4 12,-18-3-23,23 4 11,1 1-6,-1-1 46,1 1-46,-2 0 1,1 0-6,-1-1 6,1 1-1,-1-2-5,0 1 0,3 0-5,-2-1 5,0 1 5,-1-1 6,1 2-11,-2-1 6,1 1 0,1 0-6,1 0 0,1 0 0,0 0 67,0 0-62,1 0-10,-1 0 10,-2 0 1,0 0 0,-1 0 38,2 0-38,0 0-6,2 0 6,-1 0 27,1 0-33,-2 0 0,2 0-11,-2 0-56,2 0 61,-2 0-134,1 0-2980,1 0 3120,10 2 0,-6-1 0,7 1 0</inkml:trace>
+</inkml:ink>
+</file>
+
+<file path=ppt/ink/ink17.xml><?xml version="1.0" encoding="utf-8"?>
+<inkml:ink xmlns:inkml="http://www.w3.org/2003/InkML">
+  <inkml:definitions>
+    <inkml:context xml:id="ctx0">
+      <inkml:inkSource xml:id="inkSrc0">
+        <inkml:traceFormat>
+          <inkml:channel name="X" type="integer" min="-2.14748E9" max="2.14748E9" units="cm"/>
+          <inkml:channel name="Y" type="integer" min="-2.14748E9" max="2.14748E9" units="cm"/>
+          <inkml:channel name="F" type="integer" max="32767" units="dev"/>
+        </inkml:traceFormat>
+        <inkml:channelProperties>
+          <inkml:channelProperty channel="X" name="resolution" value="1000" units="1/cm"/>
+          <inkml:channelProperty channel="Y" name="resolution" value="1000" units="1/cm"/>
+          <inkml:channelProperty channel="F" name="resolution" value="0" units="1/dev"/>
+        </inkml:channelProperties>
+      </inkml:inkSource>
+      <inkml:timestamp xml:id="ts0" timeString="2020-06-25T08:41:11.157"/>
+    </inkml:context>
+    <inkml:brush xml:id="br0">
+      <inkml:brushProperty name="width" value="0.08571" units="cm"/>
+      <inkml:brushProperty name="height" value="0.08571" units="cm"/>
+    </inkml:brush>
+  </inkml:definitions>
+  <inkml:trace contextRef="#ctx0" brushRef="#br0">640 1 7180,'12'17'947,"-2"-3"140,-10-14 2137,0 0-3179,0 2 95,0 18-135,0-3 153,0 77-153,-1-55 230,0 57-229,-1-45-12,1-9 6,1 7 11,1 22 34,0-8-3437,0 18 3387,-1-33-7,2-5 7,2-10-1,0 5 1,1-10 16,-1-2-2229,-2-7 2223,0 4-18,-2-9 24,1-4 2248,-1 0-2259,2 6 6,-2-7 5,1 4 0,-1-9-5,0 2-6,0-2 3383,0 0-3383,0 1 43,1 6-38,0 2 7,0 4-7,0-4 1,0-4 11,-1-2-12,0-4 18,0 2-18,0-1 34,1 6-39,-1-2 6,2 7-6,-2-7-6,2 1 6,-2-3 0,1 0 0,0 2 6,0 2 33,1 3-39,0 3 0,1-4 0,-2-1 0,1-3-5,-2 0-12,2 2 17,-2-5 11,2 5-11,-2-3 6,1 3 27,0-2-44,0 2-79,1-3 90,0-1 0,-1-4 6,-1-2 5,0 3 45,0-1-56,0 5 6,0-3-1,0 1 1,0-1 0,0-1 83,0-1-78,0 0 1,0 0 27,0 0-34,0 1-5,0 1 6,-3 2-6,-7 4 0,1 1-6,-5 1 1,2 1-1110,3-5 1115,0 0-5,5-4-1,0-1 6,1-2 79,-6 0-68,2-1-6,-6 1 35,3 0-40,-7 3 0,3-1-12,-5 4 1121,0-1-1109,4 0 6,-3 1 39,8-2 27,-3 3-66,6-3-6,-4 1 0,6-3 0,-1-1 17,-13 8-12,7-3 1,-19 12 44,17-9-16,-28 26 22,14-9-67,-10 8 0,16-11 11,15-14-6,1 0 0,2-4 6,-4 6 0,0-2 6,-1 6 0,-4 7 223,-9 17-229,6-11-5,-5 10-1,10-19 6,2-1 6,-1 0-6,5-4 0,-1 0 28,-2 2-28,2 0 0,-2 0-34,1 1 34,2-4 0,0 1 6,0-1-1339,1-3 1338,-2 4-54,1-2 88,-4 18-33,2-11-6,-1 14-6,4-10-5,3-8 5,-1 2 6,2-4 0,0-4 0,0 5 1332,0-2-1332,0 4 0,0 3 51,0 3-57,7 65-3380,0-40 3436,6 47-1753,-7-67 1787,1 6-79,-4-15-5,1 5-41,-2-6 46,-1 7-1632,0 17 1633,-1-10 832,0 12-805,0 9-33,-1-10 0,1 12 1468,-2-24-1468,1-14 6,0-1-12,-1-1 104,1-2-98,0 1 11,1 17 0,0-6-5,0 8-6,0-10 0,0-1 0,0-4 5,6 55 2872,-4 18-2863,1-25 0,-1 0-1676,-2 25 1702,0-20-29,0-57-1571,0 4 1583,0 1-23,0-4 0,0 15-1119,0-3 1125,0 11-12,0 13 6,0-16 2060,0 17-2060,0-29 1102,0 14-1102,0-17 1978,0 17-1973,0-19 7,0 17-7,0-11-3085,0 2 3080,0 0-448,0-8 459,0 5-5,0-9 5,0 5-5,0-11 10,0 5 29,0-4-45,0 1-5,0-1 5,0-2-6,0 5 6,0-3 22,0 8 34,0-1 12,1 14-68,1-7 11,0 14 2847,-1-19-2825,0 3-38,0-7 1622,1 0-1611,0-3-1,2 6 1,-1-8 0,2 9-1,-2-9 1,3 9 33,-2-9-33,2 7-1,-3-6 18,6 14-12,-4-7-11,1 2 0,-2-6-28,0-6 39,3 9-11,-1-3 6,4 8-6,-4-10-34,6 8 34,-6-11-6,5 6 1,-2-2 5,8 8-146,0-2 152,3 0 50,7 6-123,-3-7-17,14 11 78,-16-15-5,6-1 5,-3-4-39,-4 0 40,4-2-51,-6-3 50,8-1 6,10-2-3397,7 0 3397,-13 0-1232,-2 0 1237,-11 0-676,10-5 671,-4 3-446,1-4 446,-4 0 2256,-2 0-2250,-2 0-1,0 0-10,-5 3-7,6-2 1491,6-2-1428,5-1-51,-5 1 0,-1 1-40,-4 1 1161,6-2-1121,-2 2 0,8-3 835,0-3-840,1-1 10,2-2-5,-16 6 6,-3 4 0,-7 2-6,16-6-12,3-4-4,18-14 16,-16 8 0,2-6-6,-21 13 0,-2 2 1,-2 2-1,-3 0-39,3-7 45,-3-1 6,4-13 5,-2-9 6,-2 11-23,1-12-10,-4 6 10,1 7 6,-1-31 6,0 11 33,-1-16-45,-1 12 6,-1 13 11,-7-17-11,4 25 6,-5-28-6,8 29 0,-1-5 6,3-2 5,0-8 0,1-22-11,0 12 6,0-3-6,0 30 0,0 4 0,0-3 11,0-14 0,0-6-5,0-9-6,0 22 0,0-9 0,0 6 0,0 4 5,0-4 1,0 6-6,0 10 0,0-8-6,-3-8-27,1-8 21,-1 1 12,2-5 12,1 25-12,0-1 5,0 0-5,0 10-11,0-21 11,0 15 6,0-18-34,0 6 28,0 6-6,0-5-5,0 6 5,0 5 6,0-12-5,0 8 5,0-6 0,-1 7 5,-1-5-3397,-1 4 3392,0 1 0,1-6 0,2 11 0,0-5-5,0-1 5,0 5 0,0-4 11,0-1 2523,0 7-2506,0-7-33,-1 11 5,1-2-343,-3-5 343,1 4 0,-1-9-11,-3-42 11,4 39 0,-2-40 0,3 48 0,0-3 0,-2-11 0,0 10-6,1-7 1,1 10 5,1 2-103,-1 3 103,1 2 344,-1 2-333,0-10-11,0 6 11,-1-10-11,0 11 6,0-1 5,-1 2-11,1-1 420,0 0 561,-7-68-975,6 56-6,-4-49 0,7 74 17,0 0-23,0-4 6,0 1-11,0-5 5,0 1 6,0-1-5,0 0-6,0-1 11,0 2-40,0 0 40,0 3 0,0 1-5,0 0 5,0-2 0,0-1-6,0 0-503,0-1 509,2-51 0,0-37 0,1 17-3387,-3 18 3389,3-21 0,1-15 0,-4 43-21,-1 52 304,1 0-296,0-1 11,-1 0-11,1-4 5,-2-1 3389,0-1-3383,-1-1 40,1 3-35,0 0 6,1 4 51,0 0-51,0 1 28,0-1-33,-1 0 0,1 1-1,0 1 68,-2 0-67,1 0 38,-1 0-38,1 0 151,1 0-163,-1-1-11,-4 0-139,-7 1 139,0 0-84,-13 2 67,15 0-10,-10 1-29,6 0 34,2 0-62,-3 2 50,4 1-10,-1 0 16,-12 7 45,0-2 0,-4 3 11,12-8-22,5 1 11,3-3 0,0 0-6,1 0 6,5-4 0,0 1 6,2-1-6,-1 0-6,1 0 6,-1 0-5,0 0 16,-4 0 0,2 0-11,-5 0-17,5 0 12,-3 0-29,3 0 40,1 0-45,-8 2 22,2 0 17,-4 0 0,6-1-6,4-1 12,0 0-12,-2 0 1,-3 0 10,0 0 1,-4 0-6,6 0 0,-2 0 50,2 2-16,1-1-34,0 2 5,3-2-3018,1 0 1568,11-1 1445,0 0 0,3 0 0,-6 0 0</inkml:trace>
+</inkml:ink>
+</file>
+
+<file path=ppt/ink/ink18.xml><?xml version="1.0" encoding="utf-8"?>
+<inkml:ink xmlns:inkml="http://www.w3.org/2003/InkML">
+  <inkml:definitions>
+    <inkml:context xml:id="ctx0">
+      <inkml:inkSource xml:id="inkSrc0">
+        <inkml:traceFormat>
+          <inkml:channel name="X" type="integer" min="-2.14748E9" max="2.14748E9" units="cm"/>
+          <inkml:channel name="Y" type="integer" min="-2.14748E9" max="2.14748E9" units="cm"/>
+          <inkml:channel name="F" type="integer" max="32767" units="dev"/>
+        </inkml:traceFormat>
+        <inkml:channelProperties>
+          <inkml:channelProperty channel="X" name="resolution" value="1000" units="1/cm"/>
+          <inkml:channelProperty channel="Y" name="resolution" value="1000" units="1/cm"/>
+          <inkml:channelProperty channel="F" name="resolution" value="0" units="1/dev"/>
+        </inkml:channelProperties>
+      </inkml:inkSource>
+      <inkml:timestamp xml:id="ts0" timeString="2020-06-25T08:41:31.810"/>
+    </inkml:context>
+    <inkml:brush xml:id="br0">
+      <inkml:brushProperty name="width" value="0.08571" units="cm"/>
+      <inkml:brushProperty name="height" value="0.08571" units="cm"/>
+    </inkml:brush>
+  </inkml:definitions>
+  <inkml:trace contextRef="#ctx0" brushRef="#br0">4085 1 6484,'3'12'1014,"-1"-3"-662,-2-9 4028,1 0-3729,-9 0-489,5 1 180,-19 6-292,11-1 23,-22 10 22,13-7 207,-21 10-3374,-2 3 3184,8-5 72,-21 13-178,34-19-566,-23 10 560,24-11 34,-10 0-28,-1 0-2041,6-3 2041,-16 5 2112,2-2-2101,-5 1-6,9-3 12,-11-4-1715,25-3 1697,-24-1-5,23 0 0,-13 0 0,16 0-1517,-6 1 1500,-3 3-997,6 0 1020,-26 7-74,-3 1 158,-24 8-17,9-2-68,-23 12 1,35-10 25,7-1 0,1 0 989,-8 3-981,8-2 0,1-1 1484,-8 3-1512,-1 0 0,-1 0 0,-3 0 11,6-3 1,-3 3 1125,4 0 0,3-1-1142,-23 8-3,19-4 0,6-2-9,14-8-1134,-16 12 1140,24-15 5,-13 7 23,19-11-1716,-4 4 1683,6-3-79,-9 4 61,-28 14-770,23-10 788,-22 11 316,31-16-429,-14 8-64,7-4 182,-18 10-1136,19-9 1187,-22 15 23,10-5-46,-12 7-295,2 1 261,13-11 1,1 1-6,2-3 1107,-16 13-1091,15-9 1440,-14 10-1439,23-15 2274,-8 8-2292,8-9 3393,-4 6-3409,17-14 34,-14 14 44,6-3-5,-8 8-34,8-6-11,-3 5-5,9-12-46,-10 13 40,-8 12 11,9-14 11,-12 19 28,14-20-39,2-3-56,-13 17 45,19-23 11,-15 16 11,13-14-5,-2 0-6,7-4-6,4-6 6,1-2 6,-6 8-12,-1 1-66,-2 8 66,3-8 0,1 3 62,5-11-50,-1 0-6,1-1 0,2-3-17,-4 12 12,4-8-7,-5 9-44,2-8 56,-1 1 0,3-4 6,-1 2-12,2-5 6,-2 4 0,3-3-95,-5 6 62,4-4-1,-4 2 40,3-4-1,-1 3-16,-2 4 0,1 0 11,-1 1-17,1-3-78,-3 6 61,0-4-11,-10 17 1,11-17 32,-11 16 12,11-15 0,-4 6 45,6-8-34,0-1-5,3-4-6,1-4 0,0 0 0,1 2 6,-2 0 5,0 4-11,-2-2 0,-1 5-45,0-2 51,-3 3-1,2-2 6,-1 0-5,5-4-6,-4 4-11,2 2-23,-1-3 29,-2 7 5,5-10 5,-2 5 29,1-7-45,0 3 11,0-2-12,2 0 12,1-2-5,1-1 5,0-2-1568,0 0 705,5-1 863,0-11 0,0 8 0,-1-8 0</inkml:trace>
+</inkml:ink>
+</file>
+
+<file path=ppt/ink/ink19.xml><?xml version="1.0" encoding="utf-8"?>
+<inkml:ink xmlns:inkml="http://www.w3.org/2003/InkML">
+  <inkml:definitions>
+    <inkml:context xml:id="ctx0">
+      <inkml:inkSource xml:id="inkSrc0">
+        <inkml:traceFormat>
+          <inkml:channel name="X" type="integer" min="-2.14748E9" max="2.14748E9" units="cm"/>
+          <inkml:channel name="Y" type="integer" min="-2.14748E9" max="2.14748E9" units="cm"/>
+          <inkml:channel name="F" type="integer" max="32767" units="dev"/>
+        </inkml:traceFormat>
+        <inkml:channelProperties>
+          <inkml:channelProperty channel="X" name="resolution" value="1000" units="1/cm"/>
+          <inkml:channelProperty channel="Y" name="resolution" value="1000" units="1/cm"/>
+          <inkml:channelProperty channel="F" name="resolution" value="0" units="1/dev"/>
+        </inkml:channelProperties>
+      </inkml:inkSource>
+      <inkml:timestamp xml:id="ts0" timeString="2020-06-25T08:38:32.910"/>
+    </inkml:context>
+    <inkml:brush xml:id="br0">
+      <inkml:brushProperty name="width" value="0.08571" units="cm"/>
+      <inkml:brushProperty name="height" value="0.08571" units="cm"/>
+    </inkml:brush>
+  </inkml:definitions>
+  <inkml:trace contextRef="#ctx0" brushRef="#br0">0 0 7503,'6'6'-162,"-2"-2"3679,-4-6-3511,0 8-6,0-3 106,0 24-55,0-11-40,1 23-3392,3-4 3415,0 17 27,0 26 23,-2-23-44,-2 26-46,1-20 6,1-12 0,1 2 3386,2-16-3380,0-9-6,1 20 17,-2 1-17,-1-2 0,-2-1 0,-1-25 5,1-4 12,0 0-11,1 0-6,-1 4-11,0-1-6,-1 1 11,0 3 1,1 16 5,-1-4-12,1 5 7,-1-15 5,0-11-6,0-3 12,0-3-6,0 9 0,0-6 0,0 6 0,0-5-39,0 0 39,0-3 5,0 1 1,0-4 22,0 8-17,0-4-11,0 2 0,0 0 0,0-6 0,0 6 0,0-4 6,0 13 38,0 1 7,0-1-46,0-3-5,0-13 0,0-1-5,0 0 5,0 9 22,0 14 6,0 4-151,0-1 117,0-13 6,0-5 0,0-7 0,0 6-5,0-5-29,0 0 34,0-3 6,0-1 33,0 1 0,1 1-33,0 4-6,1-2 5,-1 5-21,0-7 16,0 2 22,-1-5 118,1 0-129,0 1-5,1 2-1,-1 0 1,0 0-6,0-1 6,-1 2-1,1-1 1,-1-1 16,0 0-22,0-1 11,0 0-5,0 1 16,0 3-22,0-1 6,0 1-6,0-2 6,0 0-6,0 0 5,0 0-5,0 1 11,0 2-5,0 0-6,0 0 0,0 0 0,1-3-6,-1-1 34,1-1-28,0 1-5,0 1-1,-1 0 1,0-1 5,0 0-992,0-2 259,6 1-674,0-2 1407,6-2 0,-6 1 0,-1 0 0</inkml:trace>
+</inkml:ink>
+</file>
+
+<file path=ppt/ink/ink2.xml><?xml version="1.0" encoding="utf-8"?>
+<inkml:ink xmlns:inkml="http://www.w3.org/2003/InkML">
+  <inkml:definitions>
+    <inkml:context xml:id="ctx0">
+      <inkml:inkSource xml:id="inkSrc0">
+        <inkml:traceFormat>
+          <inkml:channel name="X" type="integer" min="-2.14748E9" max="2.14748E9" units="cm"/>
+          <inkml:channel name="Y" type="integer" min="-2.14748E9" max="2.14748E9" units="cm"/>
+          <inkml:channel name="F" type="integer" max="32767" units="dev"/>
+        </inkml:traceFormat>
+        <inkml:channelProperties>
+          <inkml:channelProperty channel="X" name="resolution" value="1000" units="1/cm"/>
+          <inkml:channelProperty channel="Y" name="resolution" value="1000" units="1/cm"/>
+          <inkml:channelProperty channel="F" name="resolution" value="0" units="1/dev"/>
+        </inkml:channelProperties>
+      </inkml:inkSource>
+      <inkml:timestamp xml:id="ts0" timeString="2020-06-25T08:38:48.457"/>
+    </inkml:context>
+    <inkml:brush xml:id="br0">
+      <inkml:brushProperty name="width" value="0.08571" units="cm"/>
+      <inkml:brushProperty name="height" value="0.08571" units="cm"/>
+    </inkml:brush>
+  </inkml:definitions>
+  <inkml:trace contextRef="#ctx0" brushRef="#br0">0 0 6848,'5'10'1680,"-2"-3"-1411,-3-7 2823,0 0-2958,1 5-78,2 1 45,6 11 6,4 2 100,6 10-67,-4-6 39,5 12-16,4 9 38,5 9-72,17 35-56,-17-31-23,8 14-44,-19-33 16,10 21-16,-11-23 0,9 17 22,-2-8-23,-8-15 1,10 17-1,-5-9 1,-2-2-6,0 7-17,-5 3 0,-5-9 6,5 13 11,-7-21 0,3 0-5,3 10 5,-6-21 0,6 20-12,-7-24 12,1 6-5,-2-5-1,4 7 1,-3-5-1,0-2 17,9 17-11,-10-18 0,11 19 0,-11-20 0,4 9 0,-4-9-5,0 0-1,-1-2-11,1 4 17,3 5-5,2 6 5,-1-3 0,2 2 0,-5-7-40,-1-4 29,3 5 6,-5-13 5,4 8 0,-6-8 0,1-2-12,-1-1-10,0 1 11,0-2 11,-1 1 0,1-2 0,-1 1 0,1-1-6,0 1 6,-1-1-11,1 1 11,-1 1 0,1 0 6,0 1-6,-1-2 0,1 1 0,0 0 5,0 2-5,-1-3 0,0 4 0,1-2 0,0 9 6,1-6-6,0 7 11,-1-11-11,1 2 0,-2-2 0,1 0 0,-1 3 0,1 1 0,0 2 0,2 4 0,0-2 0,-1 1 0,0-5 6,0-1-12,-2-3 6,1 0 0,0-1 6,0-1-6,-1 5 0,5 19 5,-2-7-5,3 9 0,-4-15 0,0-6 0,0 1 0,-1-2 0,1-1-5,-2-2-12,1-2-34,-1 2 57,0-1 11,1 7-6,0-3-5,0 3-6,1-6 56,-2-1-45,1 0 45,0 2-56,1 1 5,-1 1 1,1-2-6,-1 4 6,0-3-1,0 3 1,-1-2 33,0-2-39,0 1 6,0-1-6,0 1 11,0-2-11,3 0-303,-2-2 130,2 1-96,-2-1-936,-1 0-374,0-4-23,1 3 1602,0-3 0,0 4 0,-1 0 0</inkml:trace>
+</inkml:ink>
+</file>
+
+<file path=ppt/ink/ink20.xml><?xml version="1.0" encoding="utf-8"?>
+<inkml:ink xmlns:inkml="http://www.w3.org/2003/InkML">
+  <inkml:definitions>
+    <inkml:context xml:id="ctx0">
+      <inkml:inkSource xml:id="inkSrc0">
+        <inkml:traceFormat>
+          <inkml:channel name="X" type="integer" min="-2.14748E9" max="2.14748E9" units="cm"/>
+          <inkml:channel name="Y" type="integer" min="-2.14748E9" max="2.14748E9" units="cm"/>
+          <inkml:channel name="F" type="integer" max="32767" units="dev"/>
+        </inkml:traceFormat>
+        <inkml:channelProperties>
+          <inkml:channelProperty channel="X" name="resolution" value="1000" units="1/cm"/>
+          <inkml:channelProperty channel="Y" name="resolution" value="1000" units="1/cm"/>
+          <inkml:channelProperty channel="F" name="resolution" value="0" units="1/dev"/>
+        </inkml:channelProperties>
+      </inkml:inkSource>
+      <inkml:timestamp xml:id="ts0" timeString="2020-06-25T08:38:34.009"/>
+    </inkml:context>
+    <inkml:brush xml:id="br0">
+      <inkml:brushProperty name="width" value="0.08571" units="cm"/>
+      <inkml:brushProperty name="height" value="0.08571" units="cm"/>
+    </inkml:brush>
+  </inkml:definitions>
+  <inkml:trace contextRef="#ctx0" brushRef="#br0">1 1 5991,'8'14'0,"-1"-3"0,-7-11 0</inkml:trace>
+</inkml:ink>
+</file>
+
+<file path=ppt/ink/ink21.xml><?xml version="1.0" encoding="utf-8"?>
+<inkml:ink xmlns:inkml="http://www.w3.org/2003/InkML">
+  <inkml:definitions>
+    <inkml:context xml:id="ctx0">
+      <inkml:inkSource xml:id="inkSrc0">
+        <inkml:traceFormat>
+          <inkml:channel name="X" type="integer" min="-2.14748E9" max="2.14748E9" units="cm"/>
+          <inkml:channel name="Y" type="integer" min="-2.14748E9" max="2.14748E9" units="cm"/>
+          <inkml:channel name="F" type="integer" max="32767" units="dev"/>
+        </inkml:traceFormat>
+        <inkml:channelProperties>
+          <inkml:channelProperty channel="X" name="resolution" value="1000" units="1/cm"/>
+          <inkml:channelProperty channel="Y" name="resolution" value="1000" units="1/cm"/>
+          <inkml:channelProperty channel="F" name="resolution" value="0" units="1/dev"/>
+        </inkml:channelProperties>
+      </inkml:inkSource>
+      <inkml:timestamp xml:id="ts0" timeString="2020-06-25T08:38:35.910"/>
+    </inkml:context>
+    <inkml:brush xml:id="br0">
+      <inkml:brushProperty name="width" value="0.08571" units="cm"/>
+      <inkml:brushProperty name="height" value="0.08571" units="cm"/>
+    </inkml:brush>
+  </inkml:definitions>
+  <inkml:trace contextRef="#ctx0" brushRef="#br0">1 1 4061,'16'59'43,"1"1"0,2 2 0,-3-9-3,-2-15-40,13 22 1454,-10-24-1449,7 10 6,4 1 1106,-4-12-1117,6 11-11,6-3-28,-11-8-6,11 7 50,-8-4 1,-9-11 1120,1 5-1070,-7-4-452,-4-8 407,3 9 6,4 4-17,-3-7-5,7 10-1,2-4 34,-6-8-22,4 4 38,-3-10 2559,-6-7-2564,40 46 1598,-16-12-1637,13 12 0,-20-19 0,-18-26-740,2 2 740,1 1 0,-4-3-5,22 20-1,-1 0 6,6 5 6,4 7-23,-23-27 11,7 9 6,-15-17 6,-3-4-12,-2-1 1510,-1-1-1510,-2-1 0,1-1 6,-2-1 0,2 1-11,-1 0 62,0-1-46,1 0 1,0 1 39,1 0 44,2 4-78,0-2 6,2 4-6,-4-5 29,2 4-35,-2-3-5,1 3 6,-1-3 11,0 2-6,0-1 0,0 0-11,-1-1 11,2 2-5,-2-1-1,5 3-5,-5-4 0,4 4 6,-4-3 0,2 1 5,-1-1-6,-1-2-5,1 2-5,-1-2 5,1 3 0,1-1 5,-2-1-5,2 0 6,-3-1-6,2 0-6,-1 1-10,0 0 10,0-2 0,2 2-50,-2-2-386,5 1-471,-1-1 913,5-2 0,-8 3 0,0-2 0</inkml:trace>
+</inkml:ink>
+</file>
+
+<file path=ppt/ink/ink22.xml><?xml version="1.0" encoding="utf-8"?>
+<inkml:ink xmlns:inkml="http://www.w3.org/2003/InkML">
+  <inkml:definitions>
+    <inkml:context xml:id="ctx0">
+      <inkml:inkSource xml:id="inkSrc0">
+        <inkml:traceFormat>
+          <inkml:channel name="X" type="integer" min="-2.14748E9" max="2.14748E9" units="cm"/>
+          <inkml:channel name="Y" type="integer" min="-2.14748E9" max="2.14748E9" units="cm"/>
+          <inkml:channel name="F" type="integer" max="32767" units="dev"/>
+        </inkml:traceFormat>
+        <inkml:channelProperties>
+          <inkml:channelProperty channel="X" name="resolution" value="1000" units="1/cm"/>
+          <inkml:channelProperty channel="Y" name="resolution" value="1000" units="1/cm"/>
+          <inkml:channelProperty channel="F" name="resolution" value="0" units="1/dev"/>
+        </inkml:channelProperties>
+      </inkml:inkSource>
+      <inkml:timestamp xml:id="ts0" timeString="2020-06-25T08:53:21.393"/>
+    </inkml:context>
+    <inkml:brush xml:id="br0">
+      <inkml:brushProperty name="width" value="0.08571" units="cm"/>
+      <inkml:brushProperty name="height" value="0.08571" units="cm"/>
+    </inkml:brush>
+  </inkml:definitions>
+  <inkml:trace contextRef="#ctx0" brushRef="#br0">3355 0 8427,'2'8'875,"0"-3"-579,2-5-206,-3 0 1584,3 0-1758,-4 1-207,-8 4 157,-18 12-3269,2-2 3403,-30 19-2213,22-14 2213,-25 17 6,24-18-57,-29 14 57,9-10-118,5-3 0,-1 1-73,-17 6 185,12-4 0,1-1 90,-1 2-20,6-4 0,-1-1-1436,-6 2 1372,-37 9 33,39-14 36,1-1 1,-1 0-121,-2 2 39,4 0 1,-1 1-40,-18 11 17,-14 8 28,22-9-45,0-3 73,9-8 40,-6 3-63,11-5-78,12 0-33,9-1 106,5-3 39,-17 8 35,9-4-180,-13 5-56,9-5 66,-21 12-721,16-8 980,-24 13-169,28-13-375,-18 8 1348,24-12-799,-23 12 1416,15-11-1634,1 2-17,-4 0 67,24-10-84,-16 8 843,17-8-759,-15 6-1798,9-4 1775,-22 10 68,14-9-1020,-9 8 987,-2-3 1175,8-2-1159,-23 8 826,-30 8-728,27-8 0,0 1 2193,-35 10-2285,3 4 22,71-29 3425,2-2-3587,11-4 89,5-2-56,-1 1 73,1 0 40,-7 2-7,3 0-33,-9 4-56,-3 6 56,2-2-56,-1 1 56,7-3 0,3-4-50,-3 4 50,5-4-84,-6 7-56,-18 19 179,5-5-73,-7 5 46,19-19-91,8-11 6,1 1 40,-6 3 106,-1 1-34,0 0-28,2-2 28,5-3-660,2-1-186,-1-7 807,11-12 0,-8 8 0,8-6 0</inkml:trace>
+</inkml:ink>
+</file>
+
+<file path=ppt/ink/ink23.xml><?xml version="1.0" encoding="utf-8"?>
+<inkml:ink xmlns:inkml="http://www.w3.org/2003/InkML">
+  <inkml:definitions>
+    <inkml:context xml:id="ctx0">
+      <inkml:inkSource xml:id="inkSrc0">
+        <inkml:traceFormat>
+          <inkml:channel name="X" type="integer" min="-2.14748E9" max="2.14748E9" units="cm"/>
+          <inkml:channel name="Y" type="integer" min="-2.14748E9" max="2.14748E9" units="cm"/>
+          <inkml:channel name="F" type="integer" max="32767" units="dev"/>
+        </inkml:traceFormat>
+        <inkml:channelProperties>
+          <inkml:channelProperty channel="X" name="resolution" value="1000" units="1/cm"/>
+          <inkml:channelProperty channel="Y" name="resolution" value="1000" units="1/cm"/>
+          <inkml:channelProperty channel="F" name="resolution" value="0" units="1/dev"/>
+        </inkml:channelProperties>
+      </inkml:inkSource>
+      <inkml:timestamp xml:id="ts0" timeString="2020-06-25T08:53:22.595"/>
+    </inkml:context>
+    <inkml:brush xml:id="br0">
+      <inkml:brushProperty name="width" value="0.08571" units="cm"/>
+      <inkml:brushProperty name="height" value="0.08571" units="cm"/>
+    </inkml:brush>
+  </inkml:definitions>
+  <inkml:trace contextRef="#ctx0" brushRef="#br0">5 15 4094,'-3'-8'-14,"1"2"1,2 6 0</inkml:trace>
+</inkml:ink>
+</file>
+
+<file path=ppt/ink/ink24.xml><?xml version="1.0" encoding="utf-8"?>
+<inkml:ink xmlns:inkml="http://www.w3.org/2003/InkML">
+  <inkml:definitions>
+    <inkml:context xml:id="ctx0">
+      <inkml:inkSource xml:id="inkSrc0">
+        <inkml:traceFormat>
+          <inkml:channel name="X" type="integer" min="-2.14748E9" max="2.14748E9" units="cm"/>
+          <inkml:channel name="Y" type="integer" min="-2.14748E9" max="2.14748E9" units="cm"/>
+          <inkml:channel name="F" type="integer" max="32767" units="dev"/>
+        </inkml:traceFormat>
+        <inkml:channelProperties>
+          <inkml:channelProperty channel="X" name="resolution" value="1000" units="1/cm"/>
+          <inkml:channelProperty channel="Y" name="resolution" value="1000" units="1/cm"/>
+          <inkml:channelProperty channel="F" name="resolution" value="0" units="1/dev"/>
+        </inkml:channelProperties>
+      </inkml:inkSource>
+      <inkml:timestamp xml:id="ts0" timeString="2020-06-25T08:53:23.544"/>
+    </inkml:context>
+    <inkml:brush xml:id="br0">
+      <inkml:brushProperty name="width" value="0.08571" units="cm"/>
+      <inkml:brushProperty name="height" value="0.08571" units="cm"/>
+    </inkml:brush>
+  </inkml:definitions>
+  <inkml:trace contextRef="#ctx0" brushRef="#br0">58 1 3398,'-14'57'-73,"0"0"1,-8 40-1021,19-59 1088,1-10 1471,2-4-1472,0-5-27,0 3-666,3 4 699,0 2 54,3 2-70,-2-1 1808,-2-2-1860,-1 27 1,-1 4-1725,0-13 1789,0 11 1,0-2-4,0-25 1742,-1 0-1736,1-5 1387,-1-3-1387,1-9-123,-1 2-22,-2 27-2113,0-18 2292,-1 17 2035,2-21-2114,0 6 62,1-10 22,-1 27-11,1-26-39,0 15 0,1-9 16,0-11-5,0 10-5,0-3 5,0-4 3257,0 3-3257,0-9-40,0 1 498,0 1-435,0 2-119,0-3 96,1-12 0,1-7 0</inkml:trace>
+</inkml:ink>
+</file>
+
+<file path=ppt/ink/ink25.xml><?xml version="1.0" encoding="utf-8"?>
+<inkml:ink xmlns:inkml="http://www.w3.org/2003/InkML">
+  <inkml:definitions>
+    <inkml:context xml:id="ctx0">
+      <inkml:inkSource xml:id="inkSrc0">
+        <inkml:traceFormat>
+          <inkml:channel name="X" type="integer" min="-2.14748E9" max="2.14748E9" units="cm"/>
+          <inkml:channel name="Y" type="integer" min="-2.14748E9" max="2.14748E9" units="cm"/>
+          <inkml:channel name="F" type="integer" max="32767" units="dev"/>
+        </inkml:traceFormat>
+        <inkml:channelProperties>
+          <inkml:channelProperty channel="X" name="resolution" value="1000" units="1/cm"/>
+          <inkml:channelProperty channel="Y" name="resolution" value="1000" units="1/cm"/>
+          <inkml:channelProperty channel="F" name="resolution" value="0" units="1/dev"/>
+        </inkml:channelProperties>
+      </inkml:inkSource>
+      <inkml:timestamp xml:id="ts0" timeString="2020-06-25T08:53:26.097"/>
+    </inkml:context>
+    <inkml:brush xml:id="br0">
+      <inkml:brushProperty name="width" value="0.08571" units="cm"/>
+      <inkml:brushProperty name="height" value="0.08571" units="cm"/>
+    </inkml:brush>
+  </inkml:definitions>
+  <inkml:trace contextRef="#ctx0" brushRef="#br0">9 8 6529,'-5'-4'868,"2"0"2061,3 4-2856,4 3 129,2 2-101,14 10-101,-4-1 0,8 8-17,6 5 17,-6-7 470,34 24-6024,-27-21 5761,33 22 1247,-8-1-1381,-9-7 382,-6-4 0,2 1 335,31 17-642,-16-18 1,2-1-149,27 10 1693,-22-19 0,3-3-1654,-17-3 1,-1-2-1736,2 0 0,0 1 1696,5 2 0,-5 0-2269,-1-3 2325,25 9-56,-36-13-5,9 3 5,-6-3 0,-10-3 2234,19 4-2200,13 2-34,-19-5-67,19 6-1987,-42-10 2054,11 5-923,3 0 923,-8-1-90,4 2 96,-10-4-6,10 8-51,18 6 1938,-7-2-1887,4 2 2508,-6-2-2564,17 9-33,-11-6 44,27 15-1250,-46-22 1290,26 14-74,-14-2 79,20 11-2268,-15-9 2189,10 4-1437,-34-20 1510,9 6 1231,-16-8-1242,9 7-16,-6-7 44,-2 1 34,-1-3 2098,-11-5-2182,3 1 3250,-4-3-3144,9 7-78,-3-4 11,9 7-79,-6-5 85,8 6 558,-7-6-671,6 3-22,2-1 129,-2-3-39,14 5 39,-12-4 6,20 7-45,-7-1 44,17 3-3363,-10-3 3358,-8-5 0,-10-2-1538,-11-2 1582,0 0-44,-2 0 118,9 4-33,-9-4-35,21 10-100,-19-9 50,16 8 28,-11-5-28,1 0 2630,0 0-2625,28 8-5,-27-8 6,28 8 2238,-29-7-2216,-4-4-28,5 4-57,-10-5 57,-2-1 63,-3 0-47,-3-3-167,-1 1-269,2 1-428,11 7 0,-8-5 0,9 4 0</inkml:trace>
+</inkml:ink>
+</file>
+
+<file path=ppt/ink/ink3.xml><?xml version="1.0" encoding="utf-8"?>
+<inkml:ink xmlns:inkml="http://www.w3.org/2003/InkML">
+  <inkml:definitions>
+    <inkml:context xml:id="ctx0">
+      <inkml:inkSource xml:id="inkSrc0">
+        <inkml:traceFormat>
+          <inkml:channel name="X" type="integer" min="-2.14748E9" max="2.14748E9" units="cm"/>
+          <inkml:channel name="Y" type="integer" min="-2.14748E9" max="2.14748E9" units="cm"/>
+          <inkml:channel name="F" type="integer" max="32767" units="dev"/>
+        </inkml:traceFormat>
+        <inkml:channelProperties>
+          <inkml:channelProperty channel="X" name="resolution" value="1000" units="1/cm"/>
+          <inkml:channelProperty channel="Y" name="resolution" value="1000" units="1/cm"/>
+          <inkml:channelProperty channel="F" name="resolution" value="0" units="1/dev"/>
+        </inkml:channelProperties>
+      </inkml:inkSource>
+      <inkml:timestamp xml:id="ts0" timeString="2020-06-25T08:38:51.462"/>
+    </inkml:context>
+    <inkml:brush xml:id="br0">
+      <inkml:brushProperty name="width" value="0.08571" units="cm"/>
+      <inkml:brushProperty name="height" value="0.08571" units="cm"/>
+    </inkml:brush>
+  </inkml:definitions>
+  <inkml:trace contextRef="#ctx0" brushRef="#br0">308 11 6299,'-5'-5'2330,"2"1"-2089,3 3 2895,0 1-3119,-3 2-17,1 1-89,-4 12 38,4-4 57,-5 19-6,3-7 11,-7 25-50,-5 17 33,2 0-3386,0-1 3381,7-16-51,5-24-1771,-2 8 1693,-3 2-224,-8 16 246,-4 13 96,-4 21 16,4-12-5,8-16-12,1-10 18,8-27 718,-2 4-875,2-1 162,1-5 90,0 16-90,1-11 22,0 14 51,-5 8-68,2-15-44,-1 10 39,4-28 51,0 14-46,0-4 1,0 4-1,0-4 40,0 0-45,0-6 0,0 7 2952,0-1-2980,-1 2 28,-1 0-84,-2 0 84,2-13 0,-1 4 1532,2-10-1526,0 1-6,1-1 11,-3 4-112,-5 20 107,3-12 0,-6 21-6,9-26 5,-3 9-10,0-4 5,0 2 11,0 2-11,2-8-6,1-1 1,2-7-40,-1 3 56,0 6-11,0-2 6,-2 15-1,1-14-5,0 10 6,0-14-17,1-1-208,0-3 219,1-2 0,0 0 23,0 3 21,0-2-44,0 0 224,0-3-632,0 1 16,0-6-2118,2-15 1679,2-1 1,-2 0 0,1 10 0</inkml:trace>
+</inkml:ink>
+</file>
+
+<file path=ppt/ink/ink4.xml><?xml version="1.0" encoding="utf-8"?>
+<inkml:ink xmlns:inkml="http://www.w3.org/2003/InkML">
+  <inkml:definitions>
+    <inkml:context xml:id="ctx0">
+      <inkml:inkSource xml:id="inkSrc0">
+        <inkml:traceFormat>
+          <inkml:channel name="X" type="integer" min="-2.14748E9" max="2.14748E9" units="cm"/>
+          <inkml:channel name="Y" type="integer" min="-2.14748E9" max="2.14748E9" units="cm"/>
+          <inkml:channel name="F" type="integer" max="32767" units="dev"/>
+        </inkml:traceFormat>
+        <inkml:channelProperties>
+          <inkml:channelProperty channel="X" name="resolution" value="1000" units="1/cm"/>
+          <inkml:channelProperty channel="Y" name="resolution" value="1000" units="1/cm"/>
+          <inkml:channelProperty channel="F" name="resolution" value="0" units="1/dev"/>
+        </inkml:channelProperties>
+      </inkml:inkSource>
+      <inkml:timestamp xml:id="ts0" timeString="2020-06-25T08:38:54.734"/>
+    </inkml:context>
+    <inkml:brush xml:id="br0">
+      <inkml:brushProperty name="width" value="0.08571" units="cm"/>
+      <inkml:brushProperty name="height" value="0.08571" units="cm"/>
+    </inkml:brush>
+  </inkml:definitions>
+  <inkml:trace contextRef="#ctx0" brushRef="#br0">1314 1 11637,'-1'15'56,"0"-3"-51,-5 5 46,-1 0-5650,-3 2 5605,1 0 1402,-1 0-1408,2-2 866,-1 0-872,-1 5 12,-2-1-1,-7 16-2262,-20 27 2268,2-6 51,-5 8-73,6-12 11,14-22 50,-13 27-22,2 0-93,6-12 1,-1 2 64,-17 28 2280,0 0-2095,10-21-79,20-34-16,-7 15-90,16-27-6,-1 1 3392,1 1-3391,-4 0-1,0 6 6,-12 13 0,5-3 62,-13 19 39,13-22-28,-2 4-34,7-10-44,5-8-1,-1 4 0,4-6 1,-2 2-1,-1 3 6,-1 3 0,-3 3 51,-5 9-40,3-9 224,-6 11-229,9-19-6,0 1 0,5-9-73,-1 4-162,-7 9 235,5-4 0,-4 7 5,9-14 102,1 0-107,0-2 5,1-1-16,-14 17 17,4-3 38,-9 14-44,9-15 0,1-3-72,3-2 66,-2 0-33,0 4-84,-29 36 167,12-16-44,-12 15 0,21-31 0,12-13 6,-16 20-6,12-15 0,-14 17 0,18-23-6,-2 2 6,1-1 0,-6 10 6,-2-1-40,3 0 40,-1-3-6,9-8-17,-2 2 17,2-3-45,-3 4 12,1-1-18,-1 1 6,1 1 34,-2-2-90,-6 11 45,6-8 17,-4 4 33,8-9 23,2-3-17,0 1 6,-1 0-1,2 0 6,-1-1 1,0 0-12,0 0 0,-2 1 5,2-1-5,-1 1 6,2-1 55,-1 0-217,1 1 32,0-1-948,0 1 1,0-1-1</inkml:trace>
+</inkml:ink>
+</file>
+
+<file path=ppt/ink/ink5.xml><?xml version="1.0" encoding="utf-8"?>
+<inkml:ink xmlns:inkml="http://www.w3.org/2003/InkML">
+  <inkml:definitions>
+    <inkml:context xml:id="ctx0">
+      <inkml:inkSource xml:id="inkSrc0">
+        <inkml:traceFormat>
+          <inkml:channel name="X" type="integer" min="-2.14748E9" max="2.14748E9" units="cm"/>
+          <inkml:channel name="Y" type="integer" min="-2.14748E9" max="2.14748E9" units="cm"/>
+          <inkml:channel name="F" type="integer" max="32767" units="dev"/>
+        </inkml:traceFormat>
+        <inkml:channelProperties>
+          <inkml:channelProperty channel="X" name="resolution" value="1000" units="1/cm"/>
+          <inkml:channelProperty channel="Y" name="resolution" value="1000" units="1/cm"/>
+          <inkml:channelProperty channel="F" name="resolution" value="0" units="1/dev"/>
+        </inkml:channelProperties>
+      </inkml:inkSource>
+      <inkml:timestamp xml:id="ts0" timeString="2020-06-25T08:38:59.335"/>
+    </inkml:context>
+    <inkml:brush xml:id="br0">
+      <inkml:brushProperty name="width" value="0.08571" units="cm"/>
+      <inkml:brushProperty name="height" value="0.08571" units="cm"/>
+    </inkml:brush>
+  </inkml:definitions>
+  <inkml:trace contextRef="#ctx0" brushRef="#br0">809 1 7106,'8'7'851,"-1"-2"-610,-7-5-45,0 0 650,4 1-180,-2 0-475,2-1 1534,-4 0-1703,0 2-5,-3 4-12,-1 5-5,-2 2 0,-2 3 0,1-1-5,-2 3 5,-1 6-39,0 4-1,-1 4 74,-5 19-1727,5 4 0,-1 3 1709,-5 21-1150,6-24 0,3-4 1134,3-12-1130,-1 0 1119,-1 7 11,-2-2-6,-3 11 1782,3-25-1686,-1 5 2069,5-16-2103,-5 9-45,3-8 6,-10 33 11,7-26-180,-18 49 2619,-3-9-2411,-10 14-50,4-15-6,6-17-3116,8-12 3279,-1 3 5,-8 17-2010,8-14 1842,-4 10-6,9-19 14,-8 10 1,0 0 64,7-10 5,-26 37-72,43-67 2229,1-2-2235,2-1 3526,-5 5-3526,2-3-22,-6 7-85,0 8 107,-1 2-5,-7 15 5,9-19 11,-1 1-11,8-16-6,-2 4-5,1-2-39,-1 3 44,1-3 0,0-1-22,1 0 28,-3 5 0,2-3-123,-3 6 118,4-5-63,-3 4 74,2-3 0,-3 5-6,2-4 0,-1 4 5,2-6-10,-3 7 5,2-6 5,-5 13 6,5-12-61,-2 4-40,4-10-1198,1-1 1288,10-17 0,-8 13 0,8-13 0</inkml:trace>
+</inkml:ink>
+</file>
+
+<file path=ppt/ink/ink6.xml><?xml version="1.0" encoding="utf-8"?>
+<inkml:ink xmlns:inkml="http://www.w3.org/2003/InkML">
+  <inkml:definitions>
+    <inkml:context xml:id="ctx0">
+      <inkml:inkSource xml:id="inkSrc0">
+        <inkml:traceFormat>
+          <inkml:channel name="X" type="integer" min="-2.14748E9" max="2.14748E9" units="cm"/>
+          <inkml:channel name="Y" type="integer" min="-2.14748E9" max="2.14748E9" units="cm"/>
+          <inkml:channel name="F" type="integer" max="32767" units="dev"/>
+        </inkml:traceFormat>
+        <inkml:channelProperties>
+          <inkml:channelProperty channel="X" name="resolution" value="1000" units="1/cm"/>
+          <inkml:channelProperty channel="Y" name="resolution" value="1000" units="1/cm"/>
+          <inkml:channelProperty channel="F" name="resolution" value="0" units="1/dev"/>
+        </inkml:channelProperties>
+      </inkml:inkSource>
+      <inkml:timestamp xml:id="ts0" timeString="2020-06-25T08:39:02.809"/>
+    </inkml:context>
+    <inkml:brush xml:id="br0">
+      <inkml:brushProperty name="width" value="0.08571" units="cm"/>
+      <inkml:brushProperty name="height" value="0.08571" units="cm"/>
+    </inkml:brush>
+  </inkml:definitions>
+  <inkml:trace contextRef="#ctx0" brushRef="#br0">0 2351 5550,'9'8'-560,"-2"0"2453,-7-9 2365,0 0-3668,0-3-635,0 2 228,1-5-183,2 2 984,14-18-984,-3 5 16,21-26-3396,-7 9 3430,9-9-2318,-9 13 2284,6-5-1527,-15 15 1522,16-20-1008,1-11 997,-5 8 0,4-6 16,-4 12-10,5-4 0,3-3 5,14-12 0,-7 8 499,-11 12 0,0 1-504,11-11 1511,15-13-1478,-35 35 441,18-18-469,-19 18 2518,30-32-2529,-26 28 0,29-30 0,-28 32-6,30-32 12,-28 28 2673,29-25-2679,-32 29 0,20-18-5,-8 5 10,12-8-3391,-11 8 3386,7-5 6,1-2-6,-10 11 5,14-14-10,-27 26 5,1 1 5,-10 9-5,-13 10 39,0 1 12,-4 3-57,0 0 3387,2-4-3387,8-8 6,13-15 0,-3 6-5,4-7 5,-12 16 0,-1-1 17,32-39-17,-27 30-6,29-32 6,-36 42 6,6-6-6,-2 1 5,0 1-10,6-8 5,-8 11 5,7-11-5,-9 11-5,11-12 10,-10 13-10,7-9 5,-10 14 0,5-7-6,0 2 6,5-4-6,4-3 6,-3 2 6,-3 4-6,-5 3 0,-7 7 11,1 0 6,-4 2-28,0-1 0,2 0 11,-1 0 5,5-1-5,-5 1 0,2 0 0,-4 2-11,1-1 11,2 0 0,1-2 0,3 2 0,-2-2 0,1 1 0,-2 0 6,1 0-6,-2 0 0,-1 1 0,1 0-6,0 0 6,5-2 0,3-1-3392,9-4 3386,-7 1 6,3-1 0,-10 5-22,0 1 22,-3 0 6,2 2-34,-4-1 5,1 1 3415,-1 0-3392,3-1 0,-1 0 6,2-1 11,-2 1 16,-2 0-55,1 0 27,1-1 7,3 1-1,-1-1-616,0 1-2156,-5 1 2761,-6 0 0,4 0 0,-4 0 0</inkml:trace>
+</inkml:ink>
+</file>
+
+<file path=ppt/ink/ink7.xml><?xml version="1.0" encoding="utf-8"?>
+<inkml:ink xmlns:inkml="http://www.w3.org/2003/InkML">
+  <inkml:definitions>
+    <inkml:context xml:id="ctx0">
+      <inkml:inkSource xml:id="inkSrc0">
+        <inkml:traceFormat>
+          <inkml:channel name="X" type="integer" min="-2.14748E9" max="2.14748E9" units="cm"/>
+          <inkml:channel name="Y" type="integer" min="-2.14748E9" max="2.14748E9" units="cm"/>
+          <inkml:channel name="F" type="integer" max="32767" units="dev"/>
+        </inkml:traceFormat>
+        <inkml:channelProperties>
+          <inkml:channelProperty channel="X" name="resolution" value="1000" units="1/cm"/>
+          <inkml:channelProperty channel="Y" name="resolution" value="1000" units="1/cm"/>
+          <inkml:channelProperty channel="F" name="resolution" value="0" units="1/dev"/>
+        </inkml:channelProperties>
+      </inkml:inkSource>
+      <inkml:timestamp xml:id="ts0" timeString="2020-06-25T08:39:30.708"/>
+    </inkml:context>
+    <inkml:brush xml:id="br0">
+      <inkml:brushProperty name="width" value="0.08571" units="cm"/>
+      <inkml:brushProperty name="height" value="0.08571" units="cm"/>
+    </inkml:brush>
+  </inkml:definitions>
+  <inkml:trace contextRef="#ctx0" brushRef="#br0">167 0 6411,'12'4'1042,"-2"-1"-701,-10-3 2869,0 0-3210,0 3 0,0 2 0,0 8-34,-1 0 74,-3 14-1,0-7-3420,-2 10 3431,-1 6-33,-1 11-28,2-10-28,1-1 0,4-21 33,1-3 0,-3 7 6,2-6 0,-2 4 6,-1-1-6,1-4 17,-1 4-17,3-4 3392,0-3-3387,0 5 7,0-1 27,-1 0-39,1-1-6,-1-3 1,1-1 5,-1 1-12,-1 6 12,3-4 17,-3 6-17,2-5 6,-1 0-1395,1-2 1394,0-2-5,0 1 12,-1-1-12,0 5-456,0-4 462,2 0-6,0-4-6,0 0 1324,-1 0-1313,1 0-5,-1-1 39,1 3-55,-2 10-1030,2-5 1051,-4 16-666,2-12 661,-2 9-11,3-13 22,-1 2-22,0 10 11,1-12 16,-4 43-10,3-27-17,-2 17 11,3-20 11,-1 0 1428,0-6-1439,1 3-11,0-8 50,0 4 756,1-4-795,-1 2-11,-3 10 6,1-10 16,-4 30-17,4-31 6,0 11-11,2-22 11,0 5 0,0-1 0,-2 9 0,2-8 28,-1 1-39,1-3 11,1 3 0,-1 4 0,-1 3 0,-1-6 0,1-1 0,1-8 5,0 7 1,-1 5-12,1-5 1,-2 9 5,2-15 0,-1 2 5,0 3-10,2 5 5,-1 2-6,0-2-5,1-6-6,-1 0 12,1 2 5,0-3 22,0 17 17,-1 0-56,0 11 12,0-5 5,0-12 5,1-10-10,0-5 5,0 0 0,0-1 0,0 4 5,0 0 1,0 1 0,0 0-6,0-4 0,0 2 0,0 4 0,0-4 0,0 3 0,0-6 5,0 1-16,0-1 28,0 0 22,0 1-621,0-9 582,0-13 0,0 7 0,0-6 0</inkml:trace>
+</inkml:ink>
+</file>
+
+<file path=ppt/ink/ink8.xml><?xml version="1.0" encoding="utf-8"?>
+<inkml:ink xmlns:inkml="http://www.w3.org/2003/InkML">
+  <inkml:definitions>
+    <inkml:context xml:id="ctx0">
+      <inkml:inkSource xml:id="inkSrc0">
+        <inkml:traceFormat>
+          <inkml:channel name="X" type="integer" min="-2.14748E9" max="2.14748E9" units="cm"/>
+          <inkml:channel name="Y" type="integer" min="-2.14748E9" max="2.14748E9" units="cm"/>
+          <inkml:channel name="F" type="integer" max="32767" units="dev"/>
+        </inkml:traceFormat>
+        <inkml:channelProperties>
+          <inkml:channelProperty channel="X" name="resolution" value="1000" units="1/cm"/>
+          <inkml:channelProperty channel="Y" name="resolution" value="1000" units="1/cm"/>
+          <inkml:channelProperty channel="F" name="resolution" value="0" units="1/dev"/>
+        </inkml:channelProperties>
+      </inkml:inkSource>
+      <inkml:timestamp xml:id="ts0" timeString="2020-06-25T08:39:44.732"/>
+    </inkml:context>
+    <inkml:brush xml:id="br0">
+      <inkml:brushProperty name="width" value="0.08571" units="cm"/>
+      <inkml:brushProperty name="height" value="0.08571" units="cm"/>
+    </inkml:brush>
+  </inkml:definitions>
+  <inkml:trace contextRef="#ctx0" brushRef="#br0">512 0 6423,'9'7'168,"-1"-2"-163,-8-5 4521,0 0-4403,-11 0 6,-54 33-3555,19-10 3420,-27 17 6,44-14 0,19-16 0,-3 4 6,-4 2-1793,5-5 1792,-7 6 1,10-8 0,-1 3 10,-7 6 2497,5-6-2513,-5 5 0,-10 9 0,14-14-6,-16 19-719,17-15 725,2-1-769,0 1 769,4-5-6,3-3 6,-5 6 0,4-5 0,-4 5-16,0 12-1,2 41 11,-2-9 3037,6 13-3037,-2-14 1170,4-5-1158,-2 5-6,2-9 5,0-7-10,0-13-1,-1 5 6,0-9-2338,0 0 2338,0-9 0,1 5-11,-1 49 5,-1-25-25,2 17 1,-1 1-2661,0-8 2646,1 0 1,0-1 1602,0-10-1592,0 24 29,0-23 5,0 9 0,0-8-2274,1 13 2268,0-30 297,1 9-297,-1 2-1609,-1-8 1615,0 25-45,0 10-5,0-18 1642,0 12-1754,0-27 128,0-4-318,0 20 352,0-19 379,0 9-385,0-3 1,0-13-46,0 6 1,1-4 61,2 12-11,0-5-45,-1 22-1597,0-16 1647,-2 8 1,1-15 0,0-6 1642,2-7-1643,3 12-10,-1-11-96,2 9 101,-5-17 0,3 6-39,-2-8 44,0 12 40,-1-10-39,0 10-6,0-12 0,2 10 1923,4 14-1912,-2-10-11,3 19 0,-8-28 6,3 10 3414,1 12-3415,-1-9-5,4 23 0,-4-29 12,1 10 38,-3-19 6,2 6-50,0-4-6,3 13 0,-1-7 5,0 15 1,-3-23-6,1 9 45,-1-12-12,4 9 6,-1-4-39,2 4 34,-2-3-34,-1-3 28,2 1-17,1 1-5,5 4-6,-3-3 11,3 3-11,-8-12 6,8 6-1,-6-5-5,7 4 0,-7-4-11,4 0 11,-4-2 6,10 4 10,1 2-16,1-2 0,1 3 0,-10-7 40,8 6-35,-10-5-5,10 5 0,-11-6 6,5 3-1,-5-5 23,10 6 23,-2 4-46,2-2 40,-1 4-39,-8-8 11,5 4-17,-5-5 5,3 2 6,-4-2-11,0-3 0,2 3 6,-3-2 39,8 5-40,-7-4-5,8 3 6,-8-5-6,5 0 11,5 2-11,-3-2 0,4 2 0,-5-3 0,-5 1 0,4-2 0,-6 0-11,7 0 5,-5-1-5,8 1-6,1-1 6,-3 0 0,6-2 11,-12 0-6,6-4 1,-8 2-34,8-5-23,-5 3 62,11-9-95,-4 1 106,0 1 6,2-3 16,-11 9 23,7-3-50,-8 6 0,5-6-6,-3 2 0,5-5 5,-2 2 18,3-2-18,-5 3-66,3-1 21,1-4 46,-3 2 50,9-9-45,-8 10-5,1 1 39,-5 5-34,-1 2-6,1-1 1,-2 1-12,4-1 6,-3 3 0,2-1 51,2-1-46,-1-1 1,0-1 0,0 0-12,-5 4-39,3-3 40,-3 1-1,4-5-33,-2 2 39,4-4-51,4-6 18,3-2 72,1-4-3425,-2 3 3352,-5 6-857,-2-1 897,0 0-1940,1-7 1934,0 3 5,0 0 29,0 0-34,-3 5 1990,2-5-2046,2-5 56,-3 7 0,3-10 840,-4 9-828,1-12-1,0-4-6,-1 2 1,-1 5 0,-1 2-12,-4 11 12,2-17-6,-2 3 0,-1-4 0,3-16-12,-1 7 18,3-12 5,-3 16 0,1 4 3381,-1 0-3380,-1-7-12,-1 4 11,0-4-6,0 25 18,0-9-23,0 12 0,0-12 5,0 8-5,0-16 0,0 10 12,0-9-7,0 9 46,0 0-7,0 1-44,0 5 0,0-5 6,0 7 11,0-11 16,0 8-33,0-5 12,0 4-7,0-2 96,0-20-28,0 13-28,1-14-45,0 13 0,0 6-2479,-1-5 2484,0 6 29,0 0-34,0-3-6,0 0 12,0-13-6,0 8-6,-3-22 12,-2 10-6,0 2 50,0 0-50,4 21-5,-1-5 1222,2-26 0,0-4-1212,-1 15-1695,1-17 0,0 4 1706,0 35-749,0-2 733,0-23 0,0 4 11,0-20-11,0 22 0,0 1-172,0 19 183,0-9 0,0 1-11,0-2 11,0-16-5,0 6 2943,0 0-2944,1-1 1074,0 19-1074,1-3 305,-2 3-310,0 3 0,1-6 0,0 5 0,1-1-1331,-1-3 1398,0 5-460,0-1 477,-1-3-78,0-2-1,0-2-5,0 3 17,0-5-17,0 11 39,0-7 1298,0 11-1320,0-1 0,0-3-6,-3-1 500,-1-1-506,-3 0 1,-1 0 5,-3-2-11,-2-3 50,-8-8-5,1 0-56,-5 1 11,8 9 11,3 6 0,4 5-5,-1 0-6,4 1 0,-6-2 39,1-4-44,-3 2-18,-14-8 360,-23-2-24,-17-7-318,18 10-85,7 1 90,38 14 0,-5-1 6,-10-2-2982,6 2 2970,-12-2 6,11 2 0,-17-5-851,16 6 851,-14-5-295,21 6 300,-5-1 40,2 0 0,-5 0-73,8 0 2638,-9-1-2610,12 0 11,-4 2 11,4-2-55,2 3 1093,0-2-1004,-1 0 486,-3-1-542,-1 0-73,0 1 73,3 1 0,3 0 0,3 1-123,1-1-1026,0-2 1149,0-2 0,0 1 0,0 0 0</inkml:trace>
+</inkml:ink>
+</file>
+
+<file path=ppt/ink/ink9.xml><?xml version="1.0" encoding="utf-8"?>
+<inkml:ink xmlns:inkml="http://www.w3.org/2003/InkML">
+  <inkml:definitions>
+    <inkml:context xml:id="ctx0">
+      <inkml:inkSource xml:id="inkSrc0">
+        <inkml:traceFormat>
+          <inkml:channel name="X" type="integer" min="-2.14748E9" max="2.14748E9" units="cm"/>
+          <inkml:channel name="Y" type="integer" min="-2.14748E9" max="2.14748E9" units="cm"/>
+          <inkml:channel name="F" type="integer" max="32767" units="dev"/>
+        </inkml:traceFormat>
+        <inkml:channelProperties>
+          <inkml:channelProperty channel="X" name="resolution" value="1000" units="1/cm"/>
+          <inkml:channelProperty channel="Y" name="resolution" value="1000" units="1/cm"/>
+          <inkml:channelProperty channel="F" name="resolution" value="0" units="1/dev"/>
+        </inkml:channelProperties>
+      </inkml:inkSource>
+      <inkml:timestamp xml:id="ts0" timeString="2020-06-25T08:39:47.383"/>
+    </inkml:context>
+    <inkml:brush xml:id="br0">
+      <inkml:brushProperty name="width" value="0.08571" units="cm"/>
+      <inkml:brushProperty name="height" value="0.08571" units="cm"/>
+    </inkml:brush>
+  </inkml:definitions>
+  <inkml:trace contextRef="#ctx0" brushRef="#br0">16 1 6933,'7'5'549,"-2"-1"143,-5-4 1291,0 0-1742,0 6-202,0 3 73,-1 22-106,1-4 16,-1 42-3150,1-31 3168,0 32 229,5-19-286,1 5-17,4 10 40,-3-22-1,1 14 1,0 1 3425,-1 8-3420,-1 9-22,-3-10 22,-2-8-5,0-15 11,-1 2-12,0-27-5,0 6 0,-1-19-5,1-1-12,-1 9-22,0-4 33,-1 11 17,-1 4-83,-1-3 32,1 2 40,2-13 0,0-2 17,0-3-6,-1 5 1,0 0-12,0-2 0,0 1 5,1-6 6,-1 2 1,1-2-7,0 0 1,-1 2-1,0 8 1,1-2-6,-2 7 11,1-4-5,-2 1-6,1-2 5,0-1 1,2-7 5,-1 5-11,2-3-11,-2 4 5,0 9 6,-2-3 6,-1 17 22,-1-7-11,3-6-12,0-7 1,3-14 22,0 0-28,-1 3 17,-1 4 0,0 1 16,-1-1-33,3-3 6,0-3-986,0-1-3277,0 3 4257,0 1 0,0-1 0,0 0 0</inkml:trace>
+</inkml:ink>
 </file>
 
 <file path=ppt/notesMasters/notesMaster1.xml><?xml version="1.0" encoding="utf-8"?>
@@ -15140,7 +15816,7 @@
         </p:nvSpPr>
         <p:spPr>
           <a:xfrm>
-            <a:off x="160175" y="819179"/>
+            <a:off x="2152604" y="-9625"/>
             <a:ext cx="7680600" cy="2967000"/>
           </a:xfrm>
           <a:prstGeom prst="rect">
@@ -15187,20 +15863,22 @@
       <p:pic>
         <p:nvPicPr>
           <p:cNvPr id="298" name="Google Shape;298;p48"/>
-          <p:cNvPicPr preferRelativeResize="0"/>
+          <p:cNvPicPr preferRelativeResize="0">
+            <a:picLocks noChangeAspect="1"/>
+          </p:cNvPicPr>
           <p:nvPr/>
         </p:nvPicPr>
         <p:blipFill rotWithShape="1">
           <a:blip r:embed="rId4">
             <a:alphaModFix/>
           </a:blip>
-          <a:srcRect/>
+          <a:srcRect l="2329" t="5552"/>
           <a:stretch/>
         </p:blipFill>
         <p:spPr>
           <a:xfrm>
-            <a:off x="1785950" y="1682800"/>
-            <a:ext cx="7305300" cy="3122325"/>
+            <a:off x="0" y="1238205"/>
+            <a:ext cx="9156368" cy="3545551"/>
           </a:xfrm>
           <a:prstGeom prst="rect">
             <a:avLst/>
@@ -15220,6 +15898,4483 @@
 </file>
 
 <file path=ppt/slides/slide11.xml><?xml version="1.0" encoding="utf-8"?>
+<p:sld xmlns:a="http://schemas.openxmlformats.org/drawingml/2006/main" xmlns:r="http://schemas.openxmlformats.org/officeDocument/2006/relationships" xmlns:p="http://schemas.openxmlformats.org/presentationml/2006/main">
+  <p:cSld>
+    <p:spTree>
+      <p:nvGrpSpPr>
+        <p:cNvPr id="1" name=""/>
+        <p:cNvGrpSpPr/>
+        <p:nvPr/>
+      </p:nvGrpSpPr>
+      <p:grpSpPr>
+        <a:xfrm>
+          <a:off x="0" y="0"/>
+          <a:ext cx="0" cy="0"/>
+          <a:chOff x="0" y="0"/>
+          <a:chExt cx="0" cy="0"/>
+        </a:xfrm>
+      </p:grpSpPr>
+      <p:sp>
+        <p:nvSpPr>
+          <p:cNvPr id="16" name="Rechte verbindingslijn 15">
+            <a:extLst>
+              <a:ext uri="{FF2B5EF4-FFF2-40B4-BE49-F238E27FC236}">
+                <a16:creationId xmlns:a16="http://schemas.microsoft.com/office/drawing/2014/main" id="{2947B580-2557-4263-98AC-4CC5C83FC9F4}"/>
+              </a:ext>
+            </a:extLst>
+          </p:cNvPr>
+          <p:cNvSpPr/>
+          <p:nvPr/>
+        </p:nvSpPr>
+        <p:spPr>
+          <a:xfrm rot="5400000" flipV="1">
+            <a:off x="-1332387" y="2212722"/>
+            <a:ext cx="5170032" cy="246"/>
+          </a:xfrm>
+          <a:prstGeom prst="line">
+            <a:avLst/>
+          </a:prstGeom>
+          <a:solidFill>
+            <a:srgbClr val="000000">
+              <a:alpha val="5000"/>
+            </a:srgbClr>
+          </a:solidFill>
+          <a:ln w="30856">
+            <a:solidFill>
+              <a:srgbClr val="000000"/>
+            </a:solidFill>
+          </a:ln>
+        </p:spPr>
+        <p:style>
+          <a:lnRef idx="1">
+            <a:schemeClr val="accent1"/>
+          </a:lnRef>
+          <a:fillRef idx="0">
+            <a:schemeClr val="accent1"/>
+          </a:fillRef>
+          <a:effectRef idx="0">
+            <a:schemeClr val="accent1"/>
+          </a:effectRef>
+          <a:fontRef idx="minor">
+            <a:schemeClr val="tx1"/>
+          </a:fontRef>
+        </p:style>
+        <p:txBody>
+          <a:bodyPr wrap="none" rtlCol="0" anchor="ctr" anchorCtr="1"/>
+          <a:lstStyle/>
+          <a:p>
+            <a:endParaRPr lang="de-DE">
+              <a:solidFill>
+                <a:srgbClr val="000000"/>
+              </a:solidFill>
+            </a:endParaRPr>
+          </a:p>
+        </p:txBody>
+      </p:sp>
+      <p:sp>
+        <p:nvSpPr>
+          <p:cNvPr id="8" name="Rechte verbindingslijn 7">
+            <a:extLst>
+              <a:ext uri="{FF2B5EF4-FFF2-40B4-BE49-F238E27FC236}">
+                <a16:creationId xmlns:a16="http://schemas.microsoft.com/office/drawing/2014/main" id="{E473BE00-60B3-43A6-B14C-30D0FB15E86F}"/>
+              </a:ext>
+            </a:extLst>
+          </p:cNvPr>
+          <p:cNvSpPr/>
+          <p:nvPr/>
+        </p:nvSpPr>
+        <p:spPr>
+          <a:xfrm>
+            <a:off x="155226" y="1352952"/>
+            <a:ext cx="1097280" cy="0"/>
+          </a:xfrm>
+          <a:prstGeom prst="line">
+            <a:avLst/>
+          </a:prstGeom>
+          <a:solidFill>
+            <a:srgbClr val="000000">
+              <a:alpha val="5000"/>
+            </a:srgbClr>
+          </a:solidFill>
+          <a:ln w="36000">
+            <a:solidFill>
+              <a:srgbClr val="000000"/>
+            </a:solidFill>
+          </a:ln>
+        </p:spPr>
+        <p:style>
+          <a:lnRef idx="1">
+            <a:schemeClr val="accent1"/>
+          </a:lnRef>
+          <a:fillRef idx="0">
+            <a:schemeClr val="accent1"/>
+          </a:fillRef>
+          <a:effectRef idx="0">
+            <a:schemeClr val="accent1"/>
+          </a:effectRef>
+          <a:fontRef idx="minor">
+            <a:schemeClr val="tx1"/>
+          </a:fontRef>
+        </p:style>
+        <p:txBody>
+          <a:bodyPr wrap="none" rtlCol="0" anchor="ctr" anchorCtr="1"/>
+          <a:lstStyle/>
+          <a:p>
+            <a:endParaRPr lang="de-DE">
+              <a:solidFill>
+                <a:srgbClr val="000000"/>
+              </a:solidFill>
+            </a:endParaRPr>
+          </a:p>
+        </p:txBody>
+      </p:sp>
+      <p:sp>
+        <p:nvSpPr>
+          <p:cNvPr id="18" name="Rechte verbindingslijn 17">
+            <a:extLst>
+              <a:ext uri="{FF2B5EF4-FFF2-40B4-BE49-F238E27FC236}">
+                <a16:creationId xmlns:a16="http://schemas.microsoft.com/office/drawing/2014/main" id="{11198B7E-8E46-8942-B2AE-894BF1A7F5A7}"/>
+              </a:ext>
+            </a:extLst>
+          </p:cNvPr>
+          <p:cNvSpPr/>
+          <p:nvPr/>
+        </p:nvSpPr>
+        <p:spPr>
+          <a:xfrm>
+            <a:off x="155226" y="2315718"/>
+            <a:ext cx="1097280" cy="0"/>
+          </a:xfrm>
+          <a:prstGeom prst="line">
+            <a:avLst/>
+          </a:prstGeom>
+          <a:solidFill>
+            <a:srgbClr val="000000">
+              <a:alpha val="5000"/>
+            </a:srgbClr>
+          </a:solidFill>
+          <a:ln w="36000">
+            <a:solidFill>
+              <a:srgbClr val="000000"/>
+            </a:solidFill>
+          </a:ln>
+        </p:spPr>
+        <p:style>
+          <a:lnRef idx="1">
+            <a:schemeClr val="accent1"/>
+          </a:lnRef>
+          <a:fillRef idx="0">
+            <a:schemeClr val="accent1"/>
+          </a:fillRef>
+          <a:effectRef idx="0">
+            <a:schemeClr val="accent1"/>
+          </a:effectRef>
+          <a:fontRef idx="minor">
+            <a:schemeClr val="tx1"/>
+          </a:fontRef>
+        </p:style>
+        <p:txBody>
+          <a:bodyPr wrap="none" rtlCol="0" anchor="ctr" anchorCtr="1"/>
+          <a:lstStyle/>
+          <a:p>
+            <a:endParaRPr lang="de-DE">
+              <a:solidFill>
+                <a:srgbClr val="000000"/>
+              </a:solidFill>
+            </a:endParaRPr>
+          </a:p>
+        </p:txBody>
+      </p:sp>
+      <p:sp>
+        <p:nvSpPr>
+          <p:cNvPr id="19" name="Rechte verbindingslijn 18">
+            <a:extLst>
+              <a:ext uri="{FF2B5EF4-FFF2-40B4-BE49-F238E27FC236}">
+                <a16:creationId xmlns:a16="http://schemas.microsoft.com/office/drawing/2014/main" id="{8264B527-620E-4B44-80BB-2A9D3C3C405C}"/>
+              </a:ext>
+            </a:extLst>
+          </p:cNvPr>
+          <p:cNvSpPr/>
+          <p:nvPr/>
+        </p:nvSpPr>
+        <p:spPr>
+          <a:xfrm>
+            <a:off x="155226" y="3404256"/>
+            <a:ext cx="1097280" cy="0"/>
+          </a:xfrm>
+          <a:prstGeom prst="line">
+            <a:avLst/>
+          </a:prstGeom>
+          <a:solidFill>
+            <a:srgbClr val="000000">
+              <a:alpha val="5000"/>
+            </a:srgbClr>
+          </a:solidFill>
+          <a:ln w="36000">
+            <a:solidFill>
+              <a:srgbClr val="000000"/>
+            </a:solidFill>
+          </a:ln>
+        </p:spPr>
+        <p:style>
+          <a:lnRef idx="1">
+            <a:schemeClr val="accent1"/>
+          </a:lnRef>
+          <a:fillRef idx="0">
+            <a:schemeClr val="accent1"/>
+          </a:fillRef>
+          <a:effectRef idx="0">
+            <a:schemeClr val="accent1"/>
+          </a:effectRef>
+          <a:fontRef idx="minor">
+            <a:schemeClr val="tx1"/>
+          </a:fontRef>
+        </p:style>
+        <p:txBody>
+          <a:bodyPr wrap="none" rtlCol="0" anchor="ctr" anchorCtr="1"/>
+          <a:lstStyle/>
+          <a:p>
+            <a:endParaRPr lang="de-DE">
+              <a:solidFill>
+                <a:srgbClr val="000000"/>
+              </a:solidFill>
+            </a:endParaRPr>
+          </a:p>
+        </p:txBody>
+      </p:sp>
+      <mc:AlternateContent xmlns:mc="http://schemas.openxmlformats.org/markup-compatibility/2006">
+        <mc:Choice xmlns:a14="http://schemas.microsoft.com/office/drawing/2010/main" Requires="a14">
+          <p:sp>
+            <p:nvSpPr>
+              <p:cNvPr id="15" name="Tekstvak 14">
+                <a:extLst>
+                  <a:ext uri="{FF2B5EF4-FFF2-40B4-BE49-F238E27FC236}">
+                    <a16:creationId xmlns:a16="http://schemas.microsoft.com/office/drawing/2014/main" id="{6C8FEB1E-6F32-A542-82AE-436A8F152954}"/>
+                  </a:ext>
+                </a:extLst>
+              </p:cNvPr>
+              <p:cNvSpPr txBox="1"/>
+              <p:nvPr/>
+            </p:nvSpPr>
+            <p:spPr>
+              <a:xfrm>
+                <a:off x="-22656" y="-40652"/>
+                <a:ext cx="1288489" cy="1384995"/>
+              </a:xfrm>
+              <a:prstGeom prst="rect">
+                <a:avLst/>
+              </a:prstGeom>
+              <a:noFill/>
+            </p:spPr>
+            <p:txBody>
+              <a:bodyPr wrap="square" rtlCol="0">
+                <a:spAutoFit/>
+              </a:bodyPr>
+              <a:lstStyle/>
+              <a:p>
+                <a14:m>
+                  <m:oMathPara xmlns:m="http://schemas.openxmlformats.org/officeDocument/2006/math">
+                    <m:oMathParaPr>
+                      <m:jc m:val="centerGroup"/>
+                    </m:oMathParaPr>
+                    <m:oMath xmlns:m="http://schemas.openxmlformats.org/officeDocument/2006/math">
+                      <m:r>
+                        <a:rPr lang="nl-NL" i="1" dirty="0" smtClean="0">
+                          <a:latin typeface="Cambria Math" panose="02040503050406030204" pitchFamily="18" charset="0"/>
+                        </a:rPr>
+                        <m:t>𝐵𝑎𝑠𝑖𝑠</m:t>
+                      </m:r>
+                      <m:r>
+                        <a:rPr lang="nl-NL" i="1" dirty="0">
+                          <a:latin typeface="Cambria Math" panose="02040503050406030204" pitchFamily="18" charset="0"/>
+                        </a:rPr>
+                        <m:t> </m:t>
+                      </m:r>
+                      <m:r>
+                        <a:rPr lang="nl-NL" i="1" dirty="0" smtClean="0">
+                          <a:latin typeface="Cambria Math" panose="02040503050406030204" pitchFamily="18" charset="0"/>
+                        </a:rPr>
+                        <m:t>𝐻</m:t>
+                      </m:r>
+                      <m:r>
+                        <a:rPr lang="nl-NL" b="0" i="1" dirty="0" smtClean="0">
+                          <a:latin typeface="Cambria Math" panose="02040503050406030204" pitchFamily="18" charset="0"/>
+                        </a:rPr>
+                        <m:t>−</m:t>
+                      </m:r>
+                      <m:r>
+                        <a:rPr lang="nl-NL" i="1" dirty="0" smtClean="0">
+                          <a:latin typeface="Cambria Math" panose="02040503050406030204" pitchFamily="18" charset="0"/>
+                        </a:rPr>
+                        <m:t>𝐻</m:t>
+                      </m:r>
+                    </m:oMath>
+                  </m:oMathPara>
+                </a14:m>
+                <a:endParaRPr lang="nl-NL" i="1" dirty="0">
+                  <a:latin typeface="Cambria Math" panose="02040503050406030204" pitchFamily="18" charset="0"/>
+                </a:endParaRPr>
+              </a:p>
+              <a:p>
+                <a14:m>
+                  <m:oMathPara xmlns:m="http://schemas.openxmlformats.org/officeDocument/2006/math">
+                    <m:oMathParaPr>
+                      <m:jc m:val="centerGroup"/>
+                    </m:oMathParaPr>
+                    <m:oMath xmlns:m="http://schemas.openxmlformats.org/officeDocument/2006/math">
+                      <m:r>
+                        <a:rPr lang="nl-NL" b="0" i="1" dirty="0" smtClean="0">
+                          <a:latin typeface="Cambria Math" panose="02040503050406030204" pitchFamily="18" charset="0"/>
+                        </a:rPr>
+                        <m:t>𝑑𝑒𝑝𝑡h</m:t>
+                      </m:r>
+                      <m:r>
+                        <a:rPr lang="nl-NL" b="0" i="1" dirty="0" smtClean="0">
+                          <a:latin typeface="Cambria Math" panose="02040503050406030204" pitchFamily="18" charset="0"/>
+                        </a:rPr>
+                        <m:t>=</m:t>
+                      </m:r>
+                      <m:r>
+                        <a:rPr lang="nl-NL" b="0" i="1" dirty="0" smtClean="0">
+                          <a:latin typeface="Cambria Math" panose="02040503050406030204" pitchFamily="18" charset="0"/>
+                        </a:rPr>
+                        <m:t>𝑛</m:t>
+                      </m:r>
+                      <m:r>
+                        <a:rPr lang="nl-NL" i="1" dirty="0" smtClean="0">
+                          <a:latin typeface="Cambria Math" panose="02040503050406030204" pitchFamily="18" charset="0"/>
+                        </a:rPr>
+                        <m:t> </m:t>
+                      </m:r>
+                    </m:oMath>
+                  </m:oMathPara>
+                </a14:m>
+                <a:endParaRPr lang="nl-NL" i="1" dirty="0">
+                  <a:latin typeface="Cambria Math" panose="02040503050406030204" pitchFamily="18" charset="0"/>
+                </a:endParaRPr>
+              </a:p>
+              <a:p>
+                <a:endParaRPr lang="nl-NL" i="1" dirty="0">
+                  <a:latin typeface="Cambria Math" panose="02040503050406030204" pitchFamily="18" charset="0"/>
+                </a:endParaRPr>
+              </a:p>
+              <a:p>
+                <a:endParaRPr lang="nl-NL" i="1" dirty="0">
+                  <a:latin typeface="Cambria Math" panose="02040503050406030204" pitchFamily="18" charset="0"/>
+                </a:endParaRPr>
+              </a:p>
+              <a:p>
+                <a14:m>
+                  <m:oMathPara xmlns:m="http://schemas.openxmlformats.org/officeDocument/2006/math">
+                    <m:oMathParaPr>
+                      <m:jc m:val="centerGroup"/>
+                    </m:oMathParaPr>
+                    <m:oMath xmlns:m="http://schemas.openxmlformats.org/officeDocument/2006/math">
+                      <m:r>
+                        <a:rPr lang="nl-NL" i="1" dirty="0" smtClean="0">
+                          <a:latin typeface="Cambria Math" panose="02040503050406030204" pitchFamily="18" charset="0"/>
+                        </a:rPr>
+                        <m:t>𝑛</m:t>
+                      </m:r>
+                      <m:r>
+                        <a:rPr lang="nl-NL" i="1" dirty="0" smtClean="0">
+                          <a:latin typeface="Cambria Math" panose="02040503050406030204" pitchFamily="18" charset="0"/>
+                        </a:rPr>
+                        <m:t>= 2</m:t>
+                      </m:r>
+                    </m:oMath>
+                  </m:oMathPara>
+                </a14:m>
+                <a:endParaRPr lang="nl-NL" dirty="0">
+                  <a:latin typeface="Avenir Book" panose="02000503020000020003" pitchFamily="2" charset="0"/>
+                </a:endParaRPr>
+              </a:p>
+              <a:p>
+                <a14:m>
+                  <m:oMathPara xmlns:m="http://schemas.openxmlformats.org/officeDocument/2006/math">
+                    <m:oMathParaPr>
+                      <m:jc m:val="centerGroup"/>
+                    </m:oMathParaPr>
+                    <m:oMath xmlns:m="http://schemas.openxmlformats.org/officeDocument/2006/math">
+                      <m:sSup>
+                        <m:sSupPr>
+                          <m:ctrlPr>
+                            <a:rPr lang="nl-NL" i="1">
+                              <a:latin typeface="Cambria Math" panose="02040503050406030204" pitchFamily="18" charset="0"/>
+                            </a:rPr>
+                          </m:ctrlPr>
+                        </m:sSupPr>
+                        <m:e>
+                          <m:r>
+                            <a:rPr lang="nl-NL" i="1">
+                              <a:latin typeface="Cambria Math" panose="02040503050406030204" pitchFamily="18" charset="0"/>
+                            </a:rPr>
+                            <m:t>3</m:t>
+                          </m:r>
+                        </m:e>
+                        <m:sup>
+                          <m:r>
+                            <a:rPr lang="nl-NL" i="1">
+                              <a:latin typeface="Cambria Math" panose="02040503050406030204" pitchFamily="18" charset="0"/>
+                            </a:rPr>
+                            <m:t>𝑛</m:t>
+                          </m:r>
+                          <m:r>
+                            <a:rPr lang="nl-NL" i="1">
+                              <a:latin typeface="Cambria Math" panose="02040503050406030204" pitchFamily="18" charset="0"/>
+                            </a:rPr>
+                            <m:t>−2</m:t>
+                          </m:r>
+                        </m:sup>
+                      </m:sSup>
+                      <m:r>
+                        <a:rPr lang="nl-NL" b="0" i="1" smtClean="0">
+                          <a:latin typeface="Cambria Math" panose="02040503050406030204" pitchFamily="18" charset="0"/>
+                        </a:rPr>
+                        <m:t>=1</m:t>
+                      </m:r>
+                    </m:oMath>
+                  </m:oMathPara>
+                </a14:m>
+                <a:endParaRPr lang="nl-NL" dirty="0">
+                  <a:latin typeface="Avenir Book" panose="02000503020000020003" pitchFamily="2" charset="0"/>
+                </a:endParaRPr>
+              </a:p>
+            </p:txBody>
+          </p:sp>
+        </mc:Choice>
+        <mc:Fallback>
+          <p:sp>
+            <p:nvSpPr>
+              <p:cNvPr id="15" name="Tekstvak 14">
+                <a:extLst>
+                  <a:ext uri="{FF2B5EF4-FFF2-40B4-BE49-F238E27FC236}">
+                    <a16:creationId xmlns:a16="http://schemas.microsoft.com/office/drawing/2014/main" id="{6C8FEB1E-6F32-A542-82AE-436A8F152954}"/>
+                  </a:ext>
+                </a:extLst>
+              </p:cNvPr>
+              <p:cNvSpPr txBox="1">
+                <a:spLocks noRot="1" noChangeAspect="1" noMove="1" noResize="1" noEditPoints="1" noAdjustHandles="1" noChangeArrowheads="1" noChangeShapeType="1" noTextEdit="1"/>
+              </p:cNvSpPr>
+              <p:nvPr/>
+            </p:nvSpPr>
+            <p:spPr>
+              <a:xfrm>
+                <a:off x="-22656" y="-40652"/>
+                <a:ext cx="1288489" cy="1384995"/>
+              </a:xfrm>
+              <a:prstGeom prst="rect">
+                <a:avLst/>
+              </a:prstGeom>
+              <a:blipFill>
+                <a:blip r:embed="rId2"/>
+                <a:stretch>
+                  <a:fillRect/>
+                </a:stretch>
+              </a:blipFill>
+            </p:spPr>
+            <p:txBody>
+              <a:bodyPr/>
+              <a:lstStyle/>
+              <a:p>
+                <a:r>
+                  <a:rPr lang="nl-NL">
+                    <a:noFill/>
+                  </a:rPr>
+                  <a:t> </a:t>
+                </a:r>
+              </a:p>
+            </p:txBody>
+          </p:sp>
+        </mc:Fallback>
+      </mc:AlternateContent>
+      <p:sp>
+        <p:nvSpPr>
+          <p:cNvPr id="20" name="Ovaal 19">
+            <a:extLst>
+              <a:ext uri="{FF2B5EF4-FFF2-40B4-BE49-F238E27FC236}">
+                <a16:creationId xmlns:a16="http://schemas.microsoft.com/office/drawing/2014/main" id="{8225D575-D2CD-E348-BFBE-731107F81234}"/>
+              </a:ext>
+            </a:extLst>
+          </p:cNvPr>
+          <p:cNvSpPr>
+            <a:spLocks noChangeAspect="1"/>
+          </p:cNvSpPr>
+          <p:nvPr/>
+        </p:nvSpPr>
+        <p:spPr>
+          <a:xfrm>
+            <a:off x="4689593" y="751490"/>
+            <a:ext cx="389713" cy="398396"/>
+          </a:xfrm>
+          <a:prstGeom prst="ellipse">
+            <a:avLst/>
+          </a:prstGeom>
+        </p:spPr>
+        <p:style>
+          <a:lnRef idx="2">
+            <a:schemeClr val="accent1">
+              <a:shade val="50000"/>
+            </a:schemeClr>
+          </a:lnRef>
+          <a:fillRef idx="1">
+            <a:schemeClr val="accent1"/>
+          </a:fillRef>
+          <a:effectRef idx="0">
+            <a:schemeClr val="accent1"/>
+          </a:effectRef>
+          <a:fontRef idx="minor">
+            <a:schemeClr val="lt1"/>
+          </a:fontRef>
+        </p:style>
+        <p:txBody>
+          <a:bodyPr rtlCol="0" anchor="ctr"/>
+          <a:lstStyle/>
+          <a:p>
+            <a:pPr algn="ctr"/>
+            <a:r>
+              <a:rPr lang="nl-NL" dirty="0"/>
+              <a:t>2</a:t>
+            </a:r>
+          </a:p>
+        </p:txBody>
+      </p:sp>
+      <p:sp>
+        <p:nvSpPr>
+          <p:cNvPr id="23" name="Ovaal 22">
+            <a:extLst>
+              <a:ext uri="{FF2B5EF4-FFF2-40B4-BE49-F238E27FC236}">
+                <a16:creationId xmlns:a16="http://schemas.microsoft.com/office/drawing/2014/main" id="{CC404BA0-EFF9-5A41-A04A-64434DA8243F}"/>
+              </a:ext>
+            </a:extLst>
+          </p:cNvPr>
+          <p:cNvSpPr>
+            <a:spLocks noChangeAspect="1"/>
+          </p:cNvSpPr>
+          <p:nvPr/>
+        </p:nvSpPr>
+        <p:spPr>
+          <a:xfrm>
+            <a:off x="3122073" y="1565968"/>
+            <a:ext cx="389713" cy="398396"/>
+          </a:xfrm>
+          <a:prstGeom prst="ellipse">
+            <a:avLst/>
+          </a:prstGeom>
+        </p:spPr>
+        <p:style>
+          <a:lnRef idx="2">
+            <a:schemeClr val="accent1">
+              <a:shade val="50000"/>
+            </a:schemeClr>
+          </a:lnRef>
+          <a:fillRef idx="1">
+            <a:schemeClr val="accent1"/>
+          </a:fillRef>
+          <a:effectRef idx="0">
+            <a:schemeClr val="accent1"/>
+          </a:effectRef>
+          <a:fontRef idx="minor">
+            <a:schemeClr val="lt1"/>
+          </a:fontRef>
+        </p:style>
+        <p:txBody>
+          <a:bodyPr rtlCol="0" anchor="ctr"/>
+          <a:lstStyle/>
+          <a:p>
+            <a:pPr algn="ctr"/>
+            <a:r>
+              <a:rPr lang="nl-NL" dirty="0"/>
+              <a:t>L</a:t>
+            </a:r>
+          </a:p>
+        </p:txBody>
+      </p:sp>
+      <p:sp>
+        <p:nvSpPr>
+          <p:cNvPr id="24" name="Ovaal 23">
+            <a:extLst>
+              <a:ext uri="{FF2B5EF4-FFF2-40B4-BE49-F238E27FC236}">
+                <a16:creationId xmlns:a16="http://schemas.microsoft.com/office/drawing/2014/main" id="{A1173754-1E35-8E46-8D82-8D21D3A73523}"/>
+              </a:ext>
+            </a:extLst>
+          </p:cNvPr>
+          <p:cNvSpPr>
+            <a:spLocks noChangeAspect="1"/>
+          </p:cNvSpPr>
+          <p:nvPr/>
+        </p:nvSpPr>
+        <p:spPr>
+          <a:xfrm>
+            <a:off x="4697429" y="1565968"/>
+            <a:ext cx="389713" cy="398396"/>
+          </a:xfrm>
+          <a:prstGeom prst="ellipse">
+            <a:avLst/>
+          </a:prstGeom>
+        </p:spPr>
+        <p:style>
+          <a:lnRef idx="2">
+            <a:schemeClr val="accent1">
+              <a:shade val="50000"/>
+            </a:schemeClr>
+          </a:lnRef>
+          <a:fillRef idx="1">
+            <a:schemeClr val="accent1"/>
+          </a:fillRef>
+          <a:effectRef idx="0">
+            <a:schemeClr val="accent1"/>
+          </a:effectRef>
+          <a:fontRef idx="minor">
+            <a:schemeClr val="lt1"/>
+          </a:fontRef>
+        </p:style>
+        <p:txBody>
+          <a:bodyPr rtlCol="0" anchor="ctr"/>
+          <a:lstStyle/>
+          <a:p>
+            <a:pPr algn="ctr"/>
+            <a:r>
+              <a:rPr lang="nl-NL" dirty="0"/>
+              <a:t>R</a:t>
+            </a:r>
+          </a:p>
+        </p:txBody>
+      </p:sp>
+      <p:sp>
+        <p:nvSpPr>
+          <p:cNvPr id="25" name="Ovaal 24">
+            <a:extLst>
+              <a:ext uri="{FF2B5EF4-FFF2-40B4-BE49-F238E27FC236}">
+                <a16:creationId xmlns:a16="http://schemas.microsoft.com/office/drawing/2014/main" id="{BE209181-0CEF-F545-AA03-35518B1D453D}"/>
+              </a:ext>
+            </a:extLst>
+          </p:cNvPr>
+          <p:cNvSpPr>
+            <a:spLocks noChangeAspect="1"/>
+          </p:cNvSpPr>
+          <p:nvPr/>
+        </p:nvSpPr>
+        <p:spPr>
+          <a:xfrm>
+            <a:off x="1985261" y="2573627"/>
+            <a:ext cx="389713" cy="398396"/>
+          </a:xfrm>
+          <a:prstGeom prst="ellipse">
+            <a:avLst/>
+          </a:prstGeom>
+        </p:spPr>
+        <p:style>
+          <a:lnRef idx="2">
+            <a:schemeClr val="accent1">
+              <a:shade val="50000"/>
+            </a:schemeClr>
+          </a:lnRef>
+          <a:fillRef idx="1">
+            <a:schemeClr val="accent1"/>
+          </a:fillRef>
+          <a:effectRef idx="0">
+            <a:schemeClr val="accent1"/>
+          </a:effectRef>
+          <a:fontRef idx="minor">
+            <a:schemeClr val="lt1"/>
+          </a:fontRef>
+        </p:style>
+        <p:txBody>
+          <a:bodyPr rtlCol="0" anchor="ctr"/>
+          <a:lstStyle/>
+          <a:p>
+            <a:pPr algn="ctr"/>
+            <a:r>
+              <a:rPr lang="nl-NL" dirty="0"/>
+              <a:t>R</a:t>
+            </a:r>
+          </a:p>
+        </p:txBody>
+      </p:sp>
+      <p:sp>
+        <p:nvSpPr>
+          <p:cNvPr id="26" name="Ovaal 25">
+            <a:extLst>
+              <a:ext uri="{FF2B5EF4-FFF2-40B4-BE49-F238E27FC236}">
+                <a16:creationId xmlns:a16="http://schemas.microsoft.com/office/drawing/2014/main" id="{9744097B-5D58-2746-9A4D-A918BEDDBE3B}"/>
+              </a:ext>
+            </a:extLst>
+          </p:cNvPr>
+          <p:cNvSpPr>
+            <a:spLocks noChangeAspect="1"/>
+          </p:cNvSpPr>
+          <p:nvPr/>
+        </p:nvSpPr>
+        <p:spPr>
+          <a:xfrm>
+            <a:off x="3952040" y="2569219"/>
+            <a:ext cx="389713" cy="398396"/>
+          </a:xfrm>
+          <a:prstGeom prst="ellipse">
+            <a:avLst/>
+          </a:prstGeom>
+        </p:spPr>
+        <p:style>
+          <a:lnRef idx="2">
+            <a:schemeClr val="accent1">
+              <a:shade val="50000"/>
+            </a:schemeClr>
+          </a:lnRef>
+          <a:fillRef idx="1">
+            <a:schemeClr val="accent1"/>
+          </a:fillRef>
+          <a:effectRef idx="0">
+            <a:schemeClr val="accent1"/>
+          </a:effectRef>
+          <a:fontRef idx="minor">
+            <a:schemeClr val="lt1"/>
+          </a:fontRef>
+        </p:style>
+        <p:txBody>
+          <a:bodyPr rtlCol="0" anchor="ctr"/>
+          <a:lstStyle/>
+          <a:p>
+            <a:pPr algn="ctr"/>
+            <a:r>
+              <a:rPr lang="nl-NL" dirty="0"/>
+              <a:t>L</a:t>
+            </a:r>
+          </a:p>
+        </p:txBody>
+      </p:sp>
+      <p:sp>
+        <p:nvSpPr>
+          <p:cNvPr id="27" name="Ovaal 26">
+            <a:extLst>
+              <a:ext uri="{FF2B5EF4-FFF2-40B4-BE49-F238E27FC236}">
+                <a16:creationId xmlns:a16="http://schemas.microsoft.com/office/drawing/2014/main" id="{29EBFE1F-AD5A-2A4D-A1A8-CA71086DB992}"/>
+              </a:ext>
+            </a:extLst>
+          </p:cNvPr>
+          <p:cNvSpPr>
+            <a:spLocks noChangeAspect="1"/>
+          </p:cNvSpPr>
+          <p:nvPr/>
+        </p:nvSpPr>
+        <p:spPr>
+          <a:xfrm>
+            <a:off x="5081556" y="2560075"/>
+            <a:ext cx="389713" cy="398396"/>
+          </a:xfrm>
+          <a:prstGeom prst="ellipse">
+            <a:avLst/>
+          </a:prstGeom>
+        </p:spPr>
+        <p:style>
+          <a:lnRef idx="2">
+            <a:schemeClr val="accent1">
+              <a:shade val="50000"/>
+            </a:schemeClr>
+          </a:lnRef>
+          <a:fillRef idx="1">
+            <a:schemeClr val="accent1"/>
+          </a:fillRef>
+          <a:effectRef idx="0">
+            <a:schemeClr val="accent1"/>
+          </a:effectRef>
+          <a:fontRef idx="minor">
+            <a:schemeClr val="lt1"/>
+          </a:fontRef>
+        </p:style>
+        <p:txBody>
+          <a:bodyPr rtlCol="0" anchor="ctr"/>
+          <a:lstStyle/>
+          <a:p>
+            <a:pPr algn="ctr"/>
+            <a:r>
+              <a:rPr lang="nl-NL" dirty="0"/>
+              <a:t>S</a:t>
+            </a:r>
+          </a:p>
+        </p:txBody>
+      </p:sp>
+      <p:sp>
+        <p:nvSpPr>
+          <p:cNvPr id="28" name="Ovaal 27">
+            <a:extLst>
+              <a:ext uri="{FF2B5EF4-FFF2-40B4-BE49-F238E27FC236}">
+                <a16:creationId xmlns:a16="http://schemas.microsoft.com/office/drawing/2014/main" id="{9C20991F-3653-9648-AF6B-471D04C343C6}"/>
+              </a:ext>
+            </a:extLst>
+          </p:cNvPr>
+          <p:cNvSpPr>
+            <a:spLocks noChangeAspect="1"/>
+          </p:cNvSpPr>
+          <p:nvPr/>
+        </p:nvSpPr>
+        <p:spPr>
+          <a:xfrm>
+            <a:off x="2578082" y="2571750"/>
+            <a:ext cx="389713" cy="398396"/>
+          </a:xfrm>
+          <a:prstGeom prst="ellipse">
+            <a:avLst/>
+          </a:prstGeom>
+        </p:spPr>
+        <p:style>
+          <a:lnRef idx="2">
+            <a:schemeClr val="accent1">
+              <a:shade val="50000"/>
+            </a:schemeClr>
+          </a:lnRef>
+          <a:fillRef idx="1">
+            <a:schemeClr val="accent1"/>
+          </a:fillRef>
+          <a:effectRef idx="0">
+            <a:schemeClr val="accent1"/>
+          </a:effectRef>
+          <a:fontRef idx="minor">
+            <a:schemeClr val="lt1"/>
+          </a:fontRef>
+        </p:style>
+        <p:txBody>
+          <a:bodyPr rtlCol="0" anchor="ctr"/>
+          <a:lstStyle/>
+          <a:p>
+            <a:pPr algn="ctr"/>
+            <a:r>
+              <a:rPr lang="nl-NL" dirty="0"/>
+              <a:t>S</a:t>
+            </a:r>
+          </a:p>
+        </p:txBody>
+      </p:sp>
+      <p:sp>
+        <p:nvSpPr>
+          <p:cNvPr id="29" name="Ovaal 28">
+            <a:extLst>
+              <a:ext uri="{FF2B5EF4-FFF2-40B4-BE49-F238E27FC236}">
+                <a16:creationId xmlns:a16="http://schemas.microsoft.com/office/drawing/2014/main" id="{55136F38-957D-D645-A6C2-10410E9EFBE6}"/>
+              </a:ext>
+            </a:extLst>
+          </p:cNvPr>
+          <p:cNvSpPr>
+            <a:spLocks noChangeAspect="1"/>
+          </p:cNvSpPr>
+          <p:nvPr/>
+        </p:nvSpPr>
+        <p:spPr>
+          <a:xfrm>
+            <a:off x="6251452" y="2575777"/>
+            <a:ext cx="389713" cy="398396"/>
+          </a:xfrm>
+          <a:prstGeom prst="ellipse">
+            <a:avLst/>
+          </a:prstGeom>
+        </p:spPr>
+        <p:style>
+          <a:lnRef idx="2">
+            <a:schemeClr val="accent1">
+              <a:shade val="50000"/>
+            </a:schemeClr>
+          </a:lnRef>
+          <a:fillRef idx="1">
+            <a:schemeClr val="accent1"/>
+          </a:fillRef>
+          <a:effectRef idx="0">
+            <a:schemeClr val="accent1"/>
+          </a:effectRef>
+          <a:fontRef idx="minor">
+            <a:schemeClr val="lt1"/>
+          </a:fontRef>
+        </p:style>
+        <p:txBody>
+          <a:bodyPr rtlCol="0" anchor="ctr"/>
+          <a:lstStyle/>
+          <a:p>
+            <a:pPr algn="ctr"/>
+            <a:r>
+              <a:rPr lang="nl-NL" dirty="0"/>
+              <a:t>L</a:t>
+            </a:r>
+          </a:p>
+        </p:txBody>
+      </p:sp>
+      <p:sp>
+        <p:nvSpPr>
+          <p:cNvPr id="30" name="Ovaal 29">
+            <a:extLst>
+              <a:ext uri="{FF2B5EF4-FFF2-40B4-BE49-F238E27FC236}">
+                <a16:creationId xmlns:a16="http://schemas.microsoft.com/office/drawing/2014/main" id="{52A1253D-8CFC-7A4C-9583-DDF1241A8534}"/>
+              </a:ext>
+            </a:extLst>
+          </p:cNvPr>
+          <p:cNvSpPr>
+            <a:spLocks noChangeAspect="1"/>
+          </p:cNvSpPr>
+          <p:nvPr/>
+        </p:nvSpPr>
+        <p:spPr>
+          <a:xfrm>
+            <a:off x="1402907" y="2571750"/>
+            <a:ext cx="389713" cy="398396"/>
+          </a:xfrm>
+          <a:prstGeom prst="ellipse">
+            <a:avLst/>
+          </a:prstGeom>
+        </p:spPr>
+        <p:style>
+          <a:lnRef idx="2">
+            <a:schemeClr val="accent1">
+              <a:shade val="50000"/>
+            </a:schemeClr>
+          </a:lnRef>
+          <a:fillRef idx="1">
+            <a:schemeClr val="accent1"/>
+          </a:fillRef>
+          <a:effectRef idx="0">
+            <a:schemeClr val="accent1"/>
+          </a:effectRef>
+          <a:fontRef idx="minor">
+            <a:schemeClr val="lt1"/>
+          </a:fontRef>
+        </p:style>
+        <p:txBody>
+          <a:bodyPr rtlCol="0" anchor="ctr"/>
+          <a:lstStyle/>
+          <a:p>
+            <a:pPr algn="ctr"/>
+            <a:r>
+              <a:rPr lang="nl-NL" dirty="0"/>
+              <a:t>L</a:t>
+            </a:r>
+          </a:p>
+        </p:txBody>
+      </p:sp>
+      <p:sp>
+        <p:nvSpPr>
+          <p:cNvPr id="31" name="Ovaal 30">
+            <a:extLst>
+              <a:ext uri="{FF2B5EF4-FFF2-40B4-BE49-F238E27FC236}">
+                <a16:creationId xmlns:a16="http://schemas.microsoft.com/office/drawing/2014/main" id="{71BE21BF-E7F4-1E4F-A456-D684E50693DA}"/>
+              </a:ext>
+            </a:extLst>
+          </p:cNvPr>
+          <p:cNvSpPr>
+            <a:spLocks noChangeAspect="1"/>
+          </p:cNvSpPr>
+          <p:nvPr/>
+        </p:nvSpPr>
+        <p:spPr>
+          <a:xfrm>
+            <a:off x="4491907" y="2560075"/>
+            <a:ext cx="389713" cy="398396"/>
+          </a:xfrm>
+          <a:prstGeom prst="ellipse">
+            <a:avLst/>
+          </a:prstGeom>
+        </p:spPr>
+        <p:style>
+          <a:lnRef idx="2">
+            <a:schemeClr val="accent1">
+              <a:shade val="50000"/>
+            </a:schemeClr>
+          </a:lnRef>
+          <a:fillRef idx="1">
+            <a:schemeClr val="accent1"/>
+          </a:fillRef>
+          <a:effectRef idx="0">
+            <a:schemeClr val="accent1"/>
+          </a:effectRef>
+          <a:fontRef idx="minor">
+            <a:schemeClr val="lt1"/>
+          </a:fontRef>
+        </p:style>
+        <p:txBody>
+          <a:bodyPr rtlCol="0" anchor="ctr"/>
+          <a:lstStyle/>
+          <a:p>
+            <a:pPr algn="ctr"/>
+            <a:r>
+              <a:rPr lang="nl-NL" dirty="0"/>
+              <a:t>R</a:t>
+            </a:r>
+          </a:p>
+        </p:txBody>
+      </p:sp>
+      <p:sp>
+        <p:nvSpPr>
+          <p:cNvPr id="32" name="Ovaal 31">
+            <a:extLst>
+              <a:ext uri="{FF2B5EF4-FFF2-40B4-BE49-F238E27FC236}">
+                <a16:creationId xmlns:a16="http://schemas.microsoft.com/office/drawing/2014/main" id="{C6B79EC2-9C97-694F-BC0A-FA627328756F}"/>
+              </a:ext>
+            </a:extLst>
+          </p:cNvPr>
+          <p:cNvSpPr>
+            <a:spLocks noChangeAspect="1"/>
+          </p:cNvSpPr>
+          <p:nvPr/>
+        </p:nvSpPr>
+        <p:spPr>
+          <a:xfrm>
+            <a:off x="6272785" y="1565968"/>
+            <a:ext cx="389713" cy="398396"/>
+          </a:xfrm>
+          <a:prstGeom prst="ellipse">
+            <a:avLst/>
+          </a:prstGeom>
+        </p:spPr>
+        <p:style>
+          <a:lnRef idx="2">
+            <a:schemeClr val="accent1">
+              <a:shade val="50000"/>
+            </a:schemeClr>
+          </a:lnRef>
+          <a:fillRef idx="1">
+            <a:schemeClr val="accent1"/>
+          </a:fillRef>
+          <a:effectRef idx="0">
+            <a:schemeClr val="accent1"/>
+          </a:effectRef>
+          <a:fontRef idx="minor">
+            <a:schemeClr val="lt1"/>
+          </a:fontRef>
+        </p:style>
+        <p:txBody>
+          <a:bodyPr rtlCol="0" anchor="ctr"/>
+          <a:lstStyle/>
+          <a:p>
+            <a:pPr algn="ctr"/>
+            <a:r>
+              <a:rPr lang="nl-NL" dirty="0"/>
+              <a:t>S</a:t>
+            </a:r>
+          </a:p>
+        </p:txBody>
+      </p:sp>
+      <p:sp>
+        <p:nvSpPr>
+          <p:cNvPr id="33" name="Ovaal 32">
+            <a:extLst>
+              <a:ext uri="{FF2B5EF4-FFF2-40B4-BE49-F238E27FC236}">
+                <a16:creationId xmlns:a16="http://schemas.microsoft.com/office/drawing/2014/main" id="{A46F94D9-277F-D34C-915B-ED4BA5511003}"/>
+              </a:ext>
+            </a:extLst>
+          </p:cNvPr>
+          <p:cNvSpPr>
+            <a:spLocks noChangeAspect="1"/>
+          </p:cNvSpPr>
+          <p:nvPr/>
+        </p:nvSpPr>
+        <p:spPr>
+          <a:xfrm>
+            <a:off x="7452244" y="2566633"/>
+            <a:ext cx="389713" cy="398396"/>
+          </a:xfrm>
+          <a:prstGeom prst="ellipse">
+            <a:avLst/>
+          </a:prstGeom>
+        </p:spPr>
+        <p:style>
+          <a:lnRef idx="2">
+            <a:schemeClr val="accent1">
+              <a:shade val="50000"/>
+            </a:schemeClr>
+          </a:lnRef>
+          <a:fillRef idx="1">
+            <a:schemeClr val="accent1"/>
+          </a:fillRef>
+          <a:effectRef idx="0">
+            <a:schemeClr val="accent1"/>
+          </a:effectRef>
+          <a:fontRef idx="minor">
+            <a:schemeClr val="lt1"/>
+          </a:fontRef>
+        </p:style>
+        <p:txBody>
+          <a:bodyPr rtlCol="0" anchor="ctr"/>
+          <a:lstStyle/>
+          <a:p>
+            <a:pPr algn="ctr"/>
+            <a:r>
+              <a:rPr lang="nl-NL" dirty="0"/>
+              <a:t>S</a:t>
+            </a:r>
+          </a:p>
+        </p:txBody>
+      </p:sp>
+      <p:sp>
+        <p:nvSpPr>
+          <p:cNvPr id="34" name="Ovaal 33">
+            <a:extLst>
+              <a:ext uri="{FF2B5EF4-FFF2-40B4-BE49-F238E27FC236}">
+                <a16:creationId xmlns:a16="http://schemas.microsoft.com/office/drawing/2014/main" id="{3A968BA1-7B78-3F42-857C-43F1B032E887}"/>
+              </a:ext>
+            </a:extLst>
+          </p:cNvPr>
+          <p:cNvSpPr>
+            <a:spLocks noChangeAspect="1"/>
+          </p:cNvSpPr>
+          <p:nvPr/>
+        </p:nvSpPr>
+        <p:spPr>
+          <a:xfrm>
+            <a:off x="6849289" y="2575777"/>
+            <a:ext cx="389713" cy="398396"/>
+          </a:xfrm>
+          <a:prstGeom prst="ellipse">
+            <a:avLst/>
+          </a:prstGeom>
+        </p:spPr>
+        <p:style>
+          <a:lnRef idx="2">
+            <a:schemeClr val="accent1">
+              <a:shade val="50000"/>
+            </a:schemeClr>
+          </a:lnRef>
+          <a:fillRef idx="1">
+            <a:schemeClr val="accent1"/>
+          </a:fillRef>
+          <a:effectRef idx="0">
+            <a:schemeClr val="accent1"/>
+          </a:effectRef>
+          <a:fontRef idx="minor">
+            <a:schemeClr val="lt1"/>
+          </a:fontRef>
+        </p:style>
+        <p:txBody>
+          <a:bodyPr rtlCol="0" anchor="ctr"/>
+          <a:lstStyle/>
+          <a:p>
+            <a:pPr algn="ctr"/>
+            <a:r>
+              <a:rPr lang="nl-NL" dirty="0"/>
+              <a:t>R</a:t>
+            </a:r>
+          </a:p>
+        </p:txBody>
+      </p:sp>
+      <p:sp>
+        <p:nvSpPr>
+          <p:cNvPr id="35" name="Ovaal 34">
+            <a:extLst>
+              <a:ext uri="{FF2B5EF4-FFF2-40B4-BE49-F238E27FC236}">
+                <a16:creationId xmlns:a16="http://schemas.microsoft.com/office/drawing/2014/main" id="{D77B4F9E-A095-2B44-A197-38449D4345FE}"/>
+              </a:ext>
+            </a:extLst>
+          </p:cNvPr>
+          <p:cNvSpPr>
+            <a:spLocks noChangeAspect="1"/>
+          </p:cNvSpPr>
+          <p:nvPr/>
+        </p:nvSpPr>
+        <p:spPr>
+          <a:xfrm>
+            <a:off x="1359800" y="3974838"/>
+            <a:ext cx="389713" cy="398396"/>
+          </a:xfrm>
+          <a:prstGeom prst="ellipse">
+            <a:avLst/>
+          </a:prstGeom>
+        </p:spPr>
+        <p:style>
+          <a:lnRef idx="2">
+            <a:schemeClr val="accent1">
+              <a:shade val="50000"/>
+            </a:schemeClr>
+          </a:lnRef>
+          <a:fillRef idx="1">
+            <a:schemeClr val="accent1"/>
+          </a:fillRef>
+          <a:effectRef idx="0">
+            <a:schemeClr val="accent1"/>
+          </a:effectRef>
+          <a:fontRef idx="minor">
+            <a:schemeClr val="lt1"/>
+          </a:fontRef>
+        </p:style>
+        <p:txBody>
+          <a:bodyPr rtlCol="0" anchor="ctr"/>
+          <a:lstStyle/>
+          <a:p>
+            <a:pPr algn="ctr"/>
+            <a:r>
+              <a:rPr lang="nl-NL" dirty="0"/>
+              <a:t>R</a:t>
+            </a:r>
+          </a:p>
+        </p:txBody>
+      </p:sp>
+      <p:sp>
+        <p:nvSpPr>
+          <p:cNvPr id="36" name="Ovaal 35">
+            <a:extLst>
+              <a:ext uri="{FF2B5EF4-FFF2-40B4-BE49-F238E27FC236}">
+                <a16:creationId xmlns:a16="http://schemas.microsoft.com/office/drawing/2014/main" id="{AEC54EDA-F4AB-4E49-AA69-AAE3BF355D3E}"/>
+              </a:ext>
+            </a:extLst>
+          </p:cNvPr>
+          <p:cNvSpPr>
+            <a:spLocks noChangeAspect="1"/>
+          </p:cNvSpPr>
+          <p:nvPr/>
+        </p:nvSpPr>
+        <p:spPr>
+          <a:xfrm>
+            <a:off x="1360196" y="3563327"/>
+            <a:ext cx="389713" cy="398396"/>
+          </a:xfrm>
+          <a:prstGeom prst="ellipse">
+            <a:avLst/>
+          </a:prstGeom>
+        </p:spPr>
+        <p:style>
+          <a:lnRef idx="2">
+            <a:schemeClr val="accent1">
+              <a:shade val="50000"/>
+            </a:schemeClr>
+          </a:lnRef>
+          <a:fillRef idx="1">
+            <a:schemeClr val="accent1"/>
+          </a:fillRef>
+          <a:effectRef idx="0">
+            <a:schemeClr val="accent1"/>
+          </a:effectRef>
+          <a:fontRef idx="minor">
+            <a:schemeClr val="lt1"/>
+          </a:fontRef>
+        </p:style>
+        <p:txBody>
+          <a:bodyPr rtlCol="0" anchor="ctr"/>
+          <a:lstStyle/>
+          <a:p>
+            <a:pPr algn="ctr"/>
+            <a:r>
+              <a:rPr lang="nl-NL" dirty="0"/>
+              <a:t>L</a:t>
+            </a:r>
+          </a:p>
+        </p:txBody>
+      </p:sp>
+      <p:sp>
+        <p:nvSpPr>
+          <p:cNvPr id="37" name="Ovaal 36">
+            <a:extLst>
+              <a:ext uri="{FF2B5EF4-FFF2-40B4-BE49-F238E27FC236}">
+                <a16:creationId xmlns:a16="http://schemas.microsoft.com/office/drawing/2014/main" id="{EE21606F-AFB6-894E-AC22-1AF17467C154}"/>
+              </a:ext>
+            </a:extLst>
+          </p:cNvPr>
+          <p:cNvSpPr>
+            <a:spLocks noChangeAspect="1"/>
+          </p:cNvSpPr>
+          <p:nvPr/>
+        </p:nvSpPr>
+        <p:spPr>
+          <a:xfrm>
+            <a:off x="1359800" y="4399465"/>
+            <a:ext cx="389713" cy="398396"/>
+          </a:xfrm>
+          <a:prstGeom prst="ellipse">
+            <a:avLst/>
+          </a:prstGeom>
+        </p:spPr>
+        <p:style>
+          <a:lnRef idx="2">
+            <a:schemeClr val="accent1">
+              <a:shade val="50000"/>
+            </a:schemeClr>
+          </a:lnRef>
+          <a:fillRef idx="1">
+            <a:schemeClr val="accent1"/>
+          </a:fillRef>
+          <a:effectRef idx="0">
+            <a:schemeClr val="accent1"/>
+          </a:effectRef>
+          <a:fontRef idx="minor">
+            <a:schemeClr val="lt1"/>
+          </a:fontRef>
+        </p:style>
+        <p:txBody>
+          <a:bodyPr rtlCol="0" anchor="ctr"/>
+          <a:lstStyle/>
+          <a:p>
+            <a:pPr algn="ctr"/>
+            <a:r>
+              <a:rPr lang="nl-NL" dirty="0"/>
+              <a:t>S</a:t>
+            </a:r>
+          </a:p>
+        </p:txBody>
+      </p:sp>
+      <p:sp>
+        <p:nvSpPr>
+          <p:cNvPr id="71" name="Ovaal 70">
+            <a:extLst>
+              <a:ext uri="{FF2B5EF4-FFF2-40B4-BE49-F238E27FC236}">
+                <a16:creationId xmlns:a16="http://schemas.microsoft.com/office/drawing/2014/main" id="{4DE5D121-2848-6A42-96C5-FE1E6178150A}"/>
+              </a:ext>
+            </a:extLst>
+          </p:cNvPr>
+          <p:cNvSpPr>
+            <a:spLocks noChangeAspect="1"/>
+          </p:cNvSpPr>
+          <p:nvPr/>
+        </p:nvSpPr>
+        <p:spPr>
+          <a:xfrm>
+            <a:off x="1988941" y="3974838"/>
+            <a:ext cx="389713" cy="398396"/>
+          </a:xfrm>
+          <a:prstGeom prst="ellipse">
+            <a:avLst/>
+          </a:prstGeom>
+        </p:spPr>
+        <p:style>
+          <a:lnRef idx="2">
+            <a:schemeClr val="accent1">
+              <a:shade val="50000"/>
+            </a:schemeClr>
+          </a:lnRef>
+          <a:fillRef idx="1">
+            <a:schemeClr val="accent1"/>
+          </a:fillRef>
+          <a:effectRef idx="0">
+            <a:schemeClr val="accent1"/>
+          </a:effectRef>
+          <a:fontRef idx="minor">
+            <a:schemeClr val="lt1"/>
+          </a:fontRef>
+        </p:style>
+        <p:txBody>
+          <a:bodyPr rtlCol="0" anchor="ctr"/>
+          <a:lstStyle/>
+          <a:p>
+            <a:pPr algn="ctr"/>
+            <a:r>
+              <a:rPr lang="nl-NL" dirty="0"/>
+              <a:t>R</a:t>
+            </a:r>
+          </a:p>
+        </p:txBody>
+      </p:sp>
+      <p:sp>
+        <p:nvSpPr>
+          <p:cNvPr id="72" name="Ovaal 71">
+            <a:extLst>
+              <a:ext uri="{FF2B5EF4-FFF2-40B4-BE49-F238E27FC236}">
+                <a16:creationId xmlns:a16="http://schemas.microsoft.com/office/drawing/2014/main" id="{9A1BA9E4-1498-0244-A1EC-BA86ADDE4E1F}"/>
+              </a:ext>
+            </a:extLst>
+          </p:cNvPr>
+          <p:cNvSpPr>
+            <a:spLocks noChangeAspect="1"/>
+          </p:cNvSpPr>
+          <p:nvPr/>
+        </p:nvSpPr>
+        <p:spPr>
+          <a:xfrm>
+            <a:off x="1989337" y="3563327"/>
+            <a:ext cx="389713" cy="398396"/>
+          </a:xfrm>
+          <a:prstGeom prst="ellipse">
+            <a:avLst/>
+          </a:prstGeom>
+        </p:spPr>
+        <p:style>
+          <a:lnRef idx="2">
+            <a:schemeClr val="accent1">
+              <a:shade val="50000"/>
+            </a:schemeClr>
+          </a:lnRef>
+          <a:fillRef idx="1">
+            <a:schemeClr val="accent1"/>
+          </a:fillRef>
+          <a:effectRef idx="0">
+            <a:schemeClr val="accent1"/>
+          </a:effectRef>
+          <a:fontRef idx="minor">
+            <a:schemeClr val="lt1"/>
+          </a:fontRef>
+        </p:style>
+        <p:txBody>
+          <a:bodyPr rtlCol="0" anchor="ctr"/>
+          <a:lstStyle/>
+          <a:p>
+            <a:pPr algn="ctr"/>
+            <a:r>
+              <a:rPr lang="nl-NL" dirty="0"/>
+              <a:t>L</a:t>
+            </a:r>
+          </a:p>
+        </p:txBody>
+      </p:sp>
+      <p:sp>
+        <p:nvSpPr>
+          <p:cNvPr id="73" name="Ovaal 72">
+            <a:extLst>
+              <a:ext uri="{FF2B5EF4-FFF2-40B4-BE49-F238E27FC236}">
+                <a16:creationId xmlns:a16="http://schemas.microsoft.com/office/drawing/2014/main" id="{E65774EE-D175-D242-A244-8BF855086949}"/>
+              </a:ext>
+            </a:extLst>
+          </p:cNvPr>
+          <p:cNvSpPr>
+            <a:spLocks noChangeAspect="1"/>
+          </p:cNvSpPr>
+          <p:nvPr/>
+        </p:nvSpPr>
+        <p:spPr>
+          <a:xfrm>
+            <a:off x="1988941" y="4399465"/>
+            <a:ext cx="389713" cy="398396"/>
+          </a:xfrm>
+          <a:prstGeom prst="ellipse">
+            <a:avLst/>
+          </a:prstGeom>
+        </p:spPr>
+        <p:style>
+          <a:lnRef idx="2">
+            <a:schemeClr val="accent1">
+              <a:shade val="50000"/>
+            </a:schemeClr>
+          </a:lnRef>
+          <a:fillRef idx="1">
+            <a:schemeClr val="accent1"/>
+          </a:fillRef>
+          <a:effectRef idx="0">
+            <a:schemeClr val="accent1"/>
+          </a:effectRef>
+          <a:fontRef idx="minor">
+            <a:schemeClr val="lt1"/>
+          </a:fontRef>
+        </p:style>
+        <p:txBody>
+          <a:bodyPr rtlCol="0" anchor="ctr"/>
+          <a:lstStyle/>
+          <a:p>
+            <a:pPr algn="ctr"/>
+            <a:r>
+              <a:rPr lang="nl-NL" dirty="0"/>
+              <a:t>S</a:t>
+            </a:r>
+          </a:p>
+        </p:txBody>
+      </p:sp>
+      <p:sp>
+        <p:nvSpPr>
+          <p:cNvPr id="74" name="Ovaal 73">
+            <a:extLst>
+              <a:ext uri="{FF2B5EF4-FFF2-40B4-BE49-F238E27FC236}">
+                <a16:creationId xmlns:a16="http://schemas.microsoft.com/office/drawing/2014/main" id="{425E3254-E32F-9E43-A540-CE50A923ECB0}"/>
+              </a:ext>
+            </a:extLst>
+          </p:cNvPr>
+          <p:cNvSpPr>
+            <a:spLocks noChangeAspect="1"/>
+          </p:cNvSpPr>
+          <p:nvPr/>
+        </p:nvSpPr>
+        <p:spPr>
+          <a:xfrm>
+            <a:off x="2572916" y="3974838"/>
+            <a:ext cx="389713" cy="398396"/>
+          </a:xfrm>
+          <a:prstGeom prst="ellipse">
+            <a:avLst/>
+          </a:prstGeom>
+        </p:spPr>
+        <p:style>
+          <a:lnRef idx="2">
+            <a:schemeClr val="accent1">
+              <a:shade val="50000"/>
+            </a:schemeClr>
+          </a:lnRef>
+          <a:fillRef idx="1">
+            <a:schemeClr val="accent1"/>
+          </a:fillRef>
+          <a:effectRef idx="0">
+            <a:schemeClr val="accent1"/>
+          </a:effectRef>
+          <a:fontRef idx="minor">
+            <a:schemeClr val="lt1"/>
+          </a:fontRef>
+        </p:style>
+        <p:txBody>
+          <a:bodyPr rtlCol="0" anchor="ctr"/>
+          <a:lstStyle/>
+          <a:p>
+            <a:pPr algn="ctr"/>
+            <a:r>
+              <a:rPr lang="nl-NL" dirty="0"/>
+              <a:t>R</a:t>
+            </a:r>
+          </a:p>
+        </p:txBody>
+      </p:sp>
+      <p:sp>
+        <p:nvSpPr>
+          <p:cNvPr id="75" name="Ovaal 74">
+            <a:extLst>
+              <a:ext uri="{FF2B5EF4-FFF2-40B4-BE49-F238E27FC236}">
+                <a16:creationId xmlns:a16="http://schemas.microsoft.com/office/drawing/2014/main" id="{569851D3-8B04-2043-BFFF-8DB7994ACB36}"/>
+              </a:ext>
+            </a:extLst>
+          </p:cNvPr>
+          <p:cNvSpPr>
+            <a:spLocks noChangeAspect="1"/>
+          </p:cNvSpPr>
+          <p:nvPr/>
+        </p:nvSpPr>
+        <p:spPr>
+          <a:xfrm>
+            <a:off x="2573312" y="3563327"/>
+            <a:ext cx="389713" cy="398396"/>
+          </a:xfrm>
+          <a:prstGeom prst="ellipse">
+            <a:avLst/>
+          </a:prstGeom>
+        </p:spPr>
+        <p:style>
+          <a:lnRef idx="2">
+            <a:schemeClr val="accent1">
+              <a:shade val="50000"/>
+            </a:schemeClr>
+          </a:lnRef>
+          <a:fillRef idx="1">
+            <a:schemeClr val="accent1"/>
+          </a:fillRef>
+          <a:effectRef idx="0">
+            <a:schemeClr val="accent1"/>
+          </a:effectRef>
+          <a:fontRef idx="minor">
+            <a:schemeClr val="lt1"/>
+          </a:fontRef>
+        </p:style>
+        <p:txBody>
+          <a:bodyPr rtlCol="0" anchor="ctr"/>
+          <a:lstStyle/>
+          <a:p>
+            <a:pPr algn="ctr"/>
+            <a:r>
+              <a:rPr lang="nl-NL" dirty="0"/>
+              <a:t>L</a:t>
+            </a:r>
+          </a:p>
+        </p:txBody>
+      </p:sp>
+      <p:sp>
+        <p:nvSpPr>
+          <p:cNvPr id="76" name="Ovaal 75">
+            <a:extLst>
+              <a:ext uri="{FF2B5EF4-FFF2-40B4-BE49-F238E27FC236}">
+                <a16:creationId xmlns:a16="http://schemas.microsoft.com/office/drawing/2014/main" id="{8414EBDE-4947-C946-B01F-85E0D0AE3783}"/>
+              </a:ext>
+            </a:extLst>
+          </p:cNvPr>
+          <p:cNvSpPr>
+            <a:spLocks noChangeAspect="1"/>
+          </p:cNvSpPr>
+          <p:nvPr/>
+        </p:nvSpPr>
+        <p:spPr>
+          <a:xfrm>
+            <a:off x="2572916" y="4399465"/>
+            <a:ext cx="389713" cy="398396"/>
+          </a:xfrm>
+          <a:prstGeom prst="ellipse">
+            <a:avLst/>
+          </a:prstGeom>
+        </p:spPr>
+        <p:style>
+          <a:lnRef idx="2">
+            <a:schemeClr val="accent1">
+              <a:shade val="50000"/>
+            </a:schemeClr>
+          </a:lnRef>
+          <a:fillRef idx="1">
+            <a:schemeClr val="accent1"/>
+          </a:fillRef>
+          <a:effectRef idx="0">
+            <a:schemeClr val="accent1"/>
+          </a:effectRef>
+          <a:fontRef idx="minor">
+            <a:schemeClr val="lt1"/>
+          </a:fontRef>
+        </p:style>
+        <p:txBody>
+          <a:bodyPr rtlCol="0" anchor="ctr"/>
+          <a:lstStyle/>
+          <a:p>
+            <a:pPr algn="ctr"/>
+            <a:r>
+              <a:rPr lang="nl-NL" dirty="0"/>
+              <a:t>S</a:t>
+            </a:r>
+          </a:p>
+        </p:txBody>
+      </p:sp>
+      <p:sp>
+        <p:nvSpPr>
+          <p:cNvPr id="77" name="Ovaal 76">
+            <a:extLst>
+              <a:ext uri="{FF2B5EF4-FFF2-40B4-BE49-F238E27FC236}">
+                <a16:creationId xmlns:a16="http://schemas.microsoft.com/office/drawing/2014/main" id="{CB42F133-8156-AF4C-A8AB-320A4FBCD910}"/>
+              </a:ext>
+            </a:extLst>
+          </p:cNvPr>
+          <p:cNvSpPr>
+            <a:spLocks noChangeAspect="1"/>
+          </p:cNvSpPr>
+          <p:nvPr/>
+        </p:nvSpPr>
+        <p:spPr>
+          <a:xfrm>
+            <a:off x="3951644" y="3974838"/>
+            <a:ext cx="389713" cy="398396"/>
+          </a:xfrm>
+          <a:prstGeom prst="ellipse">
+            <a:avLst/>
+          </a:prstGeom>
+        </p:spPr>
+        <p:style>
+          <a:lnRef idx="2">
+            <a:schemeClr val="accent1">
+              <a:shade val="50000"/>
+            </a:schemeClr>
+          </a:lnRef>
+          <a:fillRef idx="1">
+            <a:schemeClr val="accent1"/>
+          </a:fillRef>
+          <a:effectRef idx="0">
+            <a:schemeClr val="accent1"/>
+          </a:effectRef>
+          <a:fontRef idx="minor">
+            <a:schemeClr val="lt1"/>
+          </a:fontRef>
+        </p:style>
+        <p:txBody>
+          <a:bodyPr rtlCol="0" anchor="ctr"/>
+          <a:lstStyle/>
+          <a:p>
+            <a:pPr algn="ctr"/>
+            <a:r>
+              <a:rPr lang="nl-NL" dirty="0"/>
+              <a:t>R</a:t>
+            </a:r>
+          </a:p>
+        </p:txBody>
+      </p:sp>
+      <p:sp>
+        <p:nvSpPr>
+          <p:cNvPr id="78" name="Ovaal 77">
+            <a:extLst>
+              <a:ext uri="{FF2B5EF4-FFF2-40B4-BE49-F238E27FC236}">
+                <a16:creationId xmlns:a16="http://schemas.microsoft.com/office/drawing/2014/main" id="{CA87FD14-9B66-EA41-8F3E-CD54A5E39A24}"/>
+              </a:ext>
+            </a:extLst>
+          </p:cNvPr>
+          <p:cNvSpPr>
+            <a:spLocks noChangeAspect="1"/>
+          </p:cNvSpPr>
+          <p:nvPr/>
+        </p:nvSpPr>
+        <p:spPr>
+          <a:xfrm>
+            <a:off x="3952040" y="3563327"/>
+            <a:ext cx="389713" cy="398396"/>
+          </a:xfrm>
+          <a:prstGeom prst="ellipse">
+            <a:avLst/>
+          </a:prstGeom>
+        </p:spPr>
+        <p:style>
+          <a:lnRef idx="2">
+            <a:schemeClr val="accent1">
+              <a:shade val="50000"/>
+            </a:schemeClr>
+          </a:lnRef>
+          <a:fillRef idx="1">
+            <a:schemeClr val="accent1"/>
+          </a:fillRef>
+          <a:effectRef idx="0">
+            <a:schemeClr val="accent1"/>
+          </a:effectRef>
+          <a:fontRef idx="minor">
+            <a:schemeClr val="lt1"/>
+          </a:fontRef>
+        </p:style>
+        <p:txBody>
+          <a:bodyPr rtlCol="0" anchor="ctr"/>
+          <a:lstStyle/>
+          <a:p>
+            <a:pPr algn="ctr"/>
+            <a:r>
+              <a:rPr lang="nl-NL" dirty="0"/>
+              <a:t>L</a:t>
+            </a:r>
+          </a:p>
+        </p:txBody>
+      </p:sp>
+      <p:sp>
+        <p:nvSpPr>
+          <p:cNvPr id="79" name="Ovaal 78">
+            <a:extLst>
+              <a:ext uri="{FF2B5EF4-FFF2-40B4-BE49-F238E27FC236}">
+                <a16:creationId xmlns:a16="http://schemas.microsoft.com/office/drawing/2014/main" id="{6BD0B3CE-549A-4A4B-A385-6D1EDB6DC0D3}"/>
+              </a:ext>
+            </a:extLst>
+          </p:cNvPr>
+          <p:cNvSpPr>
+            <a:spLocks noChangeAspect="1"/>
+          </p:cNvSpPr>
+          <p:nvPr/>
+        </p:nvSpPr>
+        <p:spPr>
+          <a:xfrm>
+            <a:off x="3951644" y="4399465"/>
+            <a:ext cx="389713" cy="398396"/>
+          </a:xfrm>
+          <a:prstGeom prst="ellipse">
+            <a:avLst/>
+          </a:prstGeom>
+        </p:spPr>
+        <p:style>
+          <a:lnRef idx="2">
+            <a:schemeClr val="accent1">
+              <a:shade val="50000"/>
+            </a:schemeClr>
+          </a:lnRef>
+          <a:fillRef idx="1">
+            <a:schemeClr val="accent1"/>
+          </a:fillRef>
+          <a:effectRef idx="0">
+            <a:schemeClr val="accent1"/>
+          </a:effectRef>
+          <a:fontRef idx="minor">
+            <a:schemeClr val="lt1"/>
+          </a:fontRef>
+        </p:style>
+        <p:txBody>
+          <a:bodyPr rtlCol="0" anchor="ctr"/>
+          <a:lstStyle/>
+          <a:p>
+            <a:pPr algn="ctr"/>
+            <a:r>
+              <a:rPr lang="nl-NL" dirty="0"/>
+              <a:t>S</a:t>
+            </a:r>
+          </a:p>
+        </p:txBody>
+      </p:sp>
+      <p:sp>
+        <p:nvSpPr>
+          <p:cNvPr id="80" name="Ovaal 79">
+            <a:extLst>
+              <a:ext uri="{FF2B5EF4-FFF2-40B4-BE49-F238E27FC236}">
+                <a16:creationId xmlns:a16="http://schemas.microsoft.com/office/drawing/2014/main" id="{2BBDAD72-CB9E-C148-B271-558BC3464E30}"/>
+              </a:ext>
+            </a:extLst>
+          </p:cNvPr>
+          <p:cNvSpPr>
+            <a:spLocks noChangeAspect="1"/>
+          </p:cNvSpPr>
+          <p:nvPr/>
+        </p:nvSpPr>
+        <p:spPr>
+          <a:xfrm>
+            <a:off x="4493812" y="3987953"/>
+            <a:ext cx="389713" cy="398396"/>
+          </a:xfrm>
+          <a:prstGeom prst="ellipse">
+            <a:avLst/>
+          </a:prstGeom>
+        </p:spPr>
+        <p:style>
+          <a:lnRef idx="2">
+            <a:schemeClr val="accent1">
+              <a:shade val="50000"/>
+            </a:schemeClr>
+          </a:lnRef>
+          <a:fillRef idx="1">
+            <a:schemeClr val="accent1"/>
+          </a:fillRef>
+          <a:effectRef idx="0">
+            <a:schemeClr val="accent1"/>
+          </a:effectRef>
+          <a:fontRef idx="minor">
+            <a:schemeClr val="lt1"/>
+          </a:fontRef>
+        </p:style>
+        <p:txBody>
+          <a:bodyPr rtlCol="0" anchor="ctr"/>
+          <a:lstStyle/>
+          <a:p>
+            <a:pPr algn="ctr"/>
+            <a:r>
+              <a:rPr lang="nl-NL" dirty="0"/>
+              <a:t>R</a:t>
+            </a:r>
+          </a:p>
+        </p:txBody>
+      </p:sp>
+      <p:sp>
+        <p:nvSpPr>
+          <p:cNvPr id="81" name="Ovaal 80">
+            <a:extLst>
+              <a:ext uri="{FF2B5EF4-FFF2-40B4-BE49-F238E27FC236}">
+                <a16:creationId xmlns:a16="http://schemas.microsoft.com/office/drawing/2014/main" id="{CAF90D7C-96D3-D742-8107-AD9C8DF2A1F1}"/>
+              </a:ext>
+            </a:extLst>
+          </p:cNvPr>
+          <p:cNvSpPr>
+            <a:spLocks noChangeAspect="1"/>
+          </p:cNvSpPr>
+          <p:nvPr/>
+        </p:nvSpPr>
+        <p:spPr>
+          <a:xfrm>
+            <a:off x="4494208" y="3576442"/>
+            <a:ext cx="389713" cy="398396"/>
+          </a:xfrm>
+          <a:prstGeom prst="ellipse">
+            <a:avLst/>
+          </a:prstGeom>
+        </p:spPr>
+        <p:style>
+          <a:lnRef idx="2">
+            <a:schemeClr val="accent1">
+              <a:shade val="50000"/>
+            </a:schemeClr>
+          </a:lnRef>
+          <a:fillRef idx="1">
+            <a:schemeClr val="accent1"/>
+          </a:fillRef>
+          <a:effectRef idx="0">
+            <a:schemeClr val="accent1"/>
+          </a:effectRef>
+          <a:fontRef idx="minor">
+            <a:schemeClr val="lt1"/>
+          </a:fontRef>
+        </p:style>
+        <p:txBody>
+          <a:bodyPr rtlCol="0" anchor="ctr"/>
+          <a:lstStyle/>
+          <a:p>
+            <a:pPr algn="ctr"/>
+            <a:r>
+              <a:rPr lang="nl-NL" dirty="0"/>
+              <a:t>L</a:t>
+            </a:r>
+          </a:p>
+        </p:txBody>
+      </p:sp>
+      <p:sp>
+        <p:nvSpPr>
+          <p:cNvPr id="82" name="Ovaal 81">
+            <a:extLst>
+              <a:ext uri="{FF2B5EF4-FFF2-40B4-BE49-F238E27FC236}">
+                <a16:creationId xmlns:a16="http://schemas.microsoft.com/office/drawing/2014/main" id="{C17A4D89-C6C4-1D43-A979-41B1F3CDD78E}"/>
+              </a:ext>
+            </a:extLst>
+          </p:cNvPr>
+          <p:cNvSpPr>
+            <a:spLocks noChangeAspect="1"/>
+          </p:cNvSpPr>
+          <p:nvPr/>
+        </p:nvSpPr>
+        <p:spPr>
+          <a:xfrm>
+            <a:off x="4493812" y="4412580"/>
+            <a:ext cx="389713" cy="398396"/>
+          </a:xfrm>
+          <a:prstGeom prst="ellipse">
+            <a:avLst/>
+          </a:prstGeom>
+        </p:spPr>
+        <p:style>
+          <a:lnRef idx="2">
+            <a:schemeClr val="accent1">
+              <a:shade val="50000"/>
+            </a:schemeClr>
+          </a:lnRef>
+          <a:fillRef idx="1">
+            <a:schemeClr val="accent1"/>
+          </a:fillRef>
+          <a:effectRef idx="0">
+            <a:schemeClr val="accent1"/>
+          </a:effectRef>
+          <a:fontRef idx="minor">
+            <a:schemeClr val="lt1"/>
+          </a:fontRef>
+        </p:style>
+        <p:txBody>
+          <a:bodyPr rtlCol="0" anchor="ctr"/>
+          <a:lstStyle/>
+          <a:p>
+            <a:pPr algn="ctr"/>
+            <a:r>
+              <a:rPr lang="nl-NL" dirty="0"/>
+              <a:t>S</a:t>
+            </a:r>
+          </a:p>
+        </p:txBody>
+      </p:sp>
+      <p:sp>
+        <p:nvSpPr>
+          <p:cNvPr id="83" name="Ovaal 82">
+            <a:extLst>
+              <a:ext uri="{FF2B5EF4-FFF2-40B4-BE49-F238E27FC236}">
+                <a16:creationId xmlns:a16="http://schemas.microsoft.com/office/drawing/2014/main" id="{24DC1943-F913-494B-A469-8CBEDE8FB13E}"/>
+              </a:ext>
+            </a:extLst>
+          </p:cNvPr>
+          <p:cNvSpPr>
+            <a:spLocks noChangeAspect="1"/>
+          </p:cNvSpPr>
+          <p:nvPr/>
+        </p:nvSpPr>
+        <p:spPr>
+          <a:xfrm>
+            <a:off x="5079306" y="4001068"/>
+            <a:ext cx="389713" cy="398396"/>
+          </a:xfrm>
+          <a:prstGeom prst="ellipse">
+            <a:avLst/>
+          </a:prstGeom>
+        </p:spPr>
+        <p:style>
+          <a:lnRef idx="2">
+            <a:schemeClr val="accent1">
+              <a:shade val="50000"/>
+            </a:schemeClr>
+          </a:lnRef>
+          <a:fillRef idx="1">
+            <a:schemeClr val="accent1"/>
+          </a:fillRef>
+          <a:effectRef idx="0">
+            <a:schemeClr val="accent1"/>
+          </a:effectRef>
+          <a:fontRef idx="minor">
+            <a:schemeClr val="lt1"/>
+          </a:fontRef>
+        </p:style>
+        <p:txBody>
+          <a:bodyPr rtlCol="0" anchor="ctr"/>
+          <a:lstStyle/>
+          <a:p>
+            <a:pPr algn="ctr"/>
+            <a:r>
+              <a:rPr lang="nl-NL" dirty="0"/>
+              <a:t>R</a:t>
+            </a:r>
+          </a:p>
+        </p:txBody>
+      </p:sp>
+      <p:sp>
+        <p:nvSpPr>
+          <p:cNvPr id="84" name="Ovaal 83">
+            <a:extLst>
+              <a:ext uri="{FF2B5EF4-FFF2-40B4-BE49-F238E27FC236}">
+                <a16:creationId xmlns:a16="http://schemas.microsoft.com/office/drawing/2014/main" id="{0FEE3C8A-9FA1-5944-A115-A4138CA71297}"/>
+              </a:ext>
+            </a:extLst>
+          </p:cNvPr>
+          <p:cNvSpPr>
+            <a:spLocks noChangeAspect="1"/>
+          </p:cNvSpPr>
+          <p:nvPr/>
+        </p:nvSpPr>
+        <p:spPr>
+          <a:xfrm>
+            <a:off x="5079702" y="3589557"/>
+            <a:ext cx="389713" cy="398396"/>
+          </a:xfrm>
+          <a:prstGeom prst="ellipse">
+            <a:avLst/>
+          </a:prstGeom>
+        </p:spPr>
+        <p:style>
+          <a:lnRef idx="2">
+            <a:schemeClr val="accent1">
+              <a:shade val="50000"/>
+            </a:schemeClr>
+          </a:lnRef>
+          <a:fillRef idx="1">
+            <a:schemeClr val="accent1"/>
+          </a:fillRef>
+          <a:effectRef idx="0">
+            <a:schemeClr val="accent1"/>
+          </a:effectRef>
+          <a:fontRef idx="minor">
+            <a:schemeClr val="lt1"/>
+          </a:fontRef>
+        </p:style>
+        <p:txBody>
+          <a:bodyPr rtlCol="0" anchor="ctr"/>
+          <a:lstStyle/>
+          <a:p>
+            <a:pPr algn="ctr"/>
+            <a:r>
+              <a:rPr lang="nl-NL" dirty="0"/>
+              <a:t>L</a:t>
+            </a:r>
+          </a:p>
+        </p:txBody>
+      </p:sp>
+      <p:sp>
+        <p:nvSpPr>
+          <p:cNvPr id="85" name="Ovaal 84">
+            <a:extLst>
+              <a:ext uri="{FF2B5EF4-FFF2-40B4-BE49-F238E27FC236}">
+                <a16:creationId xmlns:a16="http://schemas.microsoft.com/office/drawing/2014/main" id="{E7AB0B71-2A52-3A40-8DE1-EB3858D02CE1}"/>
+              </a:ext>
+            </a:extLst>
+          </p:cNvPr>
+          <p:cNvSpPr>
+            <a:spLocks noChangeAspect="1"/>
+          </p:cNvSpPr>
+          <p:nvPr/>
+        </p:nvSpPr>
+        <p:spPr>
+          <a:xfrm>
+            <a:off x="5079306" y="4425695"/>
+            <a:ext cx="389713" cy="398396"/>
+          </a:xfrm>
+          <a:prstGeom prst="ellipse">
+            <a:avLst/>
+          </a:prstGeom>
+        </p:spPr>
+        <p:style>
+          <a:lnRef idx="2">
+            <a:schemeClr val="accent1">
+              <a:shade val="50000"/>
+            </a:schemeClr>
+          </a:lnRef>
+          <a:fillRef idx="1">
+            <a:schemeClr val="accent1"/>
+          </a:fillRef>
+          <a:effectRef idx="0">
+            <a:schemeClr val="accent1"/>
+          </a:effectRef>
+          <a:fontRef idx="minor">
+            <a:schemeClr val="lt1"/>
+          </a:fontRef>
+        </p:style>
+        <p:txBody>
+          <a:bodyPr rtlCol="0" anchor="ctr"/>
+          <a:lstStyle/>
+          <a:p>
+            <a:pPr algn="ctr"/>
+            <a:r>
+              <a:rPr lang="nl-NL" dirty="0"/>
+              <a:t>S</a:t>
+            </a:r>
+          </a:p>
+        </p:txBody>
+      </p:sp>
+      <p:sp>
+        <p:nvSpPr>
+          <p:cNvPr id="86" name="Ovaal 85">
+            <a:extLst>
+              <a:ext uri="{FF2B5EF4-FFF2-40B4-BE49-F238E27FC236}">
+                <a16:creationId xmlns:a16="http://schemas.microsoft.com/office/drawing/2014/main" id="{78ACE787-34EB-4C4C-9E07-E3495BBCE16E}"/>
+              </a:ext>
+            </a:extLst>
+          </p:cNvPr>
+          <p:cNvSpPr>
+            <a:spLocks noChangeAspect="1"/>
+          </p:cNvSpPr>
+          <p:nvPr/>
+        </p:nvSpPr>
+        <p:spPr>
+          <a:xfrm>
+            <a:off x="6267647" y="3972353"/>
+            <a:ext cx="389713" cy="398396"/>
+          </a:xfrm>
+          <a:prstGeom prst="ellipse">
+            <a:avLst/>
+          </a:prstGeom>
+        </p:spPr>
+        <p:style>
+          <a:lnRef idx="2">
+            <a:schemeClr val="accent1">
+              <a:shade val="50000"/>
+            </a:schemeClr>
+          </a:lnRef>
+          <a:fillRef idx="1">
+            <a:schemeClr val="accent1"/>
+          </a:fillRef>
+          <a:effectRef idx="0">
+            <a:schemeClr val="accent1"/>
+          </a:effectRef>
+          <a:fontRef idx="minor">
+            <a:schemeClr val="lt1"/>
+          </a:fontRef>
+        </p:style>
+        <p:txBody>
+          <a:bodyPr rtlCol="0" anchor="ctr"/>
+          <a:lstStyle/>
+          <a:p>
+            <a:pPr algn="ctr"/>
+            <a:r>
+              <a:rPr lang="nl-NL" dirty="0"/>
+              <a:t>R</a:t>
+            </a:r>
+          </a:p>
+        </p:txBody>
+      </p:sp>
+      <p:sp>
+        <p:nvSpPr>
+          <p:cNvPr id="87" name="Ovaal 86">
+            <a:extLst>
+              <a:ext uri="{FF2B5EF4-FFF2-40B4-BE49-F238E27FC236}">
+                <a16:creationId xmlns:a16="http://schemas.microsoft.com/office/drawing/2014/main" id="{8A702173-58CE-2143-AD74-9E69B576B72D}"/>
+              </a:ext>
+            </a:extLst>
+          </p:cNvPr>
+          <p:cNvSpPr>
+            <a:spLocks noChangeAspect="1"/>
+          </p:cNvSpPr>
+          <p:nvPr/>
+        </p:nvSpPr>
+        <p:spPr>
+          <a:xfrm>
+            <a:off x="6268043" y="3560842"/>
+            <a:ext cx="389713" cy="398396"/>
+          </a:xfrm>
+          <a:prstGeom prst="ellipse">
+            <a:avLst/>
+          </a:prstGeom>
+        </p:spPr>
+        <p:style>
+          <a:lnRef idx="2">
+            <a:schemeClr val="accent1">
+              <a:shade val="50000"/>
+            </a:schemeClr>
+          </a:lnRef>
+          <a:fillRef idx="1">
+            <a:schemeClr val="accent1"/>
+          </a:fillRef>
+          <a:effectRef idx="0">
+            <a:schemeClr val="accent1"/>
+          </a:effectRef>
+          <a:fontRef idx="minor">
+            <a:schemeClr val="lt1"/>
+          </a:fontRef>
+        </p:style>
+        <p:txBody>
+          <a:bodyPr rtlCol="0" anchor="ctr"/>
+          <a:lstStyle/>
+          <a:p>
+            <a:pPr algn="ctr"/>
+            <a:r>
+              <a:rPr lang="nl-NL" dirty="0"/>
+              <a:t>L</a:t>
+            </a:r>
+          </a:p>
+        </p:txBody>
+      </p:sp>
+      <p:sp>
+        <p:nvSpPr>
+          <p:cNvPr id="88" name="Ovaal 87">
+            <a:extLst>
+              <a:ext uri="{FF2B5EF4-FFF2-40B4-BE49-F238E27FC236}">
+                <a16:creationId xmlns:a16="http://schemas.microsoft.com/office/drawing/2014/main" id="{E3310B7A-6640-9C47-946D-7BC3656F5425}"/>
+              </a:ext>
+            </a:extLst>
+          </p:cNvPr>
+          <p:cNvSpPr>
+            <a:spLocks noChangeAspect="1"/>
+          </p:cNvSpPr>
+          <p:nvPr/>
+        </p:nvSpPr>
+        <p:spPr>
+          <a:xfrm>
+            <a:off x="6267647" y="4396980"/>
+            <a:ext cx="389713" cy="398396"/>
+          </a:xfrm>
+          <a:prstGeom prst="ellipse">
+            <a:avLst/>
+          </a:prstGeom>
+        </p:spPr>
+        <p:style>
+          <a:lnRef idx="2">
+            <a:schemeClr val="accent1">
+              <a:shade val="50000"/>
+            </a:schemeClr>
+          </a:lnRef>
+          <a:fillRef idx="1">
+            <a:schemeClr val="accent1"/>
+          </a:fillRef>
+          <a:effectRef idx="0">
+            <a:schemeClr val="accent1"/>
+          </a:effectRef>
+          <a:fontRef idx="minor">
+            <a:schemeClr val="lt1"/>
+          </a:fontRef>
+        </p:style>
+        <p:txBody>
+          <a:bodyPr rtlCol="0" anchor="ctr"/>
+          <a:lstStyle/>
+          <a:p>
+            <a:pPr algn="ctr"/>
+            <a:r>
+              <a:rPr lang="nl-NL" dirty="0"/>
+              <a:t>S</a:t>
+            </a:r>
+          </a:p>
+        </p:txBody>
+      </p:sp>
+      <p:sp>
+        <p:nvSpPr>
+          <p:cNvPr id="89" name="Ovaal 88">
+            <a:extLst>
+              <a:ext uri="{FF2B5EF4-FFF2-40B4-BE49-F238E27FC236}">
+                <a16:creationId xmlns:a16="http://schemas.microsoft.com/office/drawing/2014/main" id="{905936D8-4A28-E049-ADCE-DDB9276A4F53}"/>
+              </a:ext>
+            </a:extLst>
+          </p:cNvPr>
+          <p:cNvSpPr>
+            <a:spLocks noChangeAspect="1"/>
+          </p:cNvSpPr>
+          <p:nvPr/>
+        </p:nvSpPr>
+        <p:spPr>
+          <a:xfrm>
+            <a:off x="6850870" y="3985468"/>
+            <a:ext cx="389713" cy="398396"/>
+          </a:xfrm>
+          <a:prstGeom prst="ellipse">
+            <a:avLst/>
+          </a:prstGeom>
+        </p:spPr>
+        <p:style>
+          <a:lnRef idx="2">
+            <a:schemeClr val="accent1">
+              <a:shade val="50000"/>
+            </a:schemeClr>
+          </a:lnRef>
+          <a:fillRef idx="1">
+            <a:schemeClr val="accent1"/>
+          </a:fillRef>
+          <a:effectRef idx="0">
+            <a:schemeClr val="accent1"/>
+          </a:effectRef>
+          <a:fontRef idx="minor">
+            <a:schemeClr val="lt1"/>
+          </a:fontRef>
+        </p:style>
+        <p:txBody>
+          <a:bodyPr rtlCol="0" anchor="ctr"/>
+          <a:lstStyle/>
+          <a:p>
+            <a:pPr algn="ctr"/>
+            <a:r>
+              <a:rPr lang="nl-NL" dirty="0"/>
+              <a:t>R</a:t>
+            </a:r>
+          </a:p>
+        </p:txBody>
+      </p:sp>
+      <p:sp>
+        <p:nvSpPr>
+          <p:cNvPr id="90" name="Ovaal 89">
+            <a:extLst>
+              <a:ext uri="{FF2B5EF4-FFF2-40B4-BE49-F238E27FC236}">
+                <a16:creationId xmlns:a16="http://schemas.microsoft.com/office/drawing/2014/main" id="{A9F86CE0-6CF8-2B41-B544-EAA46AAA7966}"/>
+              </a:ext>
+            </a:extLst>
+          </p:cNvPr>
+          <p:cNvSpPr>
+            <a:spLocks noChangeAspect="1"/>
+          </p:cNvSpPr>
+          <p:nvPr/>
+        </p:nvSpPr>
+        <p:spPr>
+          <a:xfrm>
+            <a:off x="6851266" y="3573957"/>
+            <a:ext cx="389713" cy="398396"/>
+          </a:xfrm>
+          <a:prstGeom prst="ellipse">
+            <a:avLst/>
+          </a:prstGeom>
+        </p:spPr>
+        <p:style>
+          <a:lnRef idx="2">
+            <a:schemeClr val="accent1">
+              <a:shade val="50000"/>
+            </a:schemeClr>
+          </a:lnRef>
+          <a:fillRef idx="1">
+            <a:schemeClr val="accent1"/>
+          </a:fillRef>
+          <a:effectRef idx="0">
+            <a:schemeClr val="accent1"/>
+          </a:effectRef>
+          <a:fontRef idx="minor">
+            <a:schemeClr val="lt1"/>
+          </a:fontRef>
+        </p:style>
+        <p:txBody>
+          <a:bodyPr rtlCol="0" anchor="ctr"/>
+          <a:lstStyle/>
+          <a:p>
+            <a:pPr algn="ctr"/>
+            <a:r>
+              <a:rPr lang="nl-NL" dirty="0"/>
+              <a:t>L</a:t>
+            </a:r>
+          </a:p>
+        </p:txBody>
+      </p:sp>
+      <p:sp>
+        <p:nvSpPr>
+          <p:cNvPr id="91" name="Ovaal 90">
+            <a:extLst>
+              <a:ext uri="{FF2B5EF4-FFF2-40B4-BE49-F238E27FC236}">
+                <a16:creationId xmlns:a16="http://schemas.microsoft.com/office/drawing/2014/main" id="{BA94EC11-DDDE-BF4E-BA30-B567B767867F}"/>
+              </a:ext>
+            </a:extLst>
+          </p:cNvPr>
+          <p:cNvSpPr>
+            <a:spLocks noChangeAspect="1"/>
+          </p:cNvSpPr>
+          <p:nvPr/>
+        </p:nvSpPr>
+        <p:spPr>
+          <a:xfrm>
+            <a:off x="6850870" y="4410095"/>
+            <a:ext cx="389713" cy="398396"/>
+          </a:xfrm>
+          <a:prstGeom prst="ellipse">
+            <a:avLst/>
+          </a:prstGeom>
+        </p:spPr>
+        <p:style>
+          <a:lnRef idx="2">
+            <a:schemeClr val="accent1">
+              <a:shade val="50000"/>
+            </a:schemeClr>
+          </a:lnRef>
+          <a:fillRef idx="1">
+            <a:schemeClr val="accent1"/>
+          </a:fillRef>
+          <a:effectRef idx="0">
+            <a:schemeClr val="accent1"/>
+          </a:effectRef>
+          <a:fontRef idx="minor">
+            <a:schemeClr val="lt1"/>
+          </a:fontRef>
+        </p:style>
+        <p:txBody>
+          <a:bodyPr rtlCol="0" anchor="ctr"/>
+          <a:lstStyle/>
+          <a:p>
+            <a:pPr algn="ctr"/>
+            <a:r>
+              <a:rPr lang="nl-NL" dirty="0"/>
+              <a:t>S</a:t>
+            </a:r>
+          </a:p>
+        </p:txBody>
+      </p:sp>
+      <p:sp>
+        <p:nvSpPr>
+          <p:cNvPr id="92" name="Ovaal 91">
+            <a:extLst>
+              <a:ext uri="{FF2B5EF4-FFF2-40B4-BE49-F238E27FC236}">
+                <a16:creationId xmlns:a16="http://schemas.microsoft.com/office/drawing/2014/main" id="{DBA82D6C-F680-8E46-9497-1C3E29A7EABC}"/>
+              </a:ext>
+            </a:extLst>
+          </p:cNvPr>
+          <p:cNvSpPr>
+            <a:spLocks noChangeAspect="1"/>
+          </p:cNvSpPr>
+          <p:nvPr/>
+        </p:nvSpPr>
+        <p:spPr>
+          <a:xfrm>
+            <a:off x="7451848" y="3972353"/>
+            <a:ext cx="389713" cy="398396"/>
+          </a:xfrm>
+          <a:prstGeom prst="ellipse">
+            <a:avLst/>
+          </a:prstGeom>
+        </p:spPr>
+        <p:style>
+          <a:lnRef idx="2">
+            <a:schemeClr val="accent1">
+              <a:shade val="50000"/>
+            </a:schemeClr>
+          </a:lnRef>
+          <a:fillRef idx="1">
+            <a:schemeClr val="accent1"/>
+          </a:fillRef>
+          <a:effectRef idx="0">
+            <a:schemeClr val="accent1"/>
+          </a:effectRef>
+          <a:fontRef idx="minor">
+            <a:schemeClr val="lt1"/>
+          </a:fontRef>
+        </p:style>
+        <p:txBody>
+          <a:bodyPr rtlCol="0" anchor="ctr"/>
+          <a:lstStyle/>
+          <a:p>
+            <a:pPr algn="ctr"/>
+            <a:r>
+              <a:rPr lang="nl-NL" dirty="0"/>
+              <a:t>R</a:t>
+            </a:r>
+          </a:p>
+        </p:txBody>
+      </p:sp>
+      <p:sp>
+        <p:nvSpPr>
+          <p:cNvPr id="93" name="Ovaal 92">
+            <a:extLst>
+              <a:ext uri="{FF2B5EF4-FFF2-40B4-BE49-F238E27FC236}">
+                <a16:creationId xmlns:a16="http://schemas.microsoft.com/office/drawing/2014/main" id="{5DB708DB-0539-6C4A-915C-400B64797049}"/>
+              </a:ext>
+            </a:extLst>
+          </p:cNvPr>
+          <p:cNvSpPr>
+            <a:spLocks noChangeAspect="1"/>
+          </p:cNvSpPr>
+          <p:nvPr/>
+        </p:nvSpPr>
+        <p:spPr>
+          <a:xfrm>
+            <a:off x="7452244" y="3560842"/>
+            <a:ext cx="389713" cy="398396"/>
+          </a:xfrm>
+          <a:prstGeom prst="ellipse">
+            <a:avLst/>
+          </a:prstGeom>
+        </p:spPr>
+        <p:style>
+          <a:lnRef idx="2">
+            <a:schemeClr val="accent1">
+              <a:shade val="50000"/>
+            </a:schemeClr>
+          </a:lnRef>
+          <a:fillRef idx="1">
+            <a:schemeClr val="accent1"/>
+          </a:fillRef>
+          <a:effectRef idx="0">
+            <a:schemeClr val="accent1"/>
+          </a:effectRef>
+          <a:fontRef idx="minor">
+            <a:schemeClr val="lt1"/>
+          </a:fontRef>
+        </p:style>
+        <p:txBody>
+          <a:bodyPr rtlCol="0" anchor="ctr"/>
+          <a:lstStyle/>
+          <a:p>
+            <a:pPr algn="ctr"/>
+            <a:r>
+              <a:rPr lang="nl-NL" dirty="0"/>
+              <a:t>L</a:t>
+            </a:r>
+          </a:p>
+        </p:txBody>
+      </p:sp>
+      <p:sp>
+        <p:nvSpPr>
+          <p:cNvPr id="94" name="Ovaal 93">
+            <a:extLst>
+              <a:ext uri="{FF2B5EF4-FFF2-40B4-BE49-F238E27FC236}">
+                <a16:creationId xmlns:a16="http://schemas.microsoft.com/office/drawing/2014/main" id="{1F872304-89A2-4348-8890-6E5C4EC810FB}"/>
+              </a:ext>
+            </a:extLst>
+          </p:cNvPr>
+          <p:cNvSpPr>
+            <a:spLocks noChangeAspect="1"/>
+          </p:cNvSpPr>
+          <p:nvPr/>
+        </p:nvSpPr>
+        <p:spPr>
+          <a:xfrm>
+            <a:off x="7451848" y="4396980"/>
+            <a:ext cx="389713" cy="398396"/>
+          </a:xfrm>
+          <a:prstGeom prst="ellipse">
+            <a:avLst/>
+          </a:prstGeom>
+        </p:spPr>
+        <p:style>
+          <a:lnRef idx="2">
+            <a:schemeClr val="accent1">
+              <a:shade val="50000"/>
+            </a:schemeClr>
+          </a:lnRef>
+          <a:fillRef idx="1">
+            <a:schemeClr val="accent1"/>
+          </a:fillRef>
+          <a:effectRef idx="0">
+            <a:schemeClr val="accent1"/>
+          </a:effectRef>
+          <a:fontRef idx="minor">
+            <a:schemeClr val="lt1"/>
+          </a:fontRef>
+        </p:style>
+        <p:txBody>
+          <a:bodyPr rtlCol="0" anchor="ctr"/>
+          <a:lstStyle/>
+          <a:p>
+            <a:pPr algn="ctr"/>
+            <a:r>
+              <a:rPr lang="nl-NL" dirty="0"/>
+              <a:t>S</a:t>
+            </a:r>
+          </a:p>
+        </p:txBody>
+      </p:sp>
+      <mc:AlternateContent xmlns:mc="http://schemas.openxmlformats.org/markup-compatibility/2006">
+        <mc:Choice xmlns:p14="http://schemas.microsoft.com/office/powerpoint/2010/main" Requires="p14">
+          <p:contentPart p14:bwMode="auto" r:id="rId3">
+            <p14:nvContentPartPr>
+              <p14:cNvPr id="106" name="Inkt 105">
+                <a:extLst>
+                  <a:ext uri="{FF2B5EF4-FFF2-40B4-BE49-F238E27FC236}">
+                    <a16:creationId xmlns:a16="http://schemas.microsoft.com/office/drawing/2014/main" id="{48F65D57-F1D2-B640-BADD-00A048541736}"/>
+                  </a:ext>
+                </a:extLst>
+              </p14:cNvPr>
+              <p14:cNvContentPartPr/>
+              <p14:nvPr/>
+            </p14:nvContentPartPr>
+            <p14:xfrm>
+              <a:off x="6671952" y="1788408"/>
+              <a:ext cx="955800" cy="818280"/>
+            </p14:xfrm>
+          </p:contentPart>
+        </mc:Choice>
+        <mc:Fallback>
+          <p:pic>
+            <p:nvPicPr>
+              <p:cNvPr id="106" name="Inkt 105">
+                <a:extLst>
+                  <a:ext uri="{FF2B5EF4-FFF2-40B4-BE49-F238E27FC236}">
+                    <a16:creationId xmlns:a16="http://schemas.microsoft.com/office/drawing/2014/main" id="{48F65D57-F1D2-B640-BADD-00A048541736}"/>
+                  </a:ext>
+                </a:extLst>
+              </p:cNvPr>
+              <p:cNvPicPr/>
+              <p:nvPr/>
+            </p:nvPicPr>
+            <p:blipFill>
+              <a:blip r:embed="rId4"/>
+              <a:stretch>
+                <a:fillRect/>
+              </a:stretch>
+            </p:blipFill>
+            <p:spPr>
+              <a:xfrm>
+                <a:off x="6656832" y="1773288"/>
+                <a:ext cx="986400" cy="848520"/>
+              </a:xfrm>
+              <a:prstGeom prst="rect">
+                <a:avLst/>
+              </a:prstGeom>
+            </p:spPr>
+          </p:pic>
+        </mc:Fallback>
+      </mc:AlternateContent>
+      <mc:AlternateContent xmlns:mc="http://schemas.openxmlformats.org/markup-compatibility/2006">
+        <mc:Choice xmlns:p14="http://schemas.microsoft.com/office/powerpoint/2010/main" Requires="p14">
+          <p:contentPart p14:bwMode="auto" r:id="rId5">
+            <p14:nvContentPartPr>
+              <p14:cNvPr id="108" name="Inkt 107">
+                <a:extLst>
+                  <a:ext uri="{FF2B5EF4-FFF2-40B4-BE49-F238E27FC236}">
+                    <a16:creationId xmlns:a16="http://schemas.microsoft.com/office/drawing/2014/main" id="{A2DCE9DF-06BA-A445-BA5F-E97AE8683D64}"/>
+                  </a:ext>
+                </a:extLst>
+              </p14:cNvPr>
+              <p14:cNvContentPartPr/>
+              <p14:nvPr/>
+            </p14:nvContentPartPr>
+            <p14:xfrm>
+              <a:off x="5019912" y="1901808"/>
+              <a:ext cx="295560" cy="720000"/>
+            </p14:xfrm>
+          </p:contentPart>
+        </mc:Choice>
+        <mc:Fallback>
+          <p:pic>
+            <p:nvPicPr>
+              <p:cNvPr id="108" name="Inkt 107">
+                <a:extLst>
+                  <a:ext uri="{FF2B5EF4-FFF2-40B4-BE49-F238E27FC236}">
+                    <a16:creationId xmlns:a16="http://schemas.microsoft.com/office/drawing/2014/main" id="{A2DCE9DF-06BA-A445-BA5F-E97AE8683D64}"/>
+                  </a:ext>
+                </a:extLst>
+              </p:cNvPr>
+              <p:cNvPicPr/>
+              <p:nvPr/>
+            </p:nvPicPr>
+            <p:blipFill>
+              <a:blip r:embed="rId6"/>
+              <a:stretch>
+                <a:fillRect/>
+              </a:stretch>
+            </p:blipFill>
+            <p:spPr>
+              <a:xfrm>
+                <a:off x="5004792" y="1886688"/>
+                <a:ext cx="326160" cy="750600"/>
+              </a:xfrm>
+              <a:prstGeom prst="rect">
+                <a:avLst/>
+              </a:prstGeom>
+            </p:spPr>
+          </p:pic>
+        </mc:Fallback>
+      </mc:AlternateContent>
+      <mc:AlternateContent xmlns:mc="http://schemas.openxmlformats.org/markup-compatibility/2006">
+        <mc:Choice xmlns:p14="http://schemas.microsoft.com/office/powerpoint/2010/main" Requires="p14">
+          <p:contentPart p14:bwMode="auto" r:id="rId7">
+            <p14:nvContentPartPr>
+              <p14:cNvPr id="109" name="Inkt 108">
+                <a:extLst>
+                  <a:ext uri="{FF2B5EF4-FFF2-40B4-BE49-F238E27FC236}">
+                    <a16:creationId xmlns:a16="http://schemas.microsoft.com/office/drawing/2014/main" id="{C946C0F7-D2E5-BF4D-B2C1-5C11A295D4A2}"/>
+                  </a:ext>
+                </a:extLst>
+              </p14:cNvPr>
+              <p14:cNvContentPartPr/>
+              <p14:nvPr/>
+            </p14:nvContentPartPr>
+            <p14:xfrm>
+              <a:off x="4753872" y="1961928"/>
+              <a:ext cx="110880" cy="624960"/>
+            </p14:xfrm>
+          </p:contentPart>
+        </mc:Choice>
+        <mc:Fallback>
+          <p:pic>
+            <p:nvPicPr>
+              <p:cNvPr id="109" name="Inkt 108">
+                <a:extLst>
+                  <a:ext uri="{FF2B5EF4-FFF2-40B4-BE49-F238E27FC236}">
+                    <a16:creationId xmlns:a16="http://schemas.microsoft.com/office/drawing/2014/main" id="{C946C0F7-D2E5-BF4D-B2C1-5C11A295D4A2}"/>
+                  </a:ext>
+                </a:extLst>
+              </p:cNvPr>
+              <p:cNvPicPr/>
+              <p:nvPr/>
+            </p:nvPicPr>
+            <p:blipFill>
+              <a:blip r:embed="rId8"/>
+              <a:stretch>
+                <a:fillRect/>
+              </a:stretch>
+            </p:blipFill>
+            <p:spPr>
+              <a:xfrm>
+                <a:off x="4738392" y="1946808"/>
+                <a:ext cx="141480" cy="655200"/>
+              </a:xfrm>
+              <a:prstGeom prst="rect">
+                <a:avLst/>
+              </a:prstGeom>
+            </p:spPr>
+          </p:pic>
+        </mc:Fallback>
+      </mc:AlternateContent>
+      <mc:AlternateContent xmlns:mc="http://schemas.openxmlformats.org/markup-compatibility/2006">
+        <mc:Choice xmlns:p14="http://schemas.microsoft.com/office/powerpoint/2010/main" Requires="p14">
+          <p:contentPart p14:bwMode="auto" r:id="rId9">
+            <p14:nvContentPartPr>
+              <p14:cNvPr id="110" name="Inkt 109">
+                <a:extLst>
+                  <a:ext uri="{FF2B5EF4-FFF2-40B4-BE49-F238E27FC236}">
+                    <a16:creationId xmlns:a16="http://schemas.microsoft.com/office/drawing/2014/main" id="{50F45D51-25CA-D54C-AF44-617B3764BDC1}"/>
+                  </a:ext>
+                </a:extLst>
+              </p14:cNvPr>
+              <p14:cNvContentPartPr/>
+              <p14:nvPr/>
+            </p14:nvContentPartPr>
+            <p14:xfrm>
+              <a:off x="4281912" y="1883448"/>
+              <a:ext cx="473400" cy="743040"/>
+            </p14:xfrm>
+          </p:contentPart>
+        </mc:Choice>
+        <mc:Fallback>
+          <p:pic>
+            <p:nvPicPr>
+              <p:cNvPr id="110" name="Inkt 109">
+                <a:extLst>
+                  <a:ext uri="{FF2B5EF4-FFF2-40B4-BE49-F238E27FC236}">
+                    <a16:creationId xmlns:a16="http://schemas.microsoft.com/office/drawing/2014/main" id="{50F45D51-25CA-D54C-AF44-617B3764BDC1}"/>
+                  </a:ext>
+                </a:extLst>
+              </p:cNvPr>
+              <p:cNvPicPr/>
+              <p:nvPr/>
+            </p:nvPicPr>
+            <p:blipFill>
+              <a:blip r:embed="rId10"/>
+              <a:stretch>
+                <a:fillRect/>
+              </a:stretch>
+            </p:blipFill>
+            <p:spPr>
+              <a:xfrm>
+                <a:off x="4266432" y="1868328"/>
+                <a:ext cx="503640" cy="773640"/>
+              </a:xfrm>
+              <a:prstGeom prst="rect">
+                <a:avLst/>
+              </a:prstGeom>
+            </p:spPr>
+          </p:pic>
+        </mc:Fallback>
+      </mc:AlternateContent>
+      <mc:AlternateContent xmlns:mc="http://schemas.openxmlformats.org/markup-compatibility/2006">
+        <mc:Choice xmlns:p14="http://schemas.microsoft.com/office/powerpoint/2010/main" Requires="p14">
+          <p:contentPart p14:bwMode="auto" r:id="rId11">
+            <p14:nvContentPartPr>
+              <p14:cNvPr id="111" name="Inkt 110">
+                <a:extLst>
+                  <a:ext uri="{FF2B5EF4-FFF2-40B4-BE49-F238E27FC236}">
+                    <a16:creationId xmlns:a16="http://schemas.microsoft.com/office/drawing/2014/main" id="{269BF5D1-BDBC-C24E-B3F6-69E63A6A49B5}"/>
+                  </a:ext>
+                </a:extLst>
+              </p14:cNvPr>
+              <p14:cNvContentPartPr/>
+              <p14:nvPr/>
+            </p14:nvContentPartPr>
+            <p14:xfrm>
+              <a:off x="2918232" y="1910808"/>
+              <a:ext cx="300600" cy="736560"/>
+            </p14:xfrm>
+          </p:contentPart>
+        </mc:Choice>
+        <mc:Fallback>
+          <p:pic>
+            <p:nvPicPr>
+              <p:cNvPr id="111" name="Inkt 110">
+                <a:extLst>
+                  <a:ext uri="{FF2B5EF4-FFF2-40B4-BE49-F238E27FC236}">
+                    <a16:creationId xmlns:a16="http://schemas.microsoft.com/office/drawing/2014/main" id="{269BF5D1-BDBC-C24E-B3F6-69E63A6A49B5}"/>
+                  </a:ext>
+                </a:extLst>
+              </p:cNvPr>
+              <p:cNvPicPr/>
+              <p:nvPr/>
+            </p:nvPicPr>
+            <p:blipFill>
+              <a:blip r:embed="rId12"/>
+              <a:stretch>
+                <a:fillRect/>
+              </a:stretch>
+            </p:blipFill>
+            <p:spPr>
+              <a:xfrm>
+                <a:off x="2902752" y="1895688"/>
+                <a:ext cx="331200" cy="766800"/>
+              </a:xfrm>
+              <a:prstGeom prst="rect">
+                <a:avLst/>
+              </a:prstGeom>
+            </p:spPr>
+          </p:pic>
+        </mc:Fallback>
+      </mc:AlternateContent>
+      <mc:AlternateContent xmlns:mc="http://schemas.openxmlformats.org/markup-compatibility/2006">
+        <mc:Choice xmlns:p14="http://schemas.microsoft.com/office/powerpoint/2010/main" Requires="p14">
+          <p:contentPart p14:bwMode="auto" r:id="rId13">
+            <p14:nvContentPartPr>
+              <p14:cNvPr id="112" name="Inkt 111">
+                <a:extLst>
+                  <a:ext uri="{FF2B5EF4-FFF2-40B4-BE49-F238E27FC236}">
+                    <a16:creationId xmlns:a16="http://schemas.microsoft.com/office/drawing/2014/main" id="{0D946EF4-1D67-DA4B-A028-D3F30857D33A}"/>
+                  </a:ext>
+                </a:extLst>
+              </p14:cNvPr>
+              <p14:cNvContentPartPr/>
+              <p14:nvPr/>
+            </p14:nvContentPartPr>
+            <p14:xfrm>
+              <a:off x="2249352" y="1768968"/>
+              <a:ext cx="852840" cy="852120"/>
+            </p14:xfrm>
+          </p:contentPart>
+        </mc:Choice>
+        <mc:Fallback>
+          <p:pic>
+            <p:nvPicPr>
+              <p:cNvPr id="112" name="Inkt 111">
+                <a:extLst>
+                  <a:ext uri="{FF2B5EF4-FFF2-40B4-BE49-F238E27FC236}">
+                    <a16:creationId xmlns:a16="http://schemas.microsoft.com/office/drawing/2014/main" id="{0D946EF4-1D67-DA4B-A028-D3F30857D33A}"/>
+                  </a:ext>
+                </a:extLst>
+              </p:cNvPr>
+              <p:cNvPicPr/>
+              <p:nvPr/>
+            </p:nvPicPr>
+            <p:blipFill>
+              <a:blip r:embed="rId14"/>
+              <a:stretch>
+                <a:fillRect/>
+              </a:stretch>
+            </p:blipFill>
+            <p:spPr>
+              <a:xfrm>
+                <a:off x="2233872" y="1753848"/>
+                <a:ext cx="883440" cy="882360"/>
+              </a:xfrm>
+              <a:prstGeom prst="rect">
+                <a:avLst/>
+              </a:prstGeom>
+            </p:spPr>
+          </p:pic>
+        </mc:Fallback>
+      </mc:AlternateContent>
+      <mc:AlternateContent xmlns:mc="http://schemas.openxmlformats.org/markup-compatibility/2006">
+        <mc:Choice xmlns:p14="http://schemas.microsoft.com/office/powerpoint/2010/main" Requires="p14">
+          <p:contentPart p14:bwMode="auto" r:id="rId15">
+            <p14:nvContentPartPr>
+              <p14:cNvPr id="116" name="Inkt 115">
+                <a:extLst>
+                  <a:ext uri="{FF2B5EF4-FFF2-40B4-BE49-F238E27FC236}">
+                    <a16:creationId xmlns:a16="http://schemas.microsoft.com/office/drawing/2014/main" id="{726C9D47-D94C-E245-956A-06CDD277532A}"/>
+                  </a:ext>
+                </a:extLst>
+              </p14:cNvPr>
+              <p14:cNvContentPartPr/>
+              <p14:nvPr/>
+            </p14:nvContentPartPr>
+            <p14:xfrm>
+              <a:off x="1503432" y="2971728"/>
+              <a:ext cx="68040" cy="606240"/>
+            </p14:xfrm>
+          </p:contentPart>
+        </mc:Choice>
+        <mc:Fallback>
+          <p:pic>
+            <p:nvPicPr>
+              <p:cNvPr id="116" name="Inkt 115">
+                <a:extLst>
+                  <a:ext uri="{FF2B5EF4-FFF2-40B4-BE49-F238E27FC236}">
+                    <a16:creationId xmlns:a16="http://schemas.microsoft.com/office/drawing/2014/main" id="{726C9D47-D94C-E245-956A-06CDD277532A}"/>
+                  </a:ext>
+                </a:extLst>
+              </p:cNvPr>
+              <p:cNvPicPr/>
+              <p:nvPr/>
+            </p:nvPicPr>
+            <p:blipFill>
+              <a:blip r:embed="rId16"/>
+              <a:stretch>
+                <a:fillRect/>
+              </a:stretch>
+            </p:blipFill>
+            <p:spPr>
+              <a:xfrm>
+                <a:off x="1488312" y="2956248"/>
+                <a:ext cx="98640" cy="636840"/>
+              </a:xfrm>
+              <a:prstGeom prst="rect">
+                <a:avLst/>
+              </a:prstGeom>
+            </p:spPr>
+          </p:pic>
+        </mc:Fallback>
+      </mc:AlternateContent>
+      <p:grpSp>
+        <p:nvGrpSpPr>
+          <p:cNvPr id="121" name="Groep 120">
+            <a:extLst>
+              <a:ext uri="{FF2B5EF4-FFF2-40B4-BE49-F238E27FC236}">
+                <a16:creationId xmlns:a16="http://schemas.microsoft.com/office/drawing/2014/main" id="{B79022FA-AE89-4C45-9E21-37D431ADB84F}"/>
+              </a:ext>
+            </a:extLst>
+          </p:cNvPr>
+          <p:cNvGrpSpPr/>
+          <p:nvPr/>
+        </p:nvGrpSpPr>
+        <p:grpSpPr>
+          <a:xfrm>
+            <a:off x="1278792" y="2962368"/>
+            <a:ext cx="1185120" cy="1915560"/>
+            <a:chOff x="1278792" y="2962368"/>
+            <a:chExt cx="1185120" cy="1915560"/>
+          </a:xfrm>
+        </p:grpSpPr>
+        <mc:AlternateContent xmlns:mc="http://schemas.openxmlformats.org/markup-compatibility/2006">
+          <mc:Choice xmlns:p14="http://schemas.microsoft.com/office/powerpoint/2010/main" Requires="p14">
+            <p:contentPart p14:bwMode="auto" r:id="rId17">
+              <p14:nvContentPartPr>
+                <p14:cNvPr id="117" name="Inkt 116">
+                  <a:extLst>
+                    <a:ext uri="{FF2B5EF4-FFF2-40B4-BE49-F238E27FC236}">
+                      <a16:creationId xmlns:a16="http://schemas.microsoft.com/office/drawing/2014/main" id="{C932D147-D9A7-BC42-BA99-BF556CA15477}"/>
+                    </a:ext>
+                  </a:extLst>
+                </p14:cNvPr>
+                <p14:cNvContentPartPr/>
+                <p14:nvPr/>
+              </p14:nvContentPartPr>
+              <p14:xfrm>
+                <a:off x="1278792" y="3502008"/>
+                <a:ext cx="533880" cy="1375920"/>
+              </p14:xfrm>
+            </p:contentPart>
+          </mc:Choice>
+          <mc:Fallback>
+            <p:pic>
+              <p:nvPicPr>
+                <p:cNvPr id="117" name="Inkt 116">
+                  <a:extLst>
+                    <a:ext uri="{FF2B5EF4-FFF2-40B4-BE49-F238E27FC236}">
+                      <a16:creationId xmlns:a16="http://schemas.microsoft.com/office/drawing/2014/main" id="{C932D147-D9A7-BC42-BA99-BF556CA15477}"/>
+                    </a:ext>
+                  </a:extLst>
+                </p:cNvPr>
+                <p:cNvPicPr/>
+                <p:nvPr/>
+              </p:nvPicPr>
+              <p:blipFill>
+                <a:blip r:embed="rId18"/>
+                <a:stretch>
+                  <a:fillRect/>
+                </a:stretch>
+              </p:blipFill>
+              <p:spPr>
+                <a:xfrm>
+                  <a:off x="1263312" y="3486888"/>
+                  <a:ext cx="564480" cy="1406520"/>
+                </a:xfrm>
+                <a:prstGeom prst="rect">
+                  <a:avLst/>
+                </a:prstGeom>
+              </p:spPr>
+            </p:pic>
+          </mc:Fallback>
+        </mc:AlternateContent>
+        <mc:AlternateContent xmlns:mc="http://schemas.openxmlformats.org/markup-compatibility/2006">
+          <mc:Choice xmlns:p14="http://schemas.microsoft.com/office/powerpoint/2010/main" Requires="p14">
+            <p:contentPart p14:bwMode="auto" r:id="rId19">
+              <p14:nvContentPartPr>
+                <p14:cNvPr id="118" name="Inkt 117">
+                  <a:extLst>
+                    <a:ext uri="{FF2B5EF4-FFF2-40B4-BE49-F238E27FC236}">
+                      <a16:creationId xmlns:a16="http://schemas.microsoft.com/office/drawing/2014/main" id="{7E27C7C1-AD76-4348-87E7-B4B0A6AE72A8}"/>
+                    </a:ext>
+                  </a:extLst>
+                </p14:cNvPr>
+                <p14:cNvContentPartPr/>
+                <p14:nvPr/>
+              </p14:nvContentPartPr>
+              <p14:xfrm>
+                <a:off x="2188872" y="2962368"/>
+                <a:ext cx="32040" cy="537840"/>
+              </p14:xfrm>
+            </p:contentPart>
+          </mc:Choice>
+          <mc:Fallback>
+            <p:pic>
+              <p:nvPicPr>
+                <p:cNvPr id="118" name="Inkt 117">
+                  <a:extLst>
+                    <a:ext uri="{FF2B5EF4-FFF2-40B4-BE49-F238E27FC236}">
+                      <a16:creationId xmlns:a16="http://schemas.microsoft.com/office/drawing/2014/main" id="{7E27C7C1-AD76-4348-87E7-B4B0A6AE72A8}"/>
+                    </a:ext>
+                  </a:extLst>
+                </p:cNvPr>
+                <p:cNvPicPr/>
+                <p:nvPr/>
+              </p:nvPicPr>
+              <p:blipFill>
+                <a:blip r:embed="rId20"/>
+                <a:stretch>
+                  <a:fillRect/>
+                </a:stretch>
+              </p:blipFill>
+              <p:spPr>
+                <a:xfrm>
+                  <a:off x="2173752" y="2947248"/>
+                  <a:ext cx="62280" cy="568440"/>
+                </a:xfrm>
+                <a:prstGeom prst="rect">
+                  <a:avLst/>
+                </a:prstGeom>
+              </p:spPr>
+            </p:pic>
+          </mc:Fallback>
+        </mc:AlternateContent>
+        <mc:AlternateContent xmlns:mc="http://schemas.openxmlformats.org/markup-compatibility/2006">
+          <mc:Choice xmlns:p14="http://schemas.microsoft.com/office/powerpoint/2010/main" Requires="p14">
+            <p:contentPart p14:bwMode="auto" r:id="rId21">
+              <p14:nvContentPartPr>
+                <p14:cNvPr id="120" name="Inkt 119">
+                  <a:extLst>
+                    <a:ext uri="{FF2B5EF4-FFF2-40B4-BE49-F238E27FC236}">
+                      <a16:creationId xmlns:a16="http://schemas.microsoft.com/office/drawing/2014/main" id="{7D61FA7E-2D5B-F341-B165-C8C2913450B1}"/>
+                    </a:ext>
+                  </a:extLst>
+                </p14:cNvPr>
+                <p14:cNvContentPartPr/>
+                <p14:nvPr/>
+              </p14:nvContentPartPr>
+              <p14:xfrm>
+                <a:off x="1870632" y="3502008"/>
+                <a:ext cx="593280" cy="1356840"/>
+              </p14:xfrm>
+            </p:contentPart>
+          </mc:Choice>
+          <mc:Fallback>
+            <p:pic>
+              <p:nvPicPr>
+                <p:cNvPr id="120" name="Inkt 119">
+                  <a:extLst>
+                    <a:ext uri="{FF2B5EF4-FFF2-40B4-BE49-F238E27FC236}">
+                      <a16:creationId xmlns:a16="http://schemas.microsoft.com/office/drawing/2014/main" id="{7D61FA7E-2D5B-F341-B165-C8C2913450B1}"/>
+                    </a:ext>
+                  </a:extLst>
+                </p:cNvPr>
+                <p:cNvPicPr/>
+                <p:nvPr/>
+              </p:nvPicPr>
+              <p:blipFill>
+                <a:blip r:embed="rId22"/>
+                <a:stretch>
+                  <a:fillRect/>
+                </a:stretch>
+              </p:blipFill>
+              <p:spPr>
+                <a:xfrm>
+                  <a:off x="1855512" y="3486888"/>
+                  <a:ext cx="623880" cy="1387440"/>
+                </a:xfrm>
+                <a:prstGeom prst="rect">
+                  <a:avLst/>
+                </a:prstGeom>
+              </p:spPr>
+            </p:pic>
+          </mc:Fallback>
+        </mc:AlternateContent>
+      </p:grpSp>
+      <mc:AlternateContent xmlns:mc="http://schemas.openxmlformats.org/markup-compatibility/2006">
+        <mc:Choice xmlns:p14="http://schemas.microsoft.com/office/powerpoint/2010/main" Requires="p14">
+          <p:contentPart p14:bwMode="auto" r:id="rId23">
+            <p14:nvContentPartPr>
+              <p14:cNvPr id="122" name="Inkt 121">
+                <a:extLst>
+                  <a:ext uri="{FF2B5EF4-FFF2-40B4-BE49-F238E27FC236}">
+                    <a16:creationId xmlns:a16="http://schemas.microsoft.com/office/drawing/2014/main" id="{A99127A4-4A16-F443-BF8F-DD53A8303D1D}"/>
+                  </a:ext>
+                </a:extLst>
+              </p14:cNvPr>
+              <p14:cNvContentPartPr/>
+              <p14:nvPr/>
+            </p14:nvContentPartPr>
+            <p14:xfrm>
+              <a:off x="2541672" y="2980728"/>
+              <a:ext cx="473040" cy="1845000"/>
+            </p14:xfrm>
+          </p:contentPart>
+        </mc:Choice>
+        <mc:Fallback>
+          <p:pic>
+            <p:nvPicPr>
+              <p:cNvPr id="122" name="Inkt 121">
+                <a:extLst>
+                  <a:ext uri="{FF2B5EF4-FFF2-40B4-BE49-F238E27FC236}">
+                    <a16:creationId xmlns:a16="http://schemas.microsoft.com/office/drawing/2014/main" id="{A99127A4-4A16-F443-BF8F-DD53A8303D1D}"/>
+                  </a:ext>
+                </a:extLst>
+              </p:cNvPr>
+              <p:cNvPicPr/>
+              <p:nvPr/>
+            </p:nvPicPr>
+            <p:blipFill>
+              <a:blip r:embed="rId24"/>
+              <a:stretch>
+                <a:fillRect/>
+              </a:stretch>
+            </p:blipFill>
+            <p:spPr>
+              <a:xfrm>
+                <a:off x="2526192" y="2965608"/>
+                <a:ext cx="503640" cy="1875240"/>
+              </a:xfrm>
+              <a:prstGeom prst="rect">
+                <a:avLst/>
+              </a:prstGeom>
+            </p:spPr>
+          </p:pic>
+        </mc:Fallback>
+      </mc:AlternateContent>
+      <mc:AlternateContent xmlns:mc="http://schemas.openxmlformats.org/markup-compatibility/2006">
+        <mc:Choice xmlns:p14="http://schemas.microsoft.com/office/powerpoint/2010/main" Requires="p14">
+          <p:contentPart p14:bwMode="auto" r:id="rId25">
+            <p14:nvContentPartPr>
+              <p14:cNvPr id="123" name="Inkt 122">
+                <a:extLst>
+                  <a:ext uri="{FF2B5EF4-FFF2-40B4-BE49-F238E27FC236}">
+                    <a16:creationId xmlns:a16="http://schemas.microsoft.com/office/drawing/2014/main" id="{8A3E49FE-82A0-C54F-AD2E-7F4C904263EB}"/>
+                  </a:ext>
+                </a:extLst>
+              </p14:cNvPr>
+              <p14:cNvContentPartPr/>
+              <p14:nvPr/>
+            </p14:nvContentPartPr>
+            <p14:xfrm>
+              <a:off x="3893832" y="2971728"/>
+              <a:ext cx="517680" cy="1919520"/>
+            </p14:xfrm>
+          </p:contentPart>
+        </mc:Choice>
+        <mc:Fallback>
+          <p:pic>
+            <p:nvPicPr>
+              <p:cNvPr id="123" name="Inkt 122">
+                <a:extLst>
+                  <a:ext uri="{FF2B5EF4-FFF2-40B4-BE49-F238E27FC236}">
+                    <a16:creationId xmlns:a16="http://schemas.microsoft.com/office/drawing/2014/main" id="{8A3E49FE-82A0-C54F-AD2E-7F4C904263EB}"/>
+                  </a:ext>
+                </a:extLst>
+              </p:cNvPr>
+              <p:cNvPicPr/>
+              <p:nvPr/>
+            </p:nvPicPr>
+            <p:blipFill>
+              <a:blip r:embed="rId26"/>
+              <a:stretch>
+                <a:fillRect/>
+              </a:stretch>
+            </p:blipFill>
+            <p:spPr>
+              <a:xfrm>
+                <a:off x="3878352" y="2956248"/>
+                <a:ext cx="548280" cy="1950120"/>
+              </a:xfrm>
+              <a:prstGeom prst="rect">
+                <a:avLst/>
+              </a:prstGeom>
+            </p:spPr>
+          </p:pic>
+        </mc:Fallback>
+      </mc:AlternateContent>
+      <mc:AlternateContent xmlns:mc="http://schemas.openxmlformats.org/markup-compatibility/2006">
+        <mc:Choice xmlns:p14="http://schemas.microsoft.com/office/powerpoint/2010/main" Requires="p14">
+          <p:contentPart p14:bwMode="auto" r:id="rId27">
+            <p14:nvContentPartPr>
+              <p14:cNvPr id="125" name="Inkt 124">
+                <a:extLst>
+                  <a:ext uri="{FF2B5EF4-FFF2-40B4-BE49-F238E27FC236}">
+                    <a16:creationId xmlns:a16="http://schemas.microsoft.com/office/drawing/2014/main" id="{3EF53AB8-F62E-7146-8401-6AB62D2F4FB1}"/>
+                  </a:ext>
+                </a:extLst>
+              </p14:cNvPr>
+              <p14:cNvContentPartPr/>
+              <p14:nvPr/>
+            </p14:nvContentPartPr>
+            <p14:xfrm>
+              <a:off x="4463352" y="2953368"/>
+              <a:ext cx="451440" cy="1951560"/>
+            </p14:xfrm>
+          </p:contentPart>
+        </mc:Choice>
+        <mc:Fallback>
+          <p:pic>
+            <p:nvPicPr>
+              <p:cNvPr id="125" name="Inkt 124">
+                <a:extLst>
+                  <a:ext uri="{FF2B5EF4-FFF2-40B4-BE49-F238E27FC236}">
+                    <a16:creationId xmlns:a16="http://schemas.microsoft.com/office/drawing/2014/main" id="{3EF53AB8-F62E-7146-8401-6AB62D2F4FB1}"/>
+                  </a:ext>
+                </a:extLst>
+              </p:cNvPr>
+              <p:cNvPicPr/>
+              <p:nvPr/>
+            </p:nvPicPr>
+            <p:blipFill>
+              <a:blip r:embed="rId28"/>
+              <a:stretch>
+                <a:fillRect/>
+              </a:stretch>
+            </p:blipFill>
+            <p:spPr>
+              <a:xfrm>
+                <a:off x="4448232" y="2938248"/>
+                <a:ext cx="482040" cy="1982160"/>
+              </a:xfrm>
+              <a:prstGeom prst="rect">
+                <a:avLst/>
+              </a:prstGeom>
+            </p:spPr>
+          </p:pic>
+        </mc:Fallback>
+      </mc:AlternateContent>
+      <mc:AlternateContent xmlns:mc="http://schemas.openxmlformats.org/markup-compatibility/2006">
+        <mc:Choice xmlns:p14="http://schemas.microsoft.com/office/powerpoint/2010/main" Requires="p14">
+          <p:contentPart p14:bwMode="auto" r:id="rId29">
+            <p14:nvContentPartPr>
+              <p14:cNvPr id="126" name="Inkt 125">
+                <a:extLst>
+                  <a:ext uri="{FF2B5EF4-FFF2-40B4-BE49-F238E27FC236}">
+                    <a16:creationId xmlns:a16="http://schemas.microsoft.com/office/drawing/2014/main" id="{185A55C7-66E6-FE4A-A1F9-FAC74AB41F2F}"/>
+                  </a:ext>
+                </a:extLst>
+              </p14:cNvPr>
+              <p14:cNvContentPartPr/>
+              <p14:nvPr/>
+            </p14:nvContentPartPr>
+            <p14:xfrm>
+              <a:off x="5016312" y="2989728"/>
+              <a:ext cx="527040" cy="1908360"/>
+            </p14:xfrm>
+          </p:contentPart>
+        </mc:Choice>
+        <mc:Fallback>
+          <p:pic>
+            <p:nvPicPr>
+              <p:cNvPr id="126" name="Inkt 125">
+                <a:extLst>
+                  <a:ext uri="{FF2B5EF4-FFF2-40B4-BE49-F238E27FC236}">
+                    <a16:creationId xmlns:a16="http://schemas.microsoft.com/office/drawing/2014/main" id="{185A55C7-66E6-FE4A-A1F9-FAC74AB41F2F}"/>
+                  </a:ext>
+                </a:extLst>
+              </p:cNvPr>
+              <p:cNvPicPr/>
+              <p:nvPr/>
+            </p:nvPicPr>
+            <p:blipFill>
+              <a:blip r:embed="rId30"/>
+              <a:stretch>
+                <a:fillRect/>
+              </a:stretch>
+            </p:blipFill>
+            <p:spPr>
+              <a:xfrm>
+                <a:off x="5001192" y="2974248"/>
+                <a:ext cx="557640" cy="1938960"/>
+              </a:xfrm>
+              <a:prstGeom prst="rect">
+                <a:avLst/>
+              </a:prstGeom>
+            </p:spPr>
+          </p:pic>
+        </mc:Fallback>
+      </mc:AlternateContent>
+      <mc:AlternateContent xmlns:mc="http://schemas.openxmlformats.org/markup-compatibility/2006">
+        <mc:Choice xmlns:p14="http://schemas.microsoft.com/office/powerpoint/2010/main" Requires="p14">
+          <p:contentPart p14:bwMode="auto" r:id="rId31">
+            <p14:nvContentPartPr>
+              <p14:cNvPr id="127" name="Inkt 126">
+                <a:extLst>
+                  <a:ext uri="{FF2B5EF4-FFF2-40B4-BE49-F238E27FC236}">
+                    <a16:creationId xmlns:a16="http://schemas.microsoft.com/office/drawing/2014/main" id="{1AED4774-F956-4743-B12A-FE52FA62662C}"/>
+                  </a:ext>
+                </a:extLst>
+              </p14:cNvPr>
+              <p14:cNvContentPartPr/>
+              <p14:nvPr/>
+            </p14:nvContentPartPr>
+            <p14:xfrm>
+              <a:off x="6206832" y="2980728"/>
+              <a:ext cx="473040" cy="1803960"/>
+            </p14:xfrm>
+          </p:contentPart>
+        </mc:Choice>
+        <mc:Fallback>
+          <p:pic>
+            <p:nvPicPr>
+              <p:cNvPr id="127" name="Inkt 126">
+                <a:extLst>
+                  <a:ext uri="{FF2B5EF4-FFF2-40B4-BE49-F238E27FC236}">
+                    <a16:creationId xmlns:a16="http://schemas.microsoft.com/office/drawing/2014/main" id="{1AED4774-F956-4743-B12A-FE52FA62662C}"/>
+                  </a:ext>
+                </a:extLst>
+              </p:cNvPr>
+              <p:cNvPicPr/>
+              <p:nvPr/>
+            </p:nvPicPr>
+            <p:blipFill>
+              <a:blip r:embed="rId32"/>
+              <a:stretch>
+                <a:fillRect/>
+              </a:stretch>
+            </p:blipFill>
+            <p:spPr>
+              <a:xfrm>
+                <a:off x="6191712" y="2965608"/>
+                <a:ext cx="503640" cy="1834560"/>
+              </a:xfrm>
+              <a:prstGeom prst="rect">
+                <a:avLst/>
+              </a:prstGeom>
+            </p:spPr>
+          </p:pic>
+        </mc:Fallback>
+      </mc:AlternateContent>
+      <mc:AlternateContent xmlns:mc="http://schemas.openxmlformats.org/markup-compatibility/2006">
+        <mc:Choice xmlns:p14="http://schemas.microsoft.com/office/powerpoint/2010/main" Requires="p14">
+          <p:contentPart p14:bwMode="auto" r:id="rId33">
+            <p14:nvContentPartPr>
+              <p14:cNvPr id="129" name="Inkt 128">
+                <a:extLst>
+                  <a:ext uri="{FF2B5EF4-FFF2-40B4-BE49-F238E27FC236}">
+                    <a16:creationId xmlns:a16="http://schemas.microsoft.com/office/drawing/2014/main" id="{28AC5A7C-1928-1746-A057-F7CBBF138469}"/>
+                  </a:ext>
+                </a:extLst>
+              </p14:cNvPr>
+              <p14:cNvContentPartPr/>
+              <p14:nvPr/>
+            </p14:nvContentPartPr>
+            <p14:xfrm>
+              <a:off x="6806592" y="2971728"/>
+              <a:ext cx="462240" cy="1847160"/>
+            </p14:xfrm>
+          </p:contentPart>
+        </mc:Choice>
+        <mc:Fallback>
+          <p:pic>
+            <p:nvPicPr>
+              <p:cNvPr id="129" name="Inkt 128">
+                <a:extLst>
+                  <a:ext uri="{FF2B5EF4-FFF2-40B4-BE49-F238E27FC236}">
+                    <a16:creationId xmlns:a16="http://schemas.microsoft.com/office/drawing/2014/main" id="{28AC5A7C-1928-1746-A057-F7CBBF138469}"/>
+                  </a:ext>
+                </a:extLst>
+              </p:cNvPr>
+              <p:cNvPicPr/>
+              <p:nvPr/>
+            </p:nvPicPr>
+            <p:blipFill>
+              <a:blip r:embed="rId34"/>
+              <a:stretch>
+                <a:fillRect/>
+              </a:stretch>
+            </p:blipFill>
+            <p:spPr>
+              <a:xfrm>
+                <a:off x="6791472" y="2956248"/>
+                <a:ext cx="492840" cy="1877760"/>
+              </a:xfrm>
+              <a:prstGeom prst="rect">
+                <a:avLst/>
+              </a:prstGeom>
+            </p:spPr>
+          </p:pic>
+        </mc:Fallback>
+      </mc:AlternateContent>
+      <mc:AlternateContent xmlns:mc="http://schemas.openxmlformats.org/markup-compatibility/2006">
+        <mc:Choice xmlns:p14="http://schemas.microsoft.com/office/powerpoint/2010/main" Requires="p14">
+          <p:contentPart p14:bwMode="auto" r:id="rId35">
+            <p14:nvContentPartPr>
+              <p14:cNvPr id="131" name="Inkt 130">
+                <a:extLst>
+                  <a:ext uri="{FF2B5EF4-FFF2-40B4-BE49-F238E27FC236}">
+                    <a16:creationId xmlns:a16="http://schemas.microsoft.com/office/drawing/2014/main" id="{AEE5B454-6AE0-7D45-8B82-80AE4138C261}"/>
+                  </a:ext>
+                </a:extLst>
+              </p14:cNvPr>
+              <p14:cNvContentPartPr/>
+              <p14:nvPr/>
+            </p14:nvContentPartPr>
+            <p14:xfrm>
+              <a:off x="7404912" y="2980728"/>
+              <a:ext cx="502560" cy="1834200"/>
+            </p14:xfrm>
+          </p:contentPart>
+        </mc:Choice>
+        <mc:Fallback>
+          <p:pic>
+            <p:nvPicPr>
+              <p:cNvPr id="131" name="Inkt 130">
+                <a:extLst>
+                  <a:ext uri="{FF2B5EF4-FFF2-40B4-BE49-F238E27FC236}">
+                    <a16:creationId xmlns:a16="http://schemas.microsoft.com/office/drawing/2014/main" id="{AEE5B454-6AE0-7D45-8B82-80AE4138C261}"/>
+                  </a:ext>
+                </a:extLst>
+              </p:cNvPr>
+              <p:cNvPicPr/>
+              <p:nvPr/>
+            </p:nvPicPr>
+            <p:blipFill>
+              <a:blip r:embed="rId36"/>
+              <a:stretch>
+                <a:fillRect/>
+              </a:stretch>
+            </p:blipFill>
+            <p:spPr>
+              <a:xfrm>
+                <a:off x="7389792" y="2965608"/>
+                <a:ext cx="532800" cy="1864800"/>
+              </a:xfrm>
+              <a:prstGeom prst="rect">
+                <a:avLst/>
+              </a:prstGeom>
+            </p:spPr>
+          </p:pic>
+        </mc:Fallback>
+      </mc:AlternateContent>
+      <mc:AlternateContent xmlns:mc="http://schemas.openxmlformats.org/markup-compatibility/2006">
+        <mc:Choice xmlns:p14="http://schemas.microsoft.com/office/powerpoint/2010/main" Requires="p14">
+          <p:contentPart p14:bwMode="auto" r:id="rId37">
+            <p14:nvContentPartPr>
+              <p14:cNvPr id="132" name="Inkt 131">
+                <a:extLst>
+                  <a:ext uri="{FF2B5EF4-FFF2-40B4-BE49-F238E27FC236}">
+                    <a16:creationId xmlns:a16="http://schemas.microsoft.com/office/drawing/2014/main" id="{81E5BF87-6AB7-064D-B513-39EE7DABB7B3}"/>
+                  </a:ext>
+                </a:extLst>
+              </p14:cNvPr>
+              <p14:cNvContentPartPr/>
+              <p14:nvPr/>
+            </p14:nvContentPartPr>
+            <p14:xfrm>
+              <a:off x="1711512" y="1636488"/>
+              <a:ext cx="1473120" cy="954360"/>
+            </p14:xfrm>
+          </p:contentPart>
+        </mc:Choice>
+        <mc:Fallback>
+          <p:pic>
+            <p:nvPicPr>
+              <p:cNvPr id="132" name="Inkt 131">
+                <a:extLst>
+                  <a:ext uri="{FF2B5EF4-FFF2-40B4-BE49-F238E27FC236}">
+                    <a16:creationId xmlns:a16="http://schemas.microsoft.com/office/drawing/2014/main" id="{81E5BF87-6AB7-064D-B513-39EE7DABB7B3}"/>
+                  </a:ext>
+                </a:extLst>
+              </p:cNvPr>
+              <p:cNvPicPr/>
+              <p:nvPr/>
+            </p:nvPicPr>
+            <p:blipFill>
+              <a:blip r:embed="rId38"/>
+              <a:stretch>
+                <a:fillRect/>
+              </a:stretch>
+            </p:blipFill>
+            <p:spPr>
+              <a:xfrm>
+                <a:off x="1696392" y="1621368"/>
+                <a:ext cx="1503360" cy="984960"/>
+              </a:xfrm>
+              <a:prstGeom prst="rect">
+                <a:avLst/>
+              </a:prstGeom>
+            </p:spPr>
+          </p:pic>
+        </mc:Fallback>
+      </mc:AlternateContent>
+      <mc:AlternateContent xmlns:mc="http://schemas.openxmlformats.org/markup-compatibility/2006">
+        <mc:Choice xmlns:a14="http://schemas.microsoft.com/office/drawing/2010/main" Requires="a14">
+          <p:sp>
+            <p:nvSpPr>
+              <p:cNvPr id="133" name="Tekstvak 132">
+                <a:extLst>
+                  <a:ext uri="{FF2B5EF4-FFF2-40B4-BE49-F238E27FC236}">
+                    <a16:creationId xmlns:a16="http://schemas.microsoft.com/office/drawing/2014/main" id="{B9867C73-8959-D941-9E4C-1C597D51A708}"/>
+                  </a:ext>
+                </a:extLst>
+              </p:cNvPr>
+              <p:cNvSpPr txBox="1"/>
+              <p:nvPr/>
+            </p:nvSpPr>
+            <p:spPr>
+              <a:xfrm>
+                <a:off x="5589733" y="126035"/>
+                <a:ext cx="2519112" cy="307777"/>
+              </a:xfrm>
+              <a:prstGeom prst="rect">
+                <a:avLst/>
+              </a:prstGeom>
+              <a:noFill/>
+            </p:spPr>
+            <p:txBody>
+              <a:bodyPr wrap="square" rtlCol="0">
+                <a:spAutoFit/>
+              </a:bodyPr>
+              <a:lstStyle/>
+              <a:p>
+                <a:r>
+                  <a:rPr lang="nl-NL" dirty="0">
+                    <a:latin typeface="Avenir Book" panose="02000503020000020003" pitchFamily="2" charset="0"/>
+                  </a:rPr>
+                  <a:t>Aantal mogelijkheden = </a:t>
+                </a:r>
+                <a14:m>
+                  <m:oMath xmlns:m="http://schemas.openxmlformats.org/officeDocument/2006/math">
+                    <m:sSup>
+                      <m:sSupPr>
+                        <m:ctrlPr>
+                          <a:rPr lang="nl-NL" i="1" smtClean="0">
+                            <a:latin typeface="Cambria Math" panose="02040503050406030204" pitchFamily="18" charset="0"/>
+                          </a:rPr>
+                        </m:ctrlPr>
+                      </m:sSupPr>
+                      <m:e>
+                        <m:r>
+                          <a:rPr lang="nl-NL" b="0" i="1" smtClean="0">
+                            <a:latin typeface="Cambria Math" panose="02040503050406030204" pitchFamily="18" charset="0"/>
+                          </a:rPr>
+                          <m:t>3</m:t>
+                        </m:r>
+                      </m:e>
+                      <m:sup>
+                        <m:r>
+                          <a:rPr lang="nl-NL" b="0" i="1" smtClean="0">
+                            <a:latin typeface="Cambria Math" panose="02040503050406030204" pitchFamily="18" charset="0"/>
+                          </a:rPr>
+                          <m:t>𝑛</m:t>
+                        </m:r>
+                        <m:r>
+                          <a:rPr lang="nl-NL" b="0" i="1" smtClean="0">
+                            <a:latin typeface="Cambria Math" panose="02040503050406030204" pitchFamily="18" charset="0"/>
+                          </a:rPr>
+                          <m:t>−2</m:t>
+                        </m:r>
+                      </m:sup>
+                    </m:sSup>
+                  </m:oMath>
+                </a14:m>
+                <a:endParaRPr lang="nl-NL" dirty="0">
+                  <a:latin typeface="Avenir Book" panose="02000503020000020003" pitchFamily="2" charset="0"/>
+                </a:endParaRPr>
+              </a:p>
+            </p:txBody>
+          </p:sp>
+        </mc:Choice>
+        <mc:Fallback>
+          <p:sp>
+            <p:nvSpPr>
+              <p:cNvPr id="133" name="Tekstvak 132">
+                <a:extLst>
+                  <a:ext uri="{FF2B5EF4-FFF2-40B4-BE49-F238E27FC236}">
+                    <a16:creationId xmlns:a16="http://schemas.microsoft.com/office/drawing/2014/main" id="{B9867C73-8959-D941-9E4C-1C597D51A708}"/>
+                  </a:ext>
+                </a:extLst>
+              </p:cNvPr>
+              <p:cNvSpPr txBox="1">
+                <a:spLocks noRot="1" noChangeAspect="1" noMove="1" noResize="1" noEditPoints="1" noAdjustHandles="1" noChangeArrowheads="1" noChangeShapeType="1" noTextEdit="1"/>
+              </p:cNvSpPr>
+              <p:nvPr/>
+            </p:nvSpPr>
+            <p:spPr>
+              <a:xfrm>
+                <a:off x="5589733" y="126035"/>
+                <a:ext cx="2519112" cy="307777"/>
+              </a:xfrm>
+              <a:prstGeom prst="rect">
+                <a:avLst/>
+              </a:prstGeom>
+              <a:blipFill>
+                <a:blip r:embed="rId39"/>
+                <a:stretch>
+                  <a:fillRect l="-503" b="-20000"/>
+                </a:stretch>
+              </a:blipFill>
+            </p:spPr>
+            <p:txBody>
+              <a:bodyPr/>
+              <a:lstStyle/>
+              <a:p>
+                <a:r>
+                  <a:rPr lang="nl-NL">
+                    <a:noFill/>
+                  </a:rPr>
+                  <a:t> </a:t>
+                </a:r>
+              </a:p>
+            </p:txBody>
+          </p:sp>
+        </mc:Fallback>
+      </mc:AlternateContent>
+      <p:sp>
+        <p:nvSpPr>
+          <p:cNvPr id="134" name="Tekstvak 133">
+            <a:extLst>
+              <a:ext uri="{FF2B5EF4-FFF2-40B4-BE49-F238E27FC236}">
+                <a16:creationId xmlns:a16="http://schemas.microsoft.com/office/drawing/2014/main" id="{ED771755-B843-9446-AD0A-FDEAB6D02931}"/>
+              </a:ext>
+            </a:extLst>
+          </p:cNvPr>
+          <p:cNvSpPr txBox="1"/>
+          <p:nvPr/>
+        </p:nvSpPr>
+        <p:spPr>
+          <a:xfrm>
+            <a:off x="1422344" y="99986"/>
+            <a:ext cx="651140" cy="369332"/>
+          </a:xfrm>
+          <a:prstGeom prst="rect">
+            <a:avLst/>
+          </a:prstGeom>
+          <a:noFill/>
+        </p:spPr>
+        <p:txBody>
+          <a:bodyPr wrap="none" rtlCol="0">
+            <a:spAutoFit/>
+          </a:bodyPr>
+          <a:lstStyle/>
+          <a:p>
+            <a:r>
+              <a:rPr lang="nl-NL" sz="1800" b="1" dirty="0">
+                <a:latin typeface="Avenir Book" panose="02000503020000020003" pitchFamily="2" charset="0"/>
+              </a:rPr>
+              <a:t>Tree</a:t>
+            </a:r>
+          </a:p>
+        </p:txBody>
+      </p:sp>
+      <mc:AlternateContent xmlns:mc="http://schemas.openxmlformats.org/markup-compatibility/2006">
+        <mc:Choice xmlns:a14="http://schemas.microsoft.com/office/drawing/2010/main" Requires="a14">
+          <p:sp>
+            <p:nvSpPr>
+              <p:cNvPr id="135" name="Tekstvak 134">
+                <a:extLst>
+                  <a:ext uri="{FF2B5EF4-FFF2-40B4-BE49-F238E27FC236}">
+                    <a16:creationId xmlns:a16="http://schemas.microsoft.com/office/drawing/2014/main" id="{18EDED6A-2177-DC49-94F3-7E1B00AA3BF5}"/>
+                  </a:ext>
+                </a:extLst>
+              </p:cNvPr>
+              <p:cNvSpPr txBox="1"/>
+              <p:nvPr/>
+            </p:nvSpPr>
+            <p:spPr>
+              <a:xfrm>
+                <a:off x="173158" y="1653935"/>
+                <a:ext cx="932115" cy="523220"/>
+              </a:xfrm>
+              <a:prstGeom prst="rect">
+                <a:avLst/>
+              </a:prstGeom>
+              <a:noFill/>
+            </p:spPr>
+            <p:txBody>
+              <a:bodyPr wrap="none" rtlCol="0">
+                <a:spAutoFit/>
+              </a:bodyPr>
+              <a:lstStyle/>
+              <a:p>
+                <a14:m>
+                  <m:oMathPara xmlns:m="http://schemas.openxmlformats.org/officeDocument/2006/math">
+                    <m:oMathParaPr>
+                      <m:jc m:val="centerGroup"/>
+                    </m:oMathParaPr>
+                    <m:oMath xmlns:m="http://schemas.openxmlformats.org/officeDocument/2006/math">
+                      <m:r>
+                        <a:rPr lang="nl-NL" b="0" i="1" smtClean="0">
+                          <a:latin typeface="Cambria Math" panose="02040503050406030204" pitchFamily="18" charset="0"/>
+                        </a:rPr>
+                        <m:t>𝑛</m:t>
+                      </m:r>
+                      <m:r>
+                        <a:rPr lang="nl-NL" b="0" i="1" smtClean="0">
+                          <a:latin typeface="Cambria Math" panose="02040503050406030204" pitchFamily="18" charset="0"/>
+                        </a:rPr>
+                        <m:t>=3</m:t>
+                      </m:r>
+                    </m:oMath>
+                  </m:oMathPara>
+                </a14:m>
+                <a:endParaRPr lang="nl-NL" i="1" dirty="0">
+                  <a:latin typeface="Cambria Math" panose="02040503050406030204" pitchFamily="18" charset="0"/>
+                </a:endParaRPr>
+              </a:p>
+              <a:p>
+                <a14:m>
+                  <m:oMathPara xmlns:m="http://schemas.openxmlformats.org/officeDocument/2006/math">
+                    <m:oMathParaPr>
+                      <m:jc m:val="centerGroup"/>
+                    </m:oMathParaPr>
+                    <m:oMath xmlns:m="http://schemas.openxmlformats.org/officeDocument/2006/math">
+                      <m:sSup>
+                        <m:sSupPr>
+                          <m:ctrlPr>
+                            <a:rPr lang="nl-NL" i="1" smtClean="0">
+                              <a:latin typeface="Cambria Math" panose="02040503050406030204" pitchFamily="18" charset="0"/>
+                            </a:rPr>
+                          </m:ctrlPr>
+                        </m:sSupPr>
+                        <m:e>
+                          <m:r>
+                            <a:rPr lang="nl-NL" i="1">
+                              <a:latin typeface="Cambria Math" panose="02040503050406030204" pitchFamily="18" charset="0"/>
+                            </a:rPr>
+                            <m:t>3</m:t>
+                          </m:r>
+                        </m:e>
+                        <m:sup>
+                          <m:r>
+                            <a:rPr lang="nl-NL" i="1">
+                              <a:latin typeface="Cambria Math" panose="02040503050406030204" pitchFamily="18" charset="0"/>
+                            </a:rPr>
+                            <m:t>𝑛</m:t>
+                          </m:r>
+                          <m:r>
+                            <a:rPr lang="nl-NL" i="1">
+                              <a:latin typeface="Cambria Math" panose="02040503050406030204" pitchFamily="18" charset="0"/>
+                            </a:rPr>
+                            <m:t>−2</m:t>
+                          </m:r>
+                        </m:sup>
+                      </m:sSup>
+                      <m:r>
+                        <a:rPr lang="nl-NL" b="0" i="1" smtClean="0">
+                          <a:latin typeface="Cambria Math" panose="02040503050406030204" pitchFamily="18" charset="0"/>
+                        </a:rPr>
+                        <m:t>=3</m:t>
+                      </m:r>
+                    </m:oMath>
+                  </m:oMathPara>
+                </a14:m>
+                <a:endParaRPr lang="nl-NL" dirty="0"/>
+              </a:p>
+            </p:txBody>
+          </p:sp>
+        </mc:Choice>
+        <mc:Fallback>
+          <p:sp>
+            <p:nvSpPr>
+              <p:cNvPr id="135" name="Tekstvak 134">
+                <a:extLst>
+                  <a:ext uri="{FF2B5EF4-FFF2-40B4-BE49-F238E27FC236}">
+                    <a16:creationId xmlns:a16="http://schemas.microsoft.com/office/drawing/2014/main" id="{18EDED6A-2177-DC49-94F3-7E1B00AA3BF5}"/>
+                  </a:ext>
+                </a:extLst>
+              </p:cNvPr>
+              <p:cNvSpPr txBox="1">
+                <a:spLocks noRot="1" noChangeAspect="1" noMove="1" noResize="1" noEditPoints="1" noAdjustHandles="1" noChangeArrowheads="1" noChangeShapeType="1" noTextEdit="1"/>
+              </p:cNvSpPr>
+              <p:nvPr/>
+            </p:nvSpPr>
+            <p:spPr>
+              <a:xfrm>
+                <a:off x="173158" y="1653935"/>
+                <a:ext cx="932115" cy="523220"/>
+              </a:xfrm>
+              <a:prstGeom prst="rect">
+                <a:avLst/>
+              </a:prstGeom>
+              <a:blipFill>
+                <a:blip r:embed="rId40"/>
+                <a:stretch>
+                  <a:fillRect/>
+                </a:stretch>
+              </a:blipFill>
+            </p:spPr>
+            <p:txBody>
+              <a:bodyPr/>
+              <a:lstStyle/>
+              <a:p>
+                <a:r>
+                  <a:rPr lang="nl-NL">
+                    <a:noFill/>
+                  </a:rPr>
+                  <a:t> </a:t>
+                </a:r>
+              </a:p>
+            </p:txBody>
+          </p:sp>
+        </mc:Fallback>
+      </mc:AlternateContent>
+      <mc:AlternateContent xmlns:mc="http://schemas.openxmlformats.org/markup-compatibility/2006">
+        <mc:Choice xmlns:a14="http://schemas.microsoft.com/office/drawing/2010/main" Requires="a14">
+          <p:sp>
+            <p:nvSpPr>
+              <p:cNvPr id="136" name="Tekstvak 135">
+                <a:extLst>
+                  <a:ext uri="{FF2B5EF4-FFF2-40B4-BE49-F238E27FC236}">
+                    <a16:creationId xmlns:a16="http://schemas.microsoft.com/office/drawing/2014/main" id="{28B54F2C-BE4E-1B4F-A0A0-9289C7B8E77D}"/>
+                  </a:ext>
+                </a:extLst>
+              </p:cNvPr>
+              <p:cNvSpPr txBox="1"/>
+              <p:nvPr/>
+            </p:nvSpPr>
+            <p:spPr>
+              <a:xfrm>
+                <a:off x="193925" y="2698340"/>
+                <a:ext cx="932115" cy="523220"/>
+              </a:xfrm>
+              <a:prstGeom prst="rect">
+                <a:avLst/>
+              </a:prstGeom>
+              <a:noFill/>
+            </p:spPr>
+            <p:txBody>
+              <a:bodyPr wrap="none" rtlCol="0">
+                <a:spAutoFit/>
+              </a:bodyPr>
+              <a:lstStyle/>
+              <a:p>
+                <a14:m>
+                  <m:oMathPara xmlns:m="http://schemas.openxmlformats.org/officeDocument/2006/math">
+                    <m:oMathParaPr>
+                      <m:jc m:val="centerGroup"/>
+                    </m:oMathParaPr>
+                    <m:oMath xmlns:m="http://schemas.openxmlformats.org/officeDocument/2006/math">
+                      <m:r>
+                        <a:rPr lang="nl-NL" b="0" i="1" smtClean="0">
+                          <a:latin typeface="Cambria Math" panose="02040503050406030204" pitchFamily="18" charset="0"/>
+                        </a:rPr>
+                        <m:t>𝑛</m:t>
+                      </m:r>
+                      <m:r>
+                        <a:rPr lang="nl-NL" b="0" i="1" smtClean="0">
+                          <a:latin typeface="Cambria Math" panose="02040503050406030204" pitchFamily="18" charset="0"/>
+                        </a:rPr>
+                        <m:t>=4</m:t>
+                      </m:r>
+                    </m:oMath>
+                  </m:oMathPara>
+                </a14:m>
+                <a:endParaRPr lang="nl-NL" i="1" dirty="0">
+                  <a:latin typeface="Cambria Math" panose="02040503050406030204" pitchFamily="18" charset="0"/>
+                </a:endParaRPr>
+              </a:p>
+              <a:p>
+                <a14:m>
+                  <m:oMathPara xmlns:m="http://schemas.openxmlformats.org/officeDocument/2006/math">
+                    <m:oMathParaPr>
+                      <m:jc m:val="centerGroup"/>
+                    </m:oMathParaPr>
+                    <m:oMath xmlns:m="http://schemas.openxmlformats.org/officeDocument/2006/math">
+                      <m:sSup>
+                        <m:sSupPr>
+                          <m:ctrlPr>
+                            <a:rPr lang="nl-NL" i="1" smtClean="0">
+                              <a:latin typeface="Cambria Math" panose="02040503050406030204" pitchFamily="18" charset="0"/>
+                            </a:rPr>
+                          </m:ctrlPr>
+                        </m:sSupPr>
+                        <m:e>
+                          <m:r>
+                            <a:rPr lang="nl-NL" i="1">
+                              <a:latin typeface="Cambria Math" panose="02040503050406030204" pitchFamily="18" charset="0"/>
+                            </a:rPr>
+                            <m:t>3</m:t>
+                          </m:r>
+                        </m:e>
+                        <m:sup>
+                          <m:r>
+                            <a:rPr lang="nl-NL" i="1">
+                              <a:latin typeface="Cambria Math" panose="02040503050406030204" pitchFamily="18" charset="0"/>
+                            </a:rPr>
+                            <m:t>𝑛</m:t>
+                          </m:r>
+                          <m:r>
+                            <a:rPr lang="nl-NL" i="1">
+                              <a:latin typeface="Cambria Math" panose="02040503050406030204" pitchFamily="18" charset="0"/>
+                            </a:rPr>
+                            <m:t>−2</m:t>
+                          </m:r>
+                        </m:sup>
+                      </m:sSup>
+                      <m:r>
+                        <a:rPr lang="nl-NL" b="0" i="1" smtClean="0">
+                          <a:latin typeface="Cambria Math" panose="02040503050406030204" pitchFamily="18" charset="0"/>
+                        </a:rPr>
+                        <m:t>=9</m:t>
+                      </m:r>
+                    </m:oMath>
+                  </m:oMathPara>
+                </a14:m>
+                <a:endParaRPr lang="nl-NL" dirty="0"/>
+              </a:p>
+            </p:txBody>
+          </p:sp>
+        </mc:Choice>
+        <mc:Fallback>
+          <p:sp>
+            <p:nvSpPr>
+              <p:cNvPr id="136" name="Tekstvak 135">
+                <a:extLst>
+                  <a:ext uri="{FF2B5EF4-FFF2-40B4-BE49-F238E27FC236}">
+                    <a16:creationId xmlns:a16="http://schemas.microsoft.com/office/drawing/2014/main" id="{28B54F2C-BE4E-1B4F-A0A0-9289C7B8E77D}"/>
+                  </a:ext>
+                </a:extLst>
+              </p:cNvPr>
+              <p:cNvSpPr txBox="1">
+                <a:spLocks noRot="1" noChangeAspect="1" noMove="1" noResize="1" noEditPoints="1" noAdjustHandles="1" noChangeArrowheads="1" noChangeShapeType="1" noTextEdit="1"/>
+              </p:cNvSpPr>
+              <p:nvPr/>
+            </p:nvSpPr>
+            <p:spPr>
+              <a:xfrm>
+                <a:off x="193925" y="2698340"/>
+                <a:ext cx="932115" cy="523220"/>
+              </a:xfrm>
+              <a:prstGeom prst="rect">
+                <a:avLst/>
+              </a:prstGeom>
+              <a:blipFill>
+                <a:blip r:embed="rId41"/>
+                <a:stretch>
+                  <a:fillRect/>
+                </a:stretch>
+              </a:blipFill>
+            </p:spPr>
+            <p:txBody>
+              <a:bodyPr/>
+              <a:lstStyle/>
+              <a:p>
+                <a:r>
+                  <a:rPr lang="nl-NL">
+                    <a:noFill/>
+                  </a:rPr>
+                  <a:t> </a:t>
+                </a:r>
+              </a:p>
+            </p:txBody>
+          </p:sp>
+        </mc:Fallback>
+      </mc:AlternateContent>
+      <mc:AlternateContent xmlns:mc="http://schemas.openxmlformats.org/markup-compatibility/2006">
+        <mc:Choice xmlns:a14="http://schemas.microsoft.com/office/drawing/2010/main" Requires="a14">
+          <p:sp>
+            <p:nvSpPr>
+              <p:cNvPr id="137" name="Tekstvak 136">
+                <a:extLst>
+                  <a:ext uri="{FF2B5EF4-FFF2-40B4-BE49-F238E27FC236}">
+                    <a16:creationId xmlns:a16="http://schemas.microsoft.com/office/drawing/2014/main" id="{0C127D59-66BF-EE44-A1C9-848727F78902}"/>
+                  </a:ext>
+                </a:extLst>
+              </p:cNvPr>
+              <p:cNvSpPr txBox="1"/>
+              <p:nvPr/>
+            </p:nvSpPr>
+            <p:spPr>
+              <a:xfrm>
+                <a:off x="109950" y="3739458"/>
+                <a:ext cx="1031501" cy="523220"/>
+              </a:xfrm>
+              <a:prstGeom prst="rect">
+                <a:avLst/>
+              </a:prstGeom>
+              <a:noFill/>
+            </p:spPr>
+            <p:txBody>
+              <a:bodyPr wrap="none" rtlCol="0">
+                <a:spAutoFit/>
+              </a:bodyPr>
+              <a:lstStyle/>
+              <a:p>
+                <a14:m>
+                  <m:oMathPara xmlns:m="http://schemas.openxmlformats.org/officeDocument/2006/math">
+                    <m:oMathParaPr>
+                      <m:jc m:val="centerGroup"/>
+                    </m:oMathParaPr>
+                    <m:oMath xmlns:m="http://schemas.openxmlformats.org/officeDocument/2006/math">
+                      <m:r>
+                        <a:rPr lang="nl-NL" i="1" smtClean="0">
+                          <a:latin typeface="Cambria Math" panose="02040503050406030204" pitchFamily="18" charset="0"/>
+                        </a:rPr>
+                        <m:t>𝑛</m:t>
+                      </m:r>
+                      <m:r>
+                        <a:rPr lang="nl-NL" i="1" smtClean="0">
+                          <a:latin typeface="Cambria Math" panose="02040503050406030204" pitchFamily="18" charset="0"/>
+                        </a:rPr>
+                        <m:t>=5</m:t>
+                      </m:r>
+                    </m:oMath>
+                  </m:oMathPara>
+                </a14:m>
+                <a:endParaRPr lang="nl-NL" i="1" dirty="0">
+                  <a:latin typeface="Cambria Math" panose="02040503050406030204" pitchFamily="18" charset="0"/>
+                </a:endParaRPr>
+              </a:p>
+              <a:p>
+                <a14:m>
+                  <m:oMathPara xmlns:m="http://schemas.openxmlformats.org/officeDocument/2006/math">
+                    <m:oMathParaPr>
+                      <m:jc m:val="centerGroup"/>
+                    </m:oMathParaPr>
+                    <m:oMath xmlns:m="http://schemas.openxmlformats.org/officeDocument/2006/math">
+                      <m:sSup>
+                        <m:sSupPr>
+                          <m:ctrlPr>
+                            <a:rPr lang="nl-NL" i="1">
+                              <a:latin typeface="Cambria Math" panose="02040503050406030204" pitchFamily="18" charset="0"/>
+                            </a:rPr>
+                          </m:ctrlPr>
+                        </m:sSupPr>
+                        <m:e>
+                          <m:r>
+                            <a:rPr lang="nl-NL" i="1">
+                              <a:latin typeface="Cambria Math" panose="02040503050406030204" pitchFamily="18" charset="0"/>
+                            </a:rPr>
+                            <m:t>3</m:t>
+                          </m:r>
+                        </m:e>
+                        <m:sup>
+                          <m:r>
+                            <a:rPr lang="nl-NL" i="1">
+                              <a:latin typeface="Cambria Math" panose="02040503050406030204" pitchFamily="18" charset="0"/>
+                            </a:rPr>
+                            <m:t>𝑛</m:t>
+                          </m:r>
+                          <m:r>
+                            <a:rPr lang="nl-NL" i="1">
+                              <a:latin typeface="Cambria Math" panose="02040503050406030204" pitchFamily="18" charset="0"/>
+                            </a:rPr>
+                            <m:t>−2</m:t>
+                          </m:r>
+                        </m:sup>
+                      </m:sSup>
+                      <m:r>
+                        <a:rPr lang="nl-NL" b="0" i="1" smtClean="0">
+                          <a:latin typeface="Cambria Math" panose="02040503050406030204" pitchFamily="18" charset="0"/>
+                        </a:rPr>
+                        <m:t>=27</m:t>
+                      </m:r>
+                    </m:oMath>
+                  </m:oMathPara>
+                </a14:m>
+                <a:endParaRPr lang="nl-NL" dirty="0"/>
+              </a:p>
+            </p:txBody>
+          </p:sp>
+        </mc:Choice>
+        <mc:Fallback>
+          <p:sp>
+            <p:nvSpPr>
+              <p:cNvPr id="137" name="Tekstvak 136">
+                <a:extLst>
+                  <a:ext uri="{FF2B5EF4-FFF2-40B4-BE49-F238E27FC236}">
+                    <a16:creationId xmlns:a16="http://schemas.microsoft.com/office/drawing/2014/main" id="{0C127D59-66BF-EE44-A1C9-848727F78902}"/>
+                  </a:ext>
+                </a:extLst>
+              </p:cNvPr>
+              <p:cNvSpPr txBox="1">
+                <a:spLocks noRot="1" noChangeAspect="1" noMove="1" noResize="1" noEditPoints="1" noAdjustHandles="1" noChangeArrowheads="1" noChangeShapeType="1" noTextEdit="1"/>
+              </p:cNvSpPr>
+              <p:nvPr/>
+            </p:nvSpPr>
+            <p:spPr>
+              <a:xfrm>
+                <a:off x="109950" y="3739458"/>
+                <a:ext cx="1031501" cy="523220"/>
+              </a:xfrm>
+              <a:prstGeom prst="rect">
+                <a:avLst/>
+              </a:prstGeom>
+              <a:blipFill>
+                <a:blip r:embed="rId42"/>
+                <a:stretch>
+                  <a:fillRect/>
+                </a:stretch>
+              </a:blipFill>
+            </p:spPr>
+            <p:txBody>
+              <a:bodyPr/>
+              <a:lstStyle/>
+              <a:p>
+                <a:r>
+                  <a:rPr lang="nl-NL">
+                    <a:noFill/>
+                  </a:rPr>
+                  <a:t> </a:t>
+                </a:r>
+              </a:p>
+            </p:txBody>
+          </p:sp>
+        </mc:Fallback>
+      </mc:AlternateContent>
+      <p:grpSp>
+        <p:nvGrpSpPr>
+          <p:cNvPr id="143" name="Groep 142">
+            <a:extLst>
+              <a:ext uri="{FF2B5EF4-FFF2-40B4-BE49-F238E27FC236}">
+                <a16:creationId xmlns:a16="http://schemas.microsoft.com/office/drawing/2014/main" id="{E9D17F76-8D2F-6D40-AAD4-F7B0B94A7346}"/>
+              </a:ext>
+            </a:extLst>
+          </p:cNvPr>
+          <p:cNvGrpSpPr/>
+          <p:nvPr/>
+        </p:nvGrpSpPr>
+        <p:grpSpPr>
+          <a:xfrm>
+            <a:off x="3483072" y="1069704"/>
+            <a:ext cx="3530160" cy="1506024"/>
+            <a:chOff x="3483072" y="1069704"/>
+            <a:chExt cx="3530160" cy="1506024"/>
+          </a:xfrm>
+        </p:grpSpPr>
+        <mc:AlternateContent xmlns:mc="http://schemas.openxmlformats.org/markup-compatibility/2006">
+          <mc:Choice xmlns:p14="http://schemas.microsoft.com/office/powerpoint/2010/main" Requires="p14">
+            <p:contentPart p14:bwMode="auto" r:id="rId43">
+              <p14:nvContentPartPr>
+                <p14:cNvPr id="100" name="Inkt 99">
+                  <a:extLst>
+                    <a:ext uri="{FF2B5EF4-FFF2-40B4-BE49-F238E27FC236}">
+                      <a16:creationId xmlns:a16="http://schemas.microsoft.com/office/drawing/2014/main" id="{3BD6635E-FFAC-474A-973C-91C3D137CEFF}"/>
+                    </a:ext>
+                  </a:extLst>
+                </p14:cNvPr>
+                <p14:cNvContentPartPr/>
+                <p14:nvPr/>
+              </p14:nvContentPartPr>
+              <p14:xfrm>
+                <a:off x="6409872" y="1984248"/>
+                <a:ext cx="42120" cy="590040"/>
+              </p14:xfrm>
+            </p:contentPart>
+          </mc:Choice>
+          <mc:Fallback>
+            <p:pic>
+              <p:nvPicPr>
+                <p:cNvPr id="100" name="Inkt 99">
+                  <a:extLst>
+                    <a:ext uri="{FF2B5EF4-FFF2-40B4-BE49-F238E27FC236}">
+                      <a16:creationId xmlns:a16="http://schemas.microsoft.com/office/drawing/2014/main" id="{3BD6635E-FFAC-474A-973C-91C3D137CEFF}"/>
+                    </a:ext>
+                  </a:extLst>
+                </p:cNvPr>
+                <p:cNvPicPr/>
+                <p:nvPr/>
+              </p:nvPicPr>
+              <p:blipFill>
+                <a:blip r:embed="rId44"/>
+                <a:stretch>
+                  <a:fillRect/>
+                </a:stretch>
+              </p:blipFill>
+              <p:spPr>
+                <a:xfrm>
+                  <a:off x="6394392" y="1968768"/>
+                  <a:ext cx="72720" cy="620640"/>
+                </a:xfrm>
+                <a:prstGeom prst="rect">
+                  <a:avLst/>
+                </a:prstGeom>
+              </p:spPr>
+            </p:pic>
+          </mc:Fallback>
+        </mc:AlternateContent>
+        <mc:AlternateContent xmlns:mc="http://schemas.openxmlformats.org/markup-compatibility/2006">
+          <mc:Choice xmlns:p14="http://schemas.microsoft.com/office/powerpoint/2010/main" Requires="p14">
+            <p:contentPart p14:bwMode="auto" r:id="rId45">
+              <p14:nvContentPartPr>
+                <p14:cNvPr id="101" name="Inkt 100">
+                  <a:extLst>
+                    <a:ext uri="{FF2B5EF4-FFF2-40B4-BE49-F238E27FC236}">
+                      <a16:creationId xmlns:a16="http://schemas.microsoft.com/office/drawing/2014/main" id="{10623919-AC71-AB42-B9E8-4E8CBCAB7445}"/>
+                    </a:ext>
+                  </a:extLst>
+                </p14:cNvPr>
+                <p14:cNvContentPartPr/>
+                <p14:nvPr/>
+              </p14:nvContentPartPr>
+              <p14:xfrm>
+                <a:off x="6601752" y="1974888"/>
+                <a:ext cx="5760" cy="9360"/>
+              </p14:xfrm>
+            </p:contentPart>
+          </mc:Choice>
+          <mc:Fallback>
+            <p:pic>
+              <p:nvPicPr>
+                <p:cNvPr id="101" name="Inkt 100">
+                  <a:extLst>
+                    <a:ext uri="{FF2B5EF4-FFF2-40B4-BE49-F238E27FC236}">
+                      <a16:creationId xmlns:a16="http://schemas.microsoft.com/office/drawing/2014/main" id="{10623919-AC71-AB42-B9E8-4E8CBCAB7445}"/>
+                    </a:ext>
+                  </a:extLst>
+                </p:cNvPr>
+                <p:cNvPicPr/>
+                <p:nvPr/>
+              </p:nvPicPr>
+              <p:blipFill>
+                <a:blip r:embed="rId46"/>
+                <a:stretch>
+                  <a:fillRect/>
+                </a:stretch>
+              </p:blipFill>
+              <p:spPr>
+                <a:xfrm>
+                  <a:off x="6586632" y="1959768"/>
+                  <a:ext cx="36360" cy="39960"/>
+                </a:xfrm>
+                <a:prstGeom prst="rect">
+                  <a:avLst/>
+                </a:prstGeom>
+              </p:spPr>
+            </p:pic>
+          </mc:Fallback>
+        </mc:AlternateContent>
+        <mc:AlternateContent xmlns:mc="http://schemas.openxmlformats.org/markup-compatibility/2006">
+          <mc:Choice xmlns:p14="http://schemas.microsoft.com/office/powerpoint/2010/main" Requires="p14">
+            <p:contentPart p14:bwMode="auto" r:id="rId47">
+              <p14:nvContentPartPr>
+                <p14:cNvPr id="102" name="Inkt 101">
+                  <a:extLst>
+                    <a:ext uri="{FF2B5EF4-FFF2-40B4-BE49-F238E27FC236}">
+                      <a16:creationId xmlns:a16="http://schemas.microsoft.com/office/drawing/2014/main" id="{61E25FC7-73F1-A14E-B7CC-01324D3C84E2}"/>
+                    </a:ext>
+                  </a:extLst>
+                </p14:cNvPr>
+                <p14:cNvContentPartPr/>
+                <p14:nvPr/>
+              </p14:nvContentPartPr>
+              <p14:xfrm>
+                <a:off x="6607152" y="1983888"/>
+                <a:ext cx="406080" cy="591840"/>
+              </p14:xfrm>
+            </p:contentPart>
+          </mc:Choice>
+          <mc:Fallback>
+            <p:pic>
+              <p:nvPicPr>
+                <p:cNvPr id="102" name="Inkt 101">
+                  <a:extLst>
+                    <a:ext uri="{FF2B5EF4-FFF2-40B4-BE49-F238E27FC236}">
+                      <a16:creationId xmlns:a16="http://schemas.microsoft.com/office/drawing/2014/main" id="{61E25FC7-73F1-A14E-B7CC-01324D3C84E2}"/>
+                    </a:ext>
+                  </a:extLst>
+                </p:cNvPr>
+                <p:cNvPicPr/>
+                <p:nvPr/>
+              </p:nvPicPr>
+              <p:blipFill>
+                <a:blip r:embed="rId48"/>
+                <a:stretch>
+                  <a:fillRect/>
+                </a:stretch>
+              </p:blipFill>
+              <p:spPr>
+                <a:xfrm>
+                  <a:off x="6592032" y="1968768"/>
+                  <a:ext cx="436680" cy="622080"/>
+                </a:xfrm>
+                <a:prstGeom prst="rect">
+                  <a:avLst/>
+                </a:prstGeom>
+              </p:spPr>
+            </p:pic>
+          </mc:Fallback>
+        </mc:AlternateContent>
+        <mc:AlternateContent xmlns:mc="http://schemas.openxmlformats.org/markup-compatibility/2006">
+          <mc:Choice xmlns:p14="http://schemas.microsoft.com/office/powerpoint/2010/main" Requires="p14">
+            <p:contentPart p14:bwMode="auto" r:id="rId49">
+              <p14:nvContentPartPr>
+                <p14:cNvPr id="138" name="Inkt 137">
+                  <a:extLst>
+                    <a:ext uri="{FF2B5EF4-FFF2-40B4-BE49-F238E27FC236}">
+                      <a16:creationId xmlns:a16="http://schemas.microsoft.com/office/drawing/2014/main" id="{E0B11B8E-7E1F-3141-A2D2-B838618C6590}"/>
+                    </a:ext>
+                  </a:extLst>
+                </p14:cNvPr>
+                <p14:cNvContentPartPr/>
+                <p14:nvPr/>
+              </p14:nvContentPartPr>
+              <p14:xfrm>
+                <a:off x="3483072" y="1069704"/>
+                <a:ext cx="1212840" cy="567000"/>
+              </p14:xfrm>
+            </p:contentPart>
+          </mc:Choice>
+          <mc:Fallback>
+            <p:pic>
+              <p:nvPicPr>
+                <p:cNvPr id="138" name="Inkt 137">
+                  <a:extLst>
+                    <a:ext uri="{FF2B5EF4-FFF2-40B4-BE49-F238E27FC236}">
+                      <a16:creationId xmlns:a16="http://schemas.microsoft.com/office/drawing/2014/main" id="{E0B11B8E-7E1F-3141-A2D2-B838618C6590}"/>
+                    </a:ext>
+                  </a:extLst>
+                </p:cNvPr>
+                <p:cNvPicPr/>
+                <p:nvPr/>
+              </p:nvPicPr>
+              <p:blipFill>
+                <a:blip r:embed="rId50"/>
+                <a:stretch>
+                  <a:fillRect/>
+                </a:stretch>
+              </p:blipFill>
+              <p:spPr>
+                <a:xfrm>
+                  <a:off x="3467592" y="1054584"/>
+                  <a:ext cx="1243080" cy="597600"/>
+                </a:xfrm>
+                <a:prstGeom prst="rect">
+                  <a:avLst/>
+                </a:prstGeom>
+              </p:spPr>
+            </p:pic>
+          </mc:Fallback>
+        </mc:AlternateContent>
+        <mc:AlternateContent xmlns:mc="http://schemas.openxmlformats.org/markup-compatibility/2006">
+          <mc:Choice xmlns:p14="http://schemas.microsoft.com/office/powerpoint/2010/main" Requires="p14">
+            <p:contentPart p14:bwMode="auto" r:id="rId51">
+              <p14:nvContentPartPr>
+                <p14:cNvPr id="139" name="Inkt 138">
+                  <a:extLst>
+                    <a:ext uri="{FF2B5EF4-FFF2-40B4-BE49-F238E27FC236}">
+                      <a16:creationId xmlns:a16="http://schemas.microsoft.com/office/drawing/2014/main" id="{8208EE71-1976-554D-919F-FBEA427B268F}"/>
+                    </a:ext>
+                  </a:extLst>
+                </p14:cNvPr>
+                <p14:cNvContentPartPr/>
+                <p14:nvPr/>
+              </p14:nvContentPartPr>
+              <p14:xfrm>
+                <a:off x="4908672" y="1155744"/>
+                <a:ext cx="1800" cy="5400"/>
+              </p14:xfrm>
+            </p:contentPart>
+          </mc:Choice>
+          <mc:Fallback>
+            <p:pic>
+              <p:nvPicPr>
+                <p:cNvPr id="139" name="Inkt 138">
+                  <a:extLst>
+                    <a:ext uri="{FF2B5EF4-FFF2-40B4-BE49-F238E27FC236}">
+                      <a16:creationId xmlns:a16="http://schemas.microsoft.com/office/drawing/2014/main" id="{8208EE71-1976-554D-919F-FBEA427B268F}"/>
+                    </a:ext>
+                  </a:extLst>
+                </p:cNvPr>
+                <p:cNvPicPr/>
+                <p:nvPr/>
+              </p:nvPicPr>
+              <p:blipFill>
+                <a:blip r:embed="rId52"/>
+                <a:stretch>
+                  <a:fillRect/>
+                </a:stretch>
+              </p:blipFill>
+              <p:spPr>
+                <a:xfrm>
+                  <a:off x="4893192" y="1140624"/>
+                  <a:ext cx="32400" cy="36000"/>
+                </a:xfrm>
+                <a:prstGeom prst="rect">
+                  <a:avLst/>
+                </a:prstGeom>
+              </p:spPr>
+            </p:pic>
+          </mc:Fallback>
+        </mc:AlternateContent>
+        <mc:AlternateContent xmlns:mc="http://schemas.openxmlformats.org/markup-compatibility/2006">
+          <mc:Choice xmlns:p14="http://schemas.microsoft.com/office/powerpoint/2010/main" Requires="p14">
+            <p:contentPart p14:bwMode="auto" r:id="rId53">
+              <p14:nvContentPartPr>
+                <p14:cNvPr id="140" name="Inkt 139">
+                  <a:extLst>
+                    <a:ext uri="{FF2B5EF4-FFF2-40B4-BE49-F238E27FC236}">
+                      <a16:creationId xmlns:a16="http://schemas.microsoft.com/office/drawing/2014/main" id="{4C518B9A-9988-6B40-A4CD-AE573360C668}"/>
+                    </a:ext>
+                  </a:extLst>
+                </p14:cNvPr>
+                <p14:cNvContentPartPr/>
+                <p14:nvPr/>
+              </p14:nvContentPartPr>
+              <p14:xfrm>
+                <a:off x="4887792" y="1155744"/>
+                <a:ext cx="21240" cy="461520"/>
+              </p14:xfrm>
+            </p:contentPart>
+          </mc:Choice>
+          <mc:Fallback>
+            <p:pic>
+              <p:nvPicPr>
+                <p:cNvPr id="140" name="Inkt 139">
+                  <a:extLst>
+                    <a:ext uri="{FF2B5EF4-FFF2-40B4-BE49-F238E27FC236}">
+                      <a16:creationId xmlns:a16="http://schemas.microsoft.com/office/drawing/2014/main" id="{4C518B9A-9988-6B40-A4CD-AE573360C668}"/>
+                    </a:ext>
+                  </a:extLst>
+                </p:cNvPr>
+                <p:cNvPicPr/>
+                <p:nvPr/>
+              </p:nvPicPr>
+              <p:blipFill>
+                <a:blip r:embed="rId54"/>
+                <a:stretch>
+                  <a:fillRect/>
+                </a:stretch>
+              </p:blipFill>
+              <p:spPr>
+                <a:xfrm>
+                  <a:off x="4872672" y="1140624"/>
+                  <a:ext cx="51480" cy="491760"/>
+                </a:xfrm>
+                <a:prstGeom prst="rect">
+                  <a:avLst/>
+                </a:prstGeom>
+              </p:spPr>
+            </p:pic>
+          </mc:Fallback>
+        </mc:AlternateContent>
+        <mc:AlternateContent xmlns:mc="http://schemas.openxmlformats.org/markup-compatibility/2006">
+          <mc:Choice xmlns:p14="http://schemas.microsoft.com/office/powerpoint/2010/main" Requires="p14">
+            <p:contentPart p14:bwMode="auto" r:id="rId55">
+              <p14:nvContentPartPr>
+                <p14:cNvPr id="142" name="Inkt 141">
+                  <a:extLst>
+                    <a:ext uri="{FF2B5EF4-FFF2-40B4-BE49-F238E27FC236}">
+                      <a16:creationId xmlns:a16="http://schemas.microsoft.com/office/drawing/2014/main" id="{6481A4DF-BB73-F240-91A9-F9D52903F2E5}"/>
+                    </a:ext>
+                  </a:extLst>
+                </p14:cNvPr>
+                <p14:cNvContentPartPr/>
+                <p14:nvPr/>
+              </p14:nvContentPartPr>
+              <p14:xfrm>
+                <a:off x="5071752" y="1085184"/>
+                <a:ext cx="1280880" cy="594720"/>
+              </p14:xfrm>
+            </p:contentPart>
+          </mc:Choice>
+          <mc:Fallback>
+            <p:pic>
+              <p:nvPicPr>
+                <p:cNvPr id="142" name="Inkt 141">
+                  <a:extLst>
+                    <a:ext uri="{FF2B5EF4-FFF2-40B4-BE49-F238E27FC236}">
+                      <a16:creationId xmlns:a16="http://schemas.microsoft.com/office/drawing/2014/main" id="{6481A4DF-BB73-F240-91A9-F9D52903F2E5}"/>
+                    </a:ext>
+                  </a:extLst>
+                </p:cNvPr>
+                <p:cNvPicPr/>
+                <p:nvPr/>
+              </p:nvPicPr>
+              <p:blipFill>
+                <a:blip r:embed="rId56"/>
+                <a:stretch>
+                  <a:fillRect/>
+                </a:stretch>
+              </p:blipFill>
+              <p:spPr>
+                <a:xfrm>
+                  <a:off x="5056632" y="1069704"/>
+                  <a:ext cx="1311480" cy="625320"/>
+                </a:xfrm>
+                <a:prstGeom prst="rect">
+                  <a:avLst/>
+                </a:prstGeom>
+              </p:spPr>
+            </p:pic>
+          </mc:Fallback>
+        </mc:AlternateContent>
+      </p:grpSp>
+    </p:spTree>
+    <p:extLst>
+      <p:ext uri="{BB962C8B-B14F-4D97-AF65-F5344CB8AC3E}">
+        <p14:creationId xmlns:p14="http://schemas.microsoft.com/office/powerpoint/2010/main" val="3823168485"/>
+      </p:ext>
+    </p:extLst>
+  </p:cSld>
+  <p:clrMapOvr>
+    <a:masterClrMapping/>
+  </p:clrMapOvr>
+</p:sld>
+</file>
+
+<file path=ppt/slides/slide12.xml><?xml version="1.0" encoding="utf-8"?>
 <p:sld xmlns:a="http://schemas.openxmlformats.org/drawingml/2006/main" xmlns:r="http://schemas.openxmlformats.org/officeDocument/2006/relationships" xmlns:p="http://schemas.openxmlformats.org/presentationml/2006/main">
   <p:cSld>
     <p:spTree>
@@ -15348,7 +20503,7 @@
 </p:sld>
 </file>
 
-<file path=ppt/slides/slide12.xml><?xml version="1.0" encoding="utf-8"?>
+<file path=ppt/slides/slide13.xml><?xml version="1.0" encoding="utf-8"?>
 <p:sld xmlns:a="http://schemas.openxmlformats.org/drawingml/2006/main" xmlns:r="http://schemas.openxmlformats.org/officeDocument/2006/relationships" xmlns:p="http://schemas.openxmlformats.org/presentationml/2006/main">
   <p:cSld>
     <p:spTree>
@@ -15540,7 +20695,7 @@
 </p:sld>
 </file>
 
-<file path=ppt/slides/slide13.xml><?xml version="1.0" encoding="utf-8"?>
+<file path=ppt/slides/slide14.xml><?xml version="1.0" encoding="utf-8"?>
 <p:sld xmlns:a="http://schemas.openxmlformats.org/drawingml/2006/main" xmlns:r="http://schemas.openxmlformats.org/officeDocument/2006/relationships" xmlns:p="http://schemas.openxmlformats.org/presentationml/2006/main">
   <p:cSld>
     <p:spTree>
@@ -15653,7 +20808,7 @@
 </p:sld>
 </file>
 
-<file path=ppt/slides/slide14.xml><?xml version="1.0" encoding="utf-8"?>
+<file path=ppt/slides/slide15.xml><?xml version="1.0" encoding="utf-8"?>
 <p:sld xmlns:a="http://schemas.openxmlformats.org/drawingml/2006/main" xmlns:r="http://schemas.openxmlformats.org/officeDocument/2006/relationships" xmlns:p="http://schemas.openxmlformats.org/presentationml/2006/main">
   <p:cSld>
     <p:spTree>
@@ -15762,7 +20917,7 @@
 </p:sld>
 </file>
 
-<file path=ppt/slides/slide15.xml><?xml version="1.0" encoding="utf-8"?>
+<file path=ppt/slides/slide16.xml><?xml version="1.0" encoding="utf-8"?>
 <p:sld xmlns:a="http://schemas.openxmlformats.org/drawingml/2006/main" xmlns:r="http://schemas.openxmlformats.org/officeDocument/2006/relationships" xmlns:p="http://schemas.openxmlformats.org/presentationml/2006/main">
   <p:cSld>
     <p:spTree>
@@ -15920,7 +21075,7 @@
 </p:sld>
 </file>
 
-<file path=ppt/slides/slide16.xml><?xml version="1.0" encoding="utf-8"?>
+<file path=ppt/slides/slide17.xml><?xml version="1.0" encoding="utf-8"?>
 <p:sld xmlns:a="http://schemas.openxmlformats.org/drawingml/2006/main" xmlns:r="http://schemas.openxmlformats.org/officeDocument/2006/relationships" xmlns:p="http://schemas.openxmlformats.org/presentationml/2006/main">
   <p:cSld>
     <p:spTree>
@@ -16039,11 +21194,7 @@
           <a:p>
             <a:r>
               <a:rPr lang="nl-NL" sz="1400" dirty="0"/>
-              <a:t>Het algoritme wat het beste presteert kan vervolgens gekozen worden als het meest geschikt voor het simuleren van de vouwing van een eiwitstructuur in </a:t>
-            </a:r>
-            <a:r>
-              <a:rPr lang="nl-NL" sz="1400"/>
-              <a:t>het HP-model.</a:t>
+              <a:t>Het algoritme wat het beste presteert kan vervolgens gekozen worden als het meest geschikt voor het simuleren van de vouwing van een eiwitstructuur in het HP-model.</a:t>
             </a:r>
             <a:endParaRPr lang="nl-NL" dirty="0"/>
           </a:p>

--- a/presentatie/protidefpres.pptx
+++ b/presentatie/protidefpres.pptx
@@ -21119,7 +21119,7 @@
         </p:nvSpPr>
         <p:spPr>
           <a:xfrm>
-            <a:off x="4689593" y="751490"/>
+            <a:off x="5200020" y="760634"/>
             <a:ext cx="389713" cy="398396"/>
           </a:xfrm>
           <a:prstGeom prst="ellipse">
@@ -21170,7 +21170,7 @@
         </p:nvSpPr>
         <p:spPr>
           <a:xfrm>
-            <a:off x="3122073" y="1565968"/>
+            <a:off x="3632500" y="1575112"/>
             <a:ext cx="389713" cy="398396"/>
           </a:xfrm>
           <a:prstGeom prst="ellipse">
@@ -21221,7 +21221,7 @@
         </p:nvSpPr>
         <p:spPr>
           <a:xfrm>
-            <a:off x="4697429" y="1565968"/>
+            <a:off x="5207856" y="1575112"/>
             <a:ext cx="389713" cy="398396"/>
           </a:xfrm>
           <a:prstGeom prst="ellipse">
@@ -21272,7 +21272,7 @@
         </p:nvSpPr>
         <p:spPr>
           <a:xfrm>
-            <a:off x="1985261" y="2573627"/>
+            <a:off x="2495688" y="2582771"/>
             <a:ext cx="389713" cy="398396"/>
           </a:xfrm>
           <a:prstGeom prst="ellipse">
@@ -21323,7 +21323,7 @@
         </p:nvSpPr>
         <p:spPr>
           <a:xfrm>
-            <a:off x="3952040" y="2569219"/>
+            <a:off x="4462467" y="2578363"/>
             <a:ext cx="389713" cy="398396"/>
           </a:xfrm>
           <a:prstGeom prst="ellipse">
@@ -21374,7 +21374,7 @@
         </p:nvSpPr>
         <p:spPr>
           <a:xfrm>
-            <a:off x="5081556" y="2560075"/>
+            <a:off x="5591983" y="2569219"/>
             <a:ext cx="389713" cy="398396"/>
           </a:xfrm>
           <a:prstGeom prst="ellipse">
@@ -21425,7 +21425,7 @@
         </p:nvSpPr>
         <p:spPr>
           <a:xfrm>
-            <a:off x="2578082" y="2571750"/>
+            <a:off x="3088509" y="2580894"/>
             <a:ext cx="389713" cy="398396"/>
           </a:xfrm>
           <a:prstGeom prst="ellipse">
@@ -21476,7 +21476,7 @@
         </p:nvSpPr>
         <p:spPr>
           <a:xfrm>
-            <a:off x="6251452" y="2575777"/>
+            <a:off x="6761879" y="2584921"/>
             <a:ext cx="389713" cy="398396"/>
           </a:xfrm>
           <a:prstGeom prst="ellipse">
@@ -21527,7 +21527,7 @@
         </p:nvSpPr>
         <p:spPr>
           <a:xfrm>
-            <a:off x="1402907" y="2571750"/>
+            <a:off x="1913334" y="2580894"/>
             <a:ext cx="389713" cy="398396"/>
           </a:xfrm>
           <a:prstGeom prst="ellipse">
@@ -21578,7 +21578,7 @@
         </p:nvSpPr>
         <p:spPr>
           <a:xfrm>
-            <a:off x="4491907" y="2560075"/>
+            <a:off x="5002334" y="2569219"/>
             <a:ext cx="389713" cy="398396"/>
           </a:xfrm>
           <a:prstGeom prst="ellipse">
@@ -21629,7 +21629,7 @@
         </p:nvSpPr>
         <p:spPr>
           <a:xfrm>
-            <a:off x="6272785" y="1565968"/>
+            <a:off x="6783212" y="1575112"/>
             <a:ext cx="389713" cy="398396"/>
           </a:xfrm>
           <a:prstGeom prst="ellipse">
@@ -21680,7 +21680,7 @@
         </p:nvSpPr>
         <p:spPr>
           <a:xfrm>
-            <a:off x="7452244" y="2566633"/>
+            <a:off x="7962671" y="2575777"/>
             <a:ext cx="389713" cy="398396"/>
           </a:xfrm>
           <a:prstGeom prst="ellipse">
@@ -21731,7 +21731,7 @@
         </p:nvSpPr>
         <p:spPr>
           <a:xfrm>
-            <a:off x="6849289" y="2575777"/>
+            <a:off x="7359716" y="2584921"/>
             <a:ext cx="389713" cy="398396"/>
           </a:xfrm>
           <a:prstGeom prst="ellipse">
@@ -21782,7 +21782,7 @@
         </p:nvSpPr>
         <p:spPr>
           <a:xfrm>
-            <a:off x="1359800" y="3974838"/>
+            <a:off x="1870227" y="3983982"/>
             <a:ext cx="389713" cy="398396"/>
           </a:xfrm>
           <a:prstGeom prst="ellipse">
@@ -21833,7 +21833,7 @@
         </p:nvSpPr>
         <p:spPr>
           <a:xfrm>
-            <a:off x="1360196" y="3563327"/>
+            <a:off x="1870623" y="3572471"/>
             <a:ext cx="389713" cy="398396"/>
           </a:xfrm>
           <a:prstGeom prst="ellipse">
@@ -21884,7 +21884,7 @@
         </p:nvSpPr>
         <p:spPr>
           <a:xfrm>
-            <a:off x="1359800" y="4399465"/>
+            <a:off x="1870227" y="4408609"/>
             <a:ext cx="389713" cy="398396"/>
           </a:xfrm>
           <a:prstGeom prst="ellipse">
@@ -21935,7 +21935,7 @@
         </p:nvSpPr>
         <p:spPr>
           <a:xfrm>
-            <a:off x="1988941" y="3974838"/>
+            <a:off x="2499368" y="3983982"/>
             <a:ext cx="389713" cy="398396"/>
           </a:xfrm>
           <a:prstGeom prst="ellipse">
@@ -21986,7 +21986,7 @@
         </p:nvSpPr>
         <p:spPr>
           <a:xfrm>
-            <a:off x="1989337" y="3563327"/>
+            <a:off x="2499764" y="3572471"/>
             <a:ext cx="389713" cy="398396"/>
           </a:xfrm>
           <a:prstGeom prst="ellipse">
@@ -22037,7 +22037,7 @@
         </p:nvSpPr>
         <p:spPr>
           <a:xfrm>
-            <a:off x="1988941" y="4399465"/>
+            <a:off x="2499368" y="4408609"/>
             <a:ext cx="389713" cy="398396"/>
           </a:xfrm>
           <a:prstGeom prst="ellipse">
@@ -22088,7 +22088,7 @@
         </p:nvSpPr>
         <p:spPr>
           <a:xfrm>
-            <a:off x="2572916" y="3974838"/>
+            <a:off x="3083343" y="3983982"/>
             <a:ext cx="389713" cy="398396"/>
           </a:xfrm>
           <a:prstGeom prst="ellipse">
@@ -22139,7 +22139,7 @@
         </p:nvSpPr>
         <p:spPr>
           <a:xfrm>
-            <a:off x="2573312" y="3563327"/>
+            <a:off x="3083739" y="3572471"/>
             <a:ext cx="389713" cy="398396"/>
           </a:xfrm>
           <a:prstGeom prst="ellipse">
@@ -22190,7 +22190,7 @@
         </p:nvSpPr>
         <p:spPr>
           <a:xfrm>
-            <a:off x="2572916" y="4399465"/>
+            <a:off x="3083343" y="4408609"/>
             <a:ext cx="389713" cy="398396"/>
           </a:xfrm>
           <a:prstGeom prst="ellipse">
@@ -22241,7 +22241,7 @@
         </p:nvSpPr>
         <p:spPr>
           <a:xfrm>
-            <a:off x="3951644" y="3974838"/>
+            <a:off x="4462071" y="3983982"/>
             <a:ext cx="389713" cy="398396"/>
           </a:xfrm>
           <a:prstGeom prst="ellipse">
@@ -22292,7 +22292,7 @@
         </p:nvSpPr>
         <p:spPr>
           <a:xfrm>
-            <a:off x="3952040" y="3563327"/>
+            <a:off x="4462467" y="3572471"/>
             <a:ext cx="389713" cy="398396"/>
           </a:xfrm>
           <a:prstGeom prst="ellipse">
@@ -22343,7 +22343,7 @@
         </p:nvSpPr>
         <p:spPr>
           <a:xfrm>
-            <a:off x="3951644" y="4399465"/>
+            <a:off x="4462071" y="4408609"/>
             <a:ext cx="389713" cy="398396"/>
           </a:xfrm>
           <a:prstGeom prst="ellipse">
@@ -22394,7 +22394,7 @@
         </p:nvSpPr>
         <p:spPr>
           <a:xfrm>
-            <a:off x="4493812" y="3987953"/>
+            <a:off x="5004239" y="3997097"/>
             <a:ext cx="389713" cy="398396"/>
           </a:xfrm>
           <a:prstGeom prst="ellipse">
@@ -22445,7 +22445,7 @@
         </p:nvSpPr>
         <p:spPr>
           <a:xfrm>
-            <a:off x="4494208" y="3576442"/>
+            <a:off x="5004635" y="3585586"/>
             <a:ext cx="389713" cy="398396"/>
           </a:xfrm>
           <a:prstGeom prst="ellipse">
@@ -22496,7 +22496,7 @@
         </p:nvSpPr>
         <p:spPr>
           <a:xfrm>
-            <a:off x="4493812" y="4412580"/>
+            <a:off x="5004239" y="4421724"/>
             <a:ext cx="389713" cy="398396"/>
           </a:xfrm>
           <a:prstGeom prst="ellipse">
@@ -22547,7 +22547,7 @@
         </p:nvSpPr>
         <p:spPr>
           <a:xfrm>
-            <a:off x="5079306" y="4001068"/>
+            <a:off x="5589733" y="4010212"/>
             <a:ext cx="389713" cy="398396"/>
           </a:xfrm>
           <a:prstGeom prst="ellipse">
@@ -22598,7 +22598,7 @@
         </p:nvSpPr>
         <p:spPr>
           <a:xfrm>
-            <a:off x="5079702" y="3589557"/>
+            <a:off x="5590129" y="3598701"/>
             <a:ext cx="389713" cy="398396"/>
           </a:xfrm>
           <a:prstGeom prst="ellipse">
@@ -22649,7 +22649,7 @@
         </p:nvSpPr>
         <p:spPr>
           <a:xfrm>
-            <a:off x="5079306" y="4425695"/>
+            <a:off x="5589733" y="4434839"/>
             <a:ext cx="389713" cy="398396"/>
           </a:xfrm>
           <a:prstGeom prst="ellipse">
@@ -22700,7 +22700,7 @@
         </p:nvSpPr>
         <p:spPr>
           <a:xfrm>
-            <a:off x="6267647" y="3972353"/>
+            <a:off x="6778074" y="3981497"/>
             <a:ext cx="389713" cy="398396"/>
           </a:xfrm>
           <a:prstGeom prst="ellipse">
@@ -22751,7 +22751,7 @@
         </p:nvSpPr>
         <p:spPr>
           <a:xfrm>
-            <a:off x="6268043" y="3560842"/>
+            <a:off x="6778470" y="3569986"/>
             <a:ext cx="389713" cy="398396"/>
           </a:xfrm>
           <a:prstGeom prst="ellipse">
@@ -22802,7 +22802,7 @@
         </p:nvSpPr>
         <p:spPr>
           <a:xfrm>
-            <a:off x="6267647" y="4396980"/>
+            <a:off x="6778074" y="4406124"/>
             <a:ext cx="389713" cy="398396"/>
           </a:xfrm>
           <a:prstGeom prst="ellipse">
@@ -22853,7 +22853,7 @@
         </p:nvSpPr>
         <p:spPr>
           <a:xfrm>
-            <a:off x="6850870" y="3985468"/>
+            <a:off x="7361297" y="3994612"/>
             <a:ext cx="389713" cy="398396"/>
           </a:xfrm>
           <a:prstGeom prst="ellipse">
@@ -22904,7 +22904,7 @@
         </p:nvSpPr>
         <p:spPr>
           <a:xfrm>
-            <a:off x="6851266" y="3573957"/>
+            <a:off x="7361693" y="3583101"/>
             <a:ext cx="389713" cy="398396"/>
           </a:xfrm>
           <a:prstGeom prst="ellipse">
@@ -22955,7 +22955,7 @@
         </p:nvSpPr>
         <p:spPr>
           <a:xfrm>
-            <a:off x="6850870" y="4410095"/>
+            <a:off x="7361297" y="4419239"/>
             <a:ext cx="389713" cy="398396"/>
           </a:xfrm>
           <a:prstGeom prst="ellipse">
@@ -23006,7 +23006,7 @@
         </p:nvSpPr>
         <p:spPr>
           <a:xfrm>
-            <a:off x="7451848" y="3972353"/>
+            <a:off x="7962275" y="3981497"/>
             <a:ext cx="389713" cy="398396"/>
           </a:xfrm>
           <a:prstGeom prst="ellipse">
@@ -23057,7 +23057,7 @@
         </p:nvSpPr>
         <p:spPr>
           <a:xfrm>
-            <a:off x="7452244" y="3560842"/>
+            <a:off x="7962671" y="3569986"/>
             <a:ext cx="389713" cy="398396"/>
           </a:xfrm>
           <a:prstGeom prst="ellipse">
@@ -23108,7 +23108,7 @@
         </p:nvSpPr>
         <p:spPr>
           <a:xfrm>
-            <a:off x="7451848" y="4396980"/>
+            <a:off x="7962275" y="4406124"/>
             <a:ext cx="389713" cy="398396"/>
           </a:xfrm>
           <a:prstGeom prst="ellipse">
@@ -23158,7 +23158,7 @@
               <p14:nvPr/>
             </p14:nvContentPartPr>
             <p14:xfrm>
-              <a:off x="6671952" y="1788408"/>
+              <a:off x="7182379" y="1797552"/>
               <a:ext cx="955800" cy="818280"/>
             </p14:xfrm>
           </p:contentPart>
@@ -23184,7 +23184,7 @@
             </p:blipFill>
             <p:spPr>
               <a:xfrm>
-                <a:off x="6656832" y="1773288"/>
+                <a:off x="7167259" y="1782432"/>
                 <a:ext cx="986400" cy="848520"/>
               </a:xfrm>
               <a:prstGeom prst="rect">
@@ -23209,7 +23209,7 @@
               <p14:nvPr/>
             </p14:nvContentPartPr>
             <p14:xfrm>
-              <a:off x="5019912" y="1901808"/>
+              <a:off x="5530339" y="1910952"/>
               <a:ext cx="295560" cy="720000"/>
             </p14:xfrm>
           </p:contentPart>
@@ -23235,7 +23235,7 @@
             </p:blipFill>
             <p:spPr>
               <a:xfrm>
-                <a:off x="5004792" y="1886688"/>
+                <a:off x="5515219" y="1895832"/>
                 <a:ext cx="326160" cy="750600"/>
               </a:xfrm>
               <a:prstGeom prst="rect">
@@ -23260,7 +23260,7 @@
               <p14:nvPr/>
             </p14:nvContentPartPr>
             <p14:xfrm>
-              <a:off x="4753872" y="1961928"/>
+              <a:off x="5264299" y="1971072"/>
               <a:ext cx="110880" cy="624960"/>
             </p14:xfrm>
           </p:contentPart>
@@ -23286,7 +23286,7 @@
             </p:blipFill>
             <p:spPr>
               <a:xfrm>
-                <a:off x="4738392" y="1946808"/>
+                <a:off x="5248819" y="1955952"/>
                 <a:ext cx="141480" cy="655200"/>
               </a:xfrm>
               <a:prstGeom prst="rect">
@@ -23311,7 +23311,7 @@
               <p14:nvPr/>
             </p14:nvContentPartPr>
             <p14:xfrm>
-              <a:off x="4281912" y="1883448"/>
+              <a:off x="4792339" y="1892592"/>
               <a:ext cx="473400" cy="743040"/>
             </p14:xfrm>
           </p:contentPart>
@@ -23337,7 +23337,7 @@
             </p:blipFill>
             <p:spPr>
               <a:xfrm>
-                <a:off x="4266432" y="1868328"/>
+                <a:off x="4776859" y="1877472"/>
                 <a:ext cx="503640" cy="773640"/>
               </a:xfrm>
               <a:prstGeom prst="rect">
@@ -23362,7 +23362,7 @@
               <p14:nvPr/>
             </p14:nvContentPartPr>
             <p14:xfrm>
-              <a:off x="2918232" y="1910808"/>
+              <a:off x="3428659" y="1919952"/>
               <a:ext cx="300600" cy="736560"/>
             </p14:xfrm>
           </p:contentPart>
@@ -23388,7 +23388,7 @@
             </p:blipFill>
             <p:spPr>
               <a:xfrm>
-                <a:off x="2902752" y="1895688"/>
+                <a:off x="3413179" y="1904832"/>
                 <a:ext cx="331200" cy="766800"/>
               </a:xfrm>
               <a:prstGeom prst="rect">
@@ -23413,7 +23413,7 @@
               <p14:nvPr/>
             </p14:nvContentPartPr>
             <p14:xfrm>
-              <a:off x="2249352" y="1768968"/>
+              <a:off x="2759779" y="1778112"/>
               <a:ext cx="852840" cy="852120"/>
             </p14:xfrm>
           </p:contentPart>
@@ -23439,7 +23439,7 @@
             </p:blipFill>
             <p:spPr>
               <a:xfrm>
-                <a:off x="2233872" y="1753848"/>
+                <a:off x="2744299" y="1762992"/>
                 <a:ext cx="883440" cy="882360"/>
               </a:xfrm>
               <a:prstGeom prst="rect">
@@ -23464,7 +23464,7 @@
               <p14:nvPr/>
             </p14:nvContentPartPr>
             <p14:xfrm>
-              <a:off x="1503432" y="2971728"/>
+              <a:off x="2013859" y="2980872"/>
               <a:ext cx="68040" cy="606240"/>
             </p14:xfrm>
           </p:contentPart>
@@ -23490,7 +23490,7 @@
             </p:blipFill>
             <p:spPr>
               <a:xfrm>
-                <a:off x="1488312" y="2956248"/>
+                <a:off x="1998739" y="2965392"/>
                 <a:ext cx="98640" cy="636840"/>
               </a:xfrm>
               <a:prstGeom prst="rect">
@@ -23514,7 +23514,7 @@
         </p:nvGrpSpPr>
         <p:grpSpPr>
           <a:xfrm>
-            <a:off x="1278792" y="2962368"/>
+            <a:off x="1789219" y="2971512"/>
             <a:ext cx="1185120" cy="1915560"/>
             <a:chOff x="1278792" y="2962368"/>
             <a:chExt cx="1185120" cy="1915560"/>
@@ -23689,7 +23689,7 @@
               <p14:nvPr/>
             </p14:nvContentPartPr>
             <p14:xfrm>
-              <a:off x="2541672" y="2980728"/>
+              <a:off x="3052099" y="2989872"/>
               <a:ext cx="473040" cy="1845000"/>
             </p14:xfrm>
           </p:contentPart>
@@ -23715,7 +23715,7 @@
             </p:blipFill>
             <p:spPr>
               <a:xfrm>
-                <a:off x="2526192" y="2965608"/>
+                <a:off x="3036619" y="2974752"/>
                 <a:ext cx="503640" cy="1875240"/>
               </a:xfrm>
               <a:prstGeom prst="rect">
@@ -23740,7 +23740,7 @@
               <p14:nvPr/>
             </p14:nvContentPartPr>
             <p14:xfrm>
-              <a:off x="3893832" y="2971728"/>
+              <a:off x="4404259" y="2980872"/>
               <a:ext cx="517680" cy="1919520"/>
             </p14:xfrm>
           </p:contentPart>
@@ -23766,7 +23766,7 @@
             </p:blipFill>
             <p:spPr>
               <a:xfrm>
-                <a:off x="3878352" y="2956248"/>
+                <a:off x="4388779" y="2965392"/>
                 <a:ext cx="548280" cy="1950120"/>
               </a:xfrm>
               <a:prstGeom prst="rect">
@@ -23791,7 +23791,7 @@
               <p14:nvPr/>
             </p14:nvContentPartPr>
             <p14:xfrm>
-              <a:off x="4463352" y="2953368"/>
+              <a:off x="4973779" y="2962512"/>
               <a:ext cx="451440" cy="1951560"/>
             </p14:xfrm>
           </p:contentPart>
@@ -23817,7 +23817,7 @@
             </p:blipFill>
             <p:spPr>
               <a:xfrm>
-                <a:off x="4448232" y="2938248"/>
+                <a:off x="4958659" y="2947392"/>
                 <a:ext cx="482040" cy="1982160"/>
               </a:xfrm>
               <a:prstGeom prst="rect">
@@ -23842,7 +23842,7 @@
               <p14:nvPr/>
             </p14:nvContentPartPr>
             <p14:xfrm>
-              <a:off x="5016312" y="2989728"/>
+              <a:off x="5526739" y="2998872"/>
               <a:ext cx="527040" cy="1908360"/>
             </p14:xfrm>
           </p:contentPart>
@@ -23868,7 +23868,7 @@
             </p:blipFill>
             <p:spPr>
               <a:xfrm>
-                <a:off x="5001192" y="2974248"/>
+                <a:off x="5511619" y="2983392"/>
                 <a:ext cx="557640" cy="1938960"/>
               </a:xfrm>
               <a:prstGeom prst="rect">
@@ -23893,7 +23893,7 @@
               <p14:nvPr/>
             </p14:nvContentPartPr>
             <p14:xfrm>
-              <a:off x="6206832" y="2980728"/>
+              <a:off x="6717259" y="2989872"/>
               <a:ext cx="473040" cy="1803960"/>
             </p14:xfrm>
           </p:contentPart>
@@ -23919,7 +23919,7 @@
             </p:blipFill>
             <p:spPr>
               <a:xfrm>
-                <a:off x="6191712" y="2965608"/>
+                <a:off x="6702139" y="2974752"/>
                 <a:ext cx="503640" cy="1834560"/>
               </a:xfrm>
               <a:prstGeom prst="rect">
@@ -23944,7 +23944,7 @@
               <p14:nvPr/>
             </p14:nvContentPartPr>
             <p14:xfrm>
-              <a:off x="6806592" y="2971728"/>
+              <a:off x="7317019" y="2980872"/>
               <a:ext cx="462240" cy="1847160"/>
             </p14:xfrm>
           </p:contentPart>
@@ -23970,7 +23970,7 @@
             </p:blipFill>
             <p:spPr>
               <a:xfrm>
-                <a:off x="6791472" y="2956248"/>
+                <a:off x="7301899" y="2965392"/>
                 <a:ext cx="492840" cy="1877760"/>
               </a:xfrm>
               <a:prstGeom prst="rect">
@@ -23995,7 +23995,7 @@
               <p14:nvPr/>
             </p14:nvContentPartPr>
             <p14:xfrm>
-              <a:off x="7404912" y="2980728"/>
+              <a:off x="7915339" y="2989872"/>
               <a:ext cx="502560" cy="1834200"/>
             </p14:xfrm>
           </p:contentPart>
@@ -24021,7 +24021,7 @@
             </p:blipFill>
             <p:spPr>
               <a:xfrm>
-                <a:off x="7389792" y="2965608"/>
+                <a:off x="7900219" y="2974752"/>
                 <a:ext cx="532800" cy="1864800"/>
               </a:xfrm>
               <a:prstGeom prst="rect">
@@ -24046,7 +24046,7 @@
               <p14:nvPr/>
             </p14:nvContentPartPr>
             <p14:xfrm>
-              <a:off x="1711512" y="1636488"/>
+              <a:off x="2221939" y="1645632"/>
               <a:ext cx="1473120" cy="954360"/>
             </p14:xfrm>
           </p:contentPart>
@@ -24072,7 +24072,7 @@
             </p:blipFill>
             <p:spPr>
               <a:xfrm>
-                <a:off x="1696392" y="1621368"/>
+                <a:off x="2206819" y="1630512"/>
                 <a:ext cx="1503360" cy="984960"/>
               </a:xfrm>
               <a:prstGeom prst="rect">
@@ -24712,7 +24712,7 @@
         </p:nvGrpSpPr>
         <p:grpSpPr>
           <a:xfrm>
-            <a:off x="3483072" y="1069704"/>
+            <a:off x="3993499" y="1078848"/>
             <a:ext cx="3530160" cy="1506024"/>
             <a:chOff x="3483072" y="1069704"/>
             <a:chExt cx="3530160" cy="1506024"/>
@@ -32682,7 +32682,7 @@
                 <p:nvPr/>
               </p:nvPicPr>
               <p:blipFill>
-                <a:blip r:embed="rId248"/>
+                <a:blip r:embed="rId256"/>
                 <a:stretch>
                   <a:fillRect/>
                 </a:stretch>
@@ -32722,7 +32722,7 @@
         </p:grpSpPr>
         <mc:AlternateContent xmlns:mc="http://schemas.openxmlformats.org/markup-compatibility/2006">
           <mc:Choice xmlns:p14="http://schemas.microsoft.com/office/powerpoint/2010/main" xmlns:aink="http://schemas.microsoft.com/office/drawing/2016/ink" Requires="p14 aink">
-            <p:contentPart p14:bwMode="auto" r:id="rId256">
+            <p:contentPart p14:bwMode="auto" r:id="rId257">
               <p14:nvContentPartPr>
                 <p14:cNvPr id="373" name="Inkt 372">
                   <a:extLst>
@@ -32773,7 +32773,7 @@
         </mc:AlternateContent>
         <mc:AlternateContent xmlns:mc="http://schemas.openxmlformats.org/markup-compatibility/2006">
           <mc:Choice xmlns:p14="http://schemas.microsoft.com/office/powerpoint/2010/main" xmlns:aink="http://schemas.microsoft.com/office/drawing/2016/ink" Requires="p14 aink">
-            <p:contentPart p14:bwMode="auto" r:id="rId257">
+            <p:contentPart p14:bwMode="auto" r:id="rId258">
               <p14:nvContentPartPr>
                 <p14:cNvPr id="374" name="Inkt 373">
                   <a:extLst>
@@ -32805,7 +32805,7 @@
                 <p:nvPr/>
               </p:nvPicPr>
               <p:blipFill>
-                <a:blip r:embed="rId254"/>
+                <a:blip r:embed="rId259"/>
                 <a:stretch>
                   <a:fillRect/>
                 </a:stretch>
@@ -32825,7 +32825,7 @@
       </p:grpSp>
       <mc:AlternateContent xmlns:mc="http://schemas.openxmlformats.org/markup-compatibility/2006">
         <mc:Choice xmlns:p14="http://schemas.microsoft.com/office/powerpoint/2010/main" xmlns:aink="http://schemas.microsoft.com/office/drawing/2016/ink" Requires="p14 aink">
-          <p:contentPart p14:bwMode="auto" r:id="rId258">
+          <p:contentPart p14:bwMode="auto" r:id="rId260">
             <p14:nvContentPartPr>
               <p14:cNvPr id="376" name="Inkt 375">
                 <a:extLst>
@@ -32857,7 +32857,7 @@
               <p:nvPr/>
             </p:nvPicPr>
             <p:blipFill>
-              <a:blip r:embed="rId259"/>
+              <a:blip r:embed="rId261"/>
               <a:stretch>
                 <a:fillRect/>
               </a:stretch>
@@ -32876,7 +32876,7 @@
       </mc:AlternateContent>
       <mc:AlternateContent xmlns:mc="http://schemas.openxmlformats.org/markup-compatibility/2006">
         <mc:Choice xmlns:p14="http://schemas.microsoft.com/office/powerpoint/2010/main" xmlns:aink="http://schemas.microsoft.com/office/drawing/2016/ink" Requires="p14 aink">
-          <p:contentPart p14:bwMode="auto" r:id="rId260">
+          <p:contentPart p14:bwMode="auto" r:id="rId262">
             <p14:nvContentPartPr>
               <p14:cNvPr id="377" name="Inkt 376">
                 <a:extLst>
@@ -32908,7 +32908,7 @@
               <p:nvPr/>
             </p:nvPicPr>
             <p:blipFill>
-              <a:blip r:embed="rId261"/>
+              <a:blip r:embed="rId263"/>
               <a:stretch>
                 <a:fillRect/>
               </a:stretch>
@@ -32927,7 +32927,7 @@
       </mc:AlternateContent>
       <mc:AlternateContent xmlns:mc="http://schemas.openxmlformats.org/markup-compatibility/2006">
         <mc:Choice xmlns:p14="http://schemas.microsoft.com/office/powerpoint/2010/main" xmlns:aink="http://schemas.microsoft.com/office/drawing/2016/ink" Requires="p14 aink">
-          <p:contentPart p14:bwMode="auto" r:id="rId262">
+          <p:contentPart p14:bwMode="auto" r:id="rId264">
             <p14:nvContentPartPr>
               <p14:cNvPr id="378" name="Inkt 377">
                 <a:extLst>
@@ -32959,7 +32959,7 @@
               <p:nvPr/>
             </p:nvPicPr>
             <p:blipFill>
-              <a:blip r:embed="rId263"/>
+              <a:blip r:embed="rId265"/>
               <a:stretch>
                 <a:fillRect/>
               </a:stretch>
@@ -32998,7 +32998,7 @@
         </p:grpSpPr>
         <mc:AlternateContent xmlns:mc="http://schemas.openxmlformats.org/markup-compatibility/2006">
           <mc:Choice xmlns:p14="http://schemas.microsoft.com/office/powerpoint/2010/main" xmlns:aink="http://schemas.microsoft.com/office/drawing/2016/ink" Requires="p14 aink">
-            <p:contentPart p14:bwMode="auto" r:id="rId264">
+            <p:contentPart p14:bwMode="auto" r:id="rId266">
               <p14:nvContentPartPr>
                 <p14:cNvPr id="355" name="Inkt 354">
                   <a:extLst>
@@ -33049,7 +33049,7 @@
         </mc:AlternateContent>
         <mc:AlternateContent xmlns:mc="http://schemas.openxmlformats.org/markup-compatibility/2006">
           <mc:Choice xmlns:p14="http://schemas.microsoft.com/office/powerpoint/2010/main" xmlns:aink="http://schemas.microsoft.com/office/drawing/2016/ink" Requires="p14 aink">
-            <p:contentPart p14:bwMode="auto" r:id="rId265">
+            <p:contentPart p14:bwMode="auto" r:id="rId267">
               <p14:nvContentPartPr>
                 <p14:cNvPr id="356" name="Inkt 355">
                   <a:extLst>
@@ -33100,7 +33100,7 @@
         </mc:AlternateContent>
         <mc:AlternateContent xmlns:mc="http://schemas.openxmlformats.org/markup-compatibility/2006">
           <mc:Choice xmlns:p14="http://schemas.microsoft.com/office/powerpoint/2010/main" xmlns:aink="http://schemas.microsoft.com/office/drawing/2016/ink" Requires="p14 aink">
-            <p:contentPart p14:bwMode="auto" r:id="rId266">
+            <p:contentPart p14:bwMode="auto" r:id="rId268">
               <p14:nvContentPartPr>
                 <p14:cNvPr id="358" name="Inkt 357">
                   <a:extLst>
@@ -33151,7 +33151,7 @@
         </mc:AlternateContent>
         <mc:AlternateContent xmlns:mc="http://schemas.openxmlformats.org/markup-compatibility/2006">
           <mc:Choice xmlns:p14="http://schemas.microsoft.com/office/powerpoint/2010/main" xmlns:aink="http://schemas.microsoft.com/office/drawing/2016/ink" Requires="p14 aink">
-            <p:contentPart p14:bwMode="auto" r:id="rId267">
+            <p:contentPart p14:bwMode="auto" r:id="rId269">
               <p14:nvContentPartPr>
                 <p14:cNvPr id="359" name="Inkt 358">
                   <a:extLst>
@@ -33183,7 +33183,7 @@
                 <p:nvPr/>
               </p:nvPicPr>
               <p:blipFill>
-                <a:blip r:embed="rId254"/>
+                <a:blip r:embed="rId270"/>
                 <a:stretch>
                   <a:fillRect/>
                 </a:stretch>
@@ -33202,7 +33202,7 @@
         </mc:AlternateContent>
         <mc:AlternateContent xmlns:mc="http://schemas.openxmlformats.org/markup-compatibility/2006">
           <mc:Choice xmlns:p14="http://schemas.microsoft.com/office/powerpoint/2010/main" xmlns:aink="http://schemas.microsoft.com/office/drawing/2016/ink" Requires="p14 aink">
-            <p:contentPart p14:bwMode="auto" r:id="rId268">
+            <p:contentPart p14:bwMode="auto" r:id="rId271">
               <p14:nvContentPartPr>
                 <p14:cNvPr id="379" name="Inkt 378">
                   <a:extLst>
@@ -33234,7 +33234,7 @@
                 <p:nvPr/>
               </p:nvPicPr>
               <p:blipFill>
-                <a:blip r:embed="rId269"/>
+                <a:blip r:embed="rId272"/>
                 <a:stretch>
                   <a:fillRect/>
                 </a:stretch>
@@ -33274,7 +33274,7 @@
         </p:grpSpPr>
         <mc:AlternateContent xmlns:mc="http://schemas.openxmlformats.org/markup-compatibility/2006">
           <mc:Choice xmlns:p14="http://schemas.microsoft.com/office/powerpoint/2010/main" xmlns:aink="http://schemas.microsoft.com/office/drawing/2016/ink" Requires="p14 aink">
-            <p:contentPart p14:bwMode="auto" r:id="rId270">
+            <p:contentPart p14:bwMode="auto" r:id="rId273">
               <p14:nvContentPartPr>
                 <p14:cNvPr id="381" name="Inkt 380">
                   <a:extLst>
@@ -33306,7 +33306,7 @@
                 <p:nvPr/>
               </p:nvPicPr>
               <p:blipFill>
-                <a:blip r:embed="rId271"/>
+                <a:blip r:embed="rId274"/>
                 <a:stretch>
                   <a:fillRect/>
                 </a:stretch>
@@ -33325,7 +33325,7 @@
         </mc:AlternateContent>
         <mc:AlternateContent xmlns:mc="http://schemas.openxmlformats.org/markup-compatibility/2006">
           <mc:Choice xmlns:p14="http://schemas.microsoft.com/office/powerpoint/2010/main" xmlns:aink="http://schemas.microsoft.com/office/drawing/2016/ink" Requires="p14 aink">
-            <p:contentPart p14:bwMode="auto" r:id="rId272">
+            <p:contentPart p14:bwMode="auto" r:id="rId275">
               <p14:nvContentPartPr>
                 <p14:cNvPr id="382" name="Inkt 381">
                   <a:extLst>
@@ -33357,7 +33357,7 @@
                 <p:nvPr/>
               </p:nvPicPr>
               <p:blipFill>
-                <a:blip r:embed="rId273"/>
+                <a:blip r:embed="rId276"/>
                 <a:stretch>
                   <a:fillRect/>
                 </a:stretch>
@@ -33376,7 +33376,7 @@
         </mc:AlternateContent>
         <mc:AlternateContent xmlns:mc="http://schemas.openxmlformats.org/markup-compatibility/2006">
           <mc:Choice xmlns:p14="http://schemas.microsoft.com/office/powerpoint/2010/main" xmlns:aink="http://schemas.microsoft.com/office/drawing/2016/ink" Requires="p14 aink">
-            <p:contentPart p14:bwMode="auto" r:id="rId274">
+            <p:contentPart p14:bwMode="auto" r:id="rId277">
               <p14:nvContentPartPr>
                 <p14:cNvPr id="383" name="Inkt 382">
                   <a:extLst>
@@ -33408,7 +33408,7 @@
                 <p:nvPr/>
               </p:nvPicPr>
               <p:blipFill>
-                <a:blip r:embed="rId275"/>
+                <a:blip r:embed="rId278"/>
                 <a:stretch>
                   <a:fillRect/>
                 </a:stretch>
@@ -33427,7 +33427,7 @@
         </mc:AlternateContent>
         <mc:AlternateContent xmlns:mc="http://schemas.openxmlformats.org/markup-compatibility/2006">
           <mc:Choice xmlns:p14="http://schemas.microsoft.com/office/powerpoint/2010/main" xmlns:aink="http://schemas.microsoft.com/office/drawing/2016/ink" Requires="p14 aink">
-            <p:contentPart p14:bwMode="auto" r:id="rId276">
+            <p:contentPart p14:bwMode="auto" r:id="rId279">
               <p14:nvContentPartPr>
                 <p14:cNvPr id="384" name="Inkt 383">
                   <a:extLst>
@@ -33459,7 +33459,7 @@
                 <p:nvPr/>
               </p:nvPicPr>
               <p:blipFill>
-                <a:blip r:embed="rId277"/>
+                <a:blip r:embed="rId280"/>
                 <a:stretch>
                   <a:fillRect/>
                 </a:stretch>
@@ -33479,7 +33479,7 @@
       </p:grpSp>
       <mc:AlternateContent xmlns:mc="http://schemas.openxmlformats.org/markup-compatibility/2006">
         <mc:Choice xmlns:p14="http://schemas.microsoft.com/office/powerpoint/2010/main" xmlns:aink="http://schemas.microsoft.com/office/drawing/2016/ink" Requires="p14 aink">
-          <p:contentPart p14:bwMode="auto" r:id="rId278">
+          <p:contentPart p14:bwMode="auto" r:id="rId281">
             <p14:nvContentPartPr>
               <p14:cNvPr id="386" name="Inkt 385">
                 <a:extLst>
@@ -33511,7 +33511,7 @@
               <p:nvPr/>
             </p:nvPicPr>
             <p:blipFill>
-              <a:blip r:embed="rId279"/>
+              <a:blip r:embed="rId282"/>
               <a:stretch>
                 <a:fillRect/>
               </a:stretch>
@@ -33530,7 +33530,7 @@
       </mc:AlternateContent>
       <mc:AlternateContent xmlns:mc="http://schemas.openxmlformats.org/markup-compatibility/2006">
         <mc:Choice xmlns:p14="http://schemas.microsoft.com/office/powerpoint/2010/main" xmlns:aink="http://schemas.microsoft.com/office/drawing/2016/ink" Requires="p14 aink">
-          <p:contentPart p14:bwMode="auto" r:id="rId280">
+          <p:contentPart p14:bwMode="auto" r:id="rId283">
             <p14:nvContentPartPr>
               <p14:cNvPr id="387" name="Inkt 386">
                 <a:extLst>
@@ -33562,7 +33562,7 @@
               <p:nvPr/>
             </p:nvPicPr>
             <p:blipFill>
-              <a:blip r:embed="rId281"/>
+              <a:blip r:embed="rId284"/>
               <a:stretch>
                 <a:fillRect/>
               </a:stretch>
@@ -33581,7 +33581,7 @@
       </mc:AlternateContent>
       <mc:AlternateContent xmlns:mc="http://schemas.openxmlformats.org/markup-compatibility/2006">
         <mc:Choice xmlns:p14="http://schemas.microsoft.com/office/powerpoint/2010/main" xmlns:aink="http://schemas.microsoft.com/office/drawing/2016/ink" Requires="p14 aink">
-          <p:contentPart p14:bwMode="auto" r:id="rId282">
+          <p:contentPart p14:bwMode="auto" r:id="rId285">
             <p14:nvContentPartPr>
               <p14:cNvPr id="388" name="Inkt 387">
                 <a:extLst>
@@ -33613,7 +33613,7 @@
               <p:nvPr/>
             </p:nvPicPr>
             <p:blipFill>
-              <a:blip r:embed="rId283"/>
+              <a:blip r:embed="rId286"/>
               <a:stretch>
                 <a:fillRect/>
               </a:stretch>
@@ -33632,7 +33632,7 @@
       </mc:AlternateContent>
       <mc:AlternateContent xmlns:mc="http://schemas.openxmlformats.org/markup-compatibility/2006">
         <mc:Choice xmlns:p14="http://schemas.microsoft.com/office/powerpoint/2010/main" xmlns:aink="http://schemas.microsoft.com/office/drawing/2016/ink" Requires="p14 aink">
-          <p:contentPart p14:bwMode="auto" r:id="rId284">
+          <p:contentPart p14:bwMode="auto" r:id="rId287">
             <p14:nvContentPartPr>
               <p14:cNvPr id="389" name="Inkt 388">
                 <a:extLst>
@@ -33664,7 +33664,7 @@
               <p:nvPr/>
             </p:nvPicPr>
             <p:blipFill>
-              <a:blip r:embed="rId285"/>
+              <a:blip r:embed="rId288"/>
               <a:stretch>
                 <a:fillRect/>
               </a:stretch>
@@ -33703,7 +33703,7 @@
         </p:grpSpPr>
         <mc:AlternateContent xmlns:mc="http://schemas.openxmlformats.org/markup-compatibility/2006">
           <mc:Choice xmlns:p14="http://schemas.microsoft.com/office/powerpoint/2010/main" xmlns:aink="http://schemas.microsoft.com/office/drawing/2016/ink" Requires="p14 aink">
-            <p:contentPart p14:bwMode="auto" r:id="rId286">
+            <p:contentPart p14:bwMode="auto" r:id="rId289">
               <p14:nvContentPartPr>
                 <p14:cNvPr id="390" name="Inkt 389">
                   <a:extLst>
@@ -33735,7 +33735,7 @@
                 <p:nvPr/>
               </p:nvPicPr>
               <p:blipFill>
-                <a:blip r:embed="rId287"/>
+                <a:blip r:embed="rId290"/>
                 <a:stretch>
                   <a:fillRect/>
                 </a:stretch>
@@ -33754,7 +33754,7 @@
         </mc:AlternateContent>
         <mc:AlternateContent xmlns:mc="http://schemas.openxmlformats.org/markup-compatibility/2006">
           <mc:Choice xmlns:p14="http://schemas.microsoft.com/office/powerpoint/2010/main" xmlns:aink="http://schemas.microsoft.com/office/drawing/2016/ink" Requires="p14 aink">
-            <p:contentPart p14:bwMode="auto" r:id="rId288">
+            <p:contentPart p14:bwMode="auto" r:id="rId291">
               <p14:nvContentPartPr>
                 <p14:cNvPr id="391" name="Inkt 390">
                   <a:extLst>
@@ -33786,7 +33786,7 @@
                 <p:nvPr/>
               </p:nvPicPr>
               <p:blipFill>
-                <a:blip r:embed="rId289"/>
+                <a:blip r:embed="rId292"/>
                 <a:stretch>
                   <a:fillRect/>
                 </a:stretch>
@@ -33806,7 +33806,7 @@
       </p:grpSp>
       <mc:AlternateContent xmlns:mc="http://schemas.openxmlformats.org/markup-compatibility/2006">
         <mc:Choice xmlns:p14="http://schemas.microsoft.com/office/powerpoint/2010/main" xmlns:aink="http://schemas.microsoft.com/office/drawing/2016/ink" Requires="p14 aink">
-          <p:contentPart p14:bwMode="auto" r:id="rId290">
+          <p:contentPart p14:bwMode="auto" r:id="rId293">
             <p14:nvContentPartPr>
               <p14:cNvPr id="393" name="Inkt 392">
                 <a:extLst>
@@ -33838,7 +33838,7 @@
               <p:nvPr/>
             </p:nvPicPr>
             <p:blipFill>
-              <a:blip r:embed="rId291"/>
+              <a:blip r:embed="rId294"/>
               <a:stretch>
                 <a:fillRect/>
               </a:stretch>
@@ -33857,7 +33857,7 @@
       </mc:AlternateContent>
       <mc:AlternateContent xmlns:mc="http://schemas.openxmlformats.org/markup-compatibility/2006">
         <mc:Choice xmlns:p14="http://schemas.microsoft.com/office/powerpoint/2010/main" xmlns:aink="http://schemas.microsoft.com/office/drawing/2016/ink" Requires="p14 aink">
-          <p:contentPart p14:bwMode="auto" r:id="rId292">
+          <p:contentPart p14:bwMode="auto" r:id="rId295">
             <p14:nvContentPartPr>
               <p14:cNvPr id="394" name="Inkt 393">
                 <a:extLst>
@@ -33889,7 +33889,7 @@
               <p:nvPr/>
             </p:nvPicPr>
             <p:blipFill>
-              <a:blip r:embed="rId293"/>
+              <a:blip r:embed="rId296"/>
               <a:stretch>
                 <a:fillRect/>
               </a:stretch>
@@ -33908,7 +33908,7 @@
       </mc:AlternateContent>
       <mc:AlternateContent xmlns:mc="http://schemas.openxmlformats.org/markup-compatibility/2006">
         <mc:Choice xmlns:p14="http://schemas.microsoft.com/office/powerpoint/2010/main" xmlns:aink="http://schemas.microsoft.com/office/drawing/2016/ink" Requires="p14 aink">
-          <p:contentPart p14:bwMode="auto" r:id="rId294">
+          <p:contentPart p14:bwMode="auto" r:id="rId297">
             <p14:nvContentPartPr>
               <p14:cNvPr id="395" name="Inkt 394">
                 <a:extLst>
@@ -33940,7 +33940,7 @@
               <p:nvPr/>
             </p:nvPicPr>
             <p:blipFill>
-              <a:blip r:embed="rId295"/>
+              <a:blip r:embed="rId298"/>
               <a:stretch>
                 <a:fillRect/>
               </a:stretch>
@@ -33959,7 +33959,7 @@
       </mc:AlternateContent>
       <mc:AlternateContent xmlns:mc="http://schemas.openxmlformats.org/markup-compatibility/2006">
         <mc:Choice xmlns:p14="http://schemas.microsoft.com/office/powerpoint/2010/main" xmlns:aink="http://schemas.microsoft.com/office/drawing/2016/ink" Requires="p14 aink">
-          <p:contentPart p14:bwMode="auto" r:id="rId296">
+          <p:contentPart p14:bwMode="auto" r:id="rId299">
             <p14:nvContentPartPr>
               <p14:cNvPr id="396" name="Inkt 395">
                 <a:extLst>
@@ -33991,7 +33991,7 @@
               <p:nvPr/>
             </p:nvPicPr>
             <p:blipFill>
-              <a:blip r:embed="rId297"/>
+              <a:blip r:embed="rId300"/>
               <a:stretch>
                 <a:fillRect/>
               </a:stretch>
@@ -34010,7 +34010,7 @@
       </mc:AlternateContent>
       <mc:AlternateContent xmlns:mc="http://schemas.openxmlformats.org/markup-compatibility/2006">
         <mc:Choice xmlns:p14="http://schemas.microsoft.com/office/powerpoint/2010/main" xmlns:aink="http://schemas.microsoft.com/office/drawing/2016/ink" Requires="p14 aink">
-          <p:contentPart p14:bwMode="auto" r:id="rId298">
+          <p:contentPart p14:bwMode="auto" r:id="rId301">
             <p14:nvContentPartPr>
               <p14:cNvPr id="397" name="Inkt 396">
                 <a:extLst>
@@ -34042,7 +34042,7 @@
               <p:nvPr/>
             </p:nvPicPr>
             <p:blipFill>
-              <a:blip r:embed="rId299"/>
+              <a:blip r:embed="rId302"/>
               <a:stretch>
                 <a:fillRect/>
               </a:stretch>
@@ -34061,7 +34061,7 @@
       </mc:AlternateContent>
       <mc:AlternateContent xmlns:mc="http://schemas.openxmlformats.org/markup-compatibility/2006">
         <mc:Choice xmlns:p14="http://schemas.microsoft.com/office/powerpoint/2010/main" xmlns:aink="http://schemas.microsoft.com/office/drawing/2016/ink" Requires="p14 aink">
-          <p:contentPart p14:bwMode="auto" r:id="rId300">
+          <p:contentPart p14:bwMode="auto" r:id="rId303">
             <p14:nvContentPartPr>
               <p14:cNvPr id="398" name="Inkt 397">
                 <a:extLst>
@@ -34093,7 +34093,7 @@
               <p:nvPr/>
             </p:nvPicPr>
             <p:blipFill>
-              <a:blip r:embed="rId301"/>
+              <a:blip r:embed="rId304"/>
               <a:stretch>
                 <a:fillRect/>
               </a:stretch>
@@ -34112,7 +34112,7 @@
       </mc:AlternateContent>
       <mc:AlternateContent xmlns:mc="http://schemas.openxmlformats.org/markup-compatibility/2006">
         <mc:Choice xmlns:p14="http://schemas.microsoft.com/office/powerpoint/2010/main" xmlns:aink="http://schemas.microsoft.com/office/drawing/2016/ink" Requires="p14 aink">
-          <p:contentPart p14:bwMode="auto" r:id="rId302">
+          <p:contentPart p14:bwMode="auto" r:id="rId305">
             <p14:nvContentPartPr>
               <p14:cNvPr id="399" name="Inkt 398">
                 <a:extLst>
@@ -34144,7 +34144,7 @@
               <p:nvPr/>
             </p:nvPicPr>
             <p:blipFill>
-              <a:blip r:embed="rId303"/>
+              <a:blip r:embed="rId306"/>
               <a:stretch>
                 <a:fillRect/>
               </a:stretch>
@@ -36742,8 +36742,8 @@
         </p:nvSpPr>
         <p:spPr>
           <a:xfrm>
-            <a:off x="163275" y="2419350"/>
-            <a:ext cx="8980800" cy="927900"/>
+            <a:off x="4076907" y="127794"/>
+            <a:ext cx="4500165" cy="927900"/>
           </a:xfrm>
           <a:prstGeom prst="rect">
             <a:avLst/>
@@ -36773,10 +36773,10 @@
               <a:buNone/>
             </a:pPr>
             <a:r>
-              <a:rPr lang="nl"/>
+              <a:rPr lang="nl" dirty="0"/>
               <a:t>Start met volledige, ongevouwen structuur (a).</a:t>
             </a:r>
-            <a:endParaRPr/>
+            <a:endParaRPr dirty="0"/>
           </a:p>
           <a:p>
             <a:pPr marL="0" lvl="0" indent="0" algn="l" rtl="0">
@@ -36793,10 +36793,10 @@
               <a:buNone/>
             </a:pPr>
             <a:r>
-              <a:rPr lang="nl"/>
-              <a:t>Willekeurige vouwing worden uitgevoerd (b, c, d).</a:t>
+              <a:rPr lang="nl" dirty="0"/>
+              <a:t>Willekeurige vouwing wordt uitgevoerd (b, c, d).</a:t>
             </a:r>
-            <a:endParaRPr/>
+            <a:endParaRPr dirty="0"/>
           </a:p>
         </p:txBody>
       </p:sp>
@@ -36815,7 +36815,7 @@
         </p:blipFill>
         <p:spPr>
           <a:xfrm>
-            <a:off x="135779" y="685744"/>
+            <a:off x="0" y="884428"/>
             <a:ext cx="8872427" cy="1616925"/>
           </a:xfrm>
           <a:prstGeom prst="rect">
@@ -36827,55 +36827,6 @@
           </a:ln>
         </p:spPr>
       </p:pic>
-      <p:sp>
-        <p:nvSpPr>
-          <p:cNvPr id="260" name="Google Shape;260;p43"/>
-          <p:cNvSpPr/>
-          <p:nvPr/>
-        </p:nvSpPr>
-        <p:spPr>
-          <a:xfrm>
-            <a:off x="4419600" y="2419350"/>
-            <a:ext cx="304800" cy="304800"/>
-          </a:xfrm>
-          <a:prstGeom prst="rect">
-            <a:avLst/>
-          </a:prstGeom>
-          <a:noFill/>
-          <a:ln>
-            <a:noFill/>
-          </a:ln>
-        </p:spPr>
-        <p:txBody>
-          <a:bodyPr spcFirstLastPara="1" wrap="square" lIns="91425" tIns="45700" rIns="91425" bIns="45700" anchor="t" anchorCtr="0">
-            <a:noAutofit/>
-          </a:bodyPr>
-          <a:lstStyle/>
-          <a:p>
-            <a:pPr marL="0" marR="0" lvl="0" indent="0" algn="l" rtl="0">
-              <a:lnSpc>
-                <a:spcPct val="100000"/>
-              </a:lnSpc>
-              <a:spcBef>
-                <a:spcPts val="0"/>
-              </a:spcBef>
-              <a:spcAft>
-                <a:spcPts val="0"/>
-              </a:spcAft>
-              <a:buNone/>
-            </a:pPr>
-            <a:endParaRPr sz="1400" b="0" i="0" u="none" strike="noStrike" cap="none">
-              <a:solidFill>
-                <a:srgbClr val="000000"/>
-              </a:solidFill>
-              <a:latin typeface="Arial"/>
-              <a:ea typeface="Arial"/>
-              <a:cs typeface="Arial"/>
-              <a:sym typeface="Arial"/>
-            </a:endParaRPr>
-          </a:p>
-        </p:txBody>
-      </p:sp>
       <p:sp>
         <p:nvSpPr>
           <p:cNvPr id="261" name="Google Shape;261;p43"/>
@@ -36940,8 +36891,8 @@
         </p:blipFill>
         <p:spPr>
           <a:xfrm>
-            <a:off x="334725" y="4068525"/>
-            <a:ext cx="2981925" cy="705300"/>
+            <a:off x="667700" y="2769597"/>
+            <a:ext cx="2981925" cy="705600"/>
           </a:xfrm>
           <a:prstGeom prst="rect">
             <a:avLst/>
@@ -36967,7 +36918,7 @@
         </p:blipFill>
         <p:spPr>
           <a:xfrm>
-            <a:off x="334714" y="3463919"/>
+            <a:off x="571190" y="3866309"/>
             <a:ext cx="3603835" cy="487950"/>
           </a:xfrm>
           <a:prstGeom prst="rect">
@@ -36982,20 +36933,22 @@
       <p:pic>
         <p:nvPicPr>
           <p:cNvPr id="264" name="Google Shape;264;p43" descr="A screenshot of a cell phone&#10;&#10;Description automatically generated"/>
-          <p:cNvPicPr preferRelativeResize="0"/>
+          <p:cNvPicPr preferRelativeResize="0">
+            <a:picLocks noChangeAspect="1"/>
+          </p:cNvPicPr>
           <p:nvPr/>
         </p:nvPicPr>
         <p:blipFill rotWithShape="1">
           <a:blip r:embed="rId6">
             <a:alphaModFix/>
           </a:blip>
-          <a:srcRect/>
+          <a:srcRect t="7988"/>
           <a:stretch/>
         </p:blipFill>
         <p:spPr>
           <a:xfrm>
-            <a:off x="5404375" y="2304172"/>
-            <a:ext cx="3603826" cy="2468566"/>
+            <a:off x="5404375" y="2501352"/>
+            <a:ext cx="3603826" cy="2271385"/>
           </a:xfrm>
           <a:prstGeom prst="rect">
             <a:avLst/>
